--- a/GP_2_CS430/Eclat/ECLAT Algorithm-2.pptx
+++ b/GP_2_CS430/Eclat/ECLAT Algorithm-2.pptx
@@ -1,42 +1,56 @@
 
 <file path=ppt/presentation.xml><?xml version="1.0" encoding="utf-8"?>
-<p:presentation xmlns:a="http://schemas.openxmlformats.org/drawingml/2006/main" xmlns:r="http://schemas.openxmlformats.org/officeDocument/2006/relationships" xmlns:mc="http://schemas.openxmlformats.org/markup-compatibility/2006" xmlns:mv="urn:schemas-microsoft-com:mac:vml" xmlns:p="http://schemas.openxmlformats.org/presentationml/2006/main" xmlns:c="http://schemas.openxmlformats.org/drawingml/2006/chart" xmlns:dgm="http://schemas.openxmlformats.org/drawingml/2006/diagram" xmlns:o="urn:schemas-microsoft-com:office:office" xmlns:v="urn:schemas-microsoft-com:vml" xmlns:pvml="urn:schemas-microsoft-com:office:powerpoint" xmlns:com="http://schemas.openxmlformats.org/drawingml/2006/compatibility" xmlns:p14="http://schemas.microsoft.com/office/powerpoint/2010/main" xmlns:p15="http://schemas.microsoft.com/office/powerpoint/2012/main" xmlns:ahyp="http://schemas.microsoft.com/office/drawing/2018/hyperlinkcolor" autoCompressPictures="0" embedTrueTypeFonts="1" strictFirstAndLastChars="0" saveSubsetFonts="1">
+<p:presentation xmlns:a="http://schemas.openxmlformats.org/drawingml/2006/main" xmlns:r="http://schemas.openxmlformats.org/officeDocument/2006/relationships" xmlns:p="http://schemas.openxmlformats.org/presentationml/2006/main" strictFirstAndLastChars="0" embedTrueTypeFonts="1" saveSubsetFonts="1" autoCompressPictures="0">
   <p:sldMasterIdLst>
-    <p:sldMasterId id="2147483659" r:id="rId4"/>
+    <p:sldMasterId id="2147483659" r:id="rId1"/>
   </p:sldMasterIdLst>
   <p:notesMasterIdLst>
-    <p:notesMasterId r:id="rId5"/>
+    <p:notesMasterId r:id="rId17"/>
   </p:notesMasterIdLst>
   <p:sldIdLst>
-    <p:sldId id="256" r:id="rId6"/>
-    <p:sldId id="257" r:id="rId7"/>
-    <p:sldId id="258" r:id="rId8"/>
-    <p:sldId id="259" r:id="rId9"/>
-    <p:sldId id="260" r:id="rId10"/>
-    <p:sldId id="261" r:id="rId11"/>
-    <p:sldId id="262" r:id="rId12"/>
-    <p:sldId id="263" r:id="rId13"/>
-    <p:sldId id="264" r:id="rId14"/>
-    <p:sldId id="265" r:id="rId15"/>
-    <p:sldId id="266" r:id="rId16"/>
-    <p:sldId id="267" r:id="rId17"/>
-    <p:sldId id="268" r:id="rId18"/>
-    <p:sldId id="269" r:id="rId19"/>
-    <p:sldId id="270" r:id="rId20"/>
+    <p:sldId id="256" r:id="rId2"/>
+    <p:sldId id="257" r:id="rId3"/>
+    <p:sldId id="258" r:id="rId4"/>
+    <p:sldId id="259" r:id="rId5"/>
+    <p:sldId id="260" r:id="rId6"/>
+    <p:sldId id="261" r:id="rId7"/>
+    <p:sldId id="262" r:id="rId8"/>
+    <p:sldId id="263" r:id="rId9"/>
+    <p:sldId id="264" r:id="rId10"/>
+    <p:sldId id="265" r:id="rId11"/>
+    <p:sldId id="266" r:id="rId12"/>
+    <p:sldId id="267" r:id="rId13"/>
+    <p:sldId id="268" r:id="rId14"/>
+    <p:sldId id="269" r:id="rId15"/>
+    <p:sldId id="270" r:id="rId16"/>
   </p:sldIdLst>
-  <p:sldSz cy="5143500" cx="9144000"/>
+  <p:sldSz cx="9144000" cy="5143500" type="screen16x9"/>
   <p:notesSz cx="6858000" cy="9144000"/>
   <p:embeddedFontLst>
     <p:embeddedFont>
-      <p:font typeface="Nunito"/>
-      <p:regular r:id="rId21"/>
-      <p:bold r:id="rId22"/>
-      <p:italic r:id="rId23"/>
-      <p:boldItalic r:id="rId24"/>
+      <p:font typeface="Calibri" panose="020F0502020204030204" pitchFamily="34" charset="0"/>
+      <p:regular r:id="rId18"/>
+      <p:bold r:id="rId19"/>
+      <p:italic r:id="rId20"/>
+      <p:boldItalic r:id="rId21"/>
+    </p:embeddedFont>
+    <p:embeddedFont>
+      <p:font typeface="Georgia" panose="02040502050405020303" pitchFamily="18" charset="0"/>
+      <p:regular r:id="rId22"/>
+      <p:bold r:id="rId23"/>
+      <p:italic r:id="rId24"/>
+      <p:boldItalic r:id="rId25"/>
+    </p:embeddedFont>
+    <p:embeddedFont>
+      <p:font typeface="Nunito" pitchFamily="2" charset="77"/>
+      <p:regular r:id="rId26"/>
+      <p:bold r:id="rId27"/>
+      <p:italic r:id="rId28"/>
+      <p:boldItalic r:id="rId29"/>
     </p:embeddedFont>
   </p:embeddedFontLst>
   <p:defaultTextStyle>
-    <a:defPPr lvl="0" marR="0" rtl="0" algn="l">
+    <a:defPPr marR="0" lvl="0" algn="l" rtl="0">
       <a:lnSpc>
         <a:spcPct val="100000"/>
       </a:lnSpc>
@@ -47,7 +61,7 @@
         <a:spcPts val="0"/>
       </a:spcAft>
     </a:defPPr>
-    <a:lvl1pPr lvl="0" marR="0" rtl="0" algn="l">
+    <a:lvl1pPr marR="0" lvl="0" algn="l" rtl="0">
       <a:lnSpc>
         <a:spcPct val="100000"/>
       </a:lnSpc>
@@ -61,7 +75,7 @@
         <a:srgbClr val="000000"/>
       </a:buClr>
       <a:buFont typeface="Arial"/>
-      <a:defRPr b="0" i="0" sz="1400" u="none" cap="none" strike="noStrike">
+      <a:defRPr sz="1400" b="0" i="0" u="none" strike="noStrike" cap="none">
         <a:solidFill>
           <a:srgbClr val="000000"/>
         </a:solidFill>
@@ -71,7 +85,7 @@
         <a:sym typeface="Arial"/>
       </a:defRPr>
     </a:lvl1pPr>
-    <a:lvl2pPr lvl="1" marR="0" rtl="0" algn="l">
+    <a:lvl2pPr marR="0" lvl="1" algn="l" rtl="0">
       <a:lnSpc>
         <a:spcPct val="100000"/>
       </a:lnSpc>
@@ -85,7 +99,7 @@
         <a:srgbClr val="000000"/>
       </a:buClr>
       <a:buFont typeface="Arial"/>
-      <a:defRPr b="0" i="0" sz="1400" u="none" cap="none" strike="noStrike">
+      <a:defRPr sz="1400" b="0" i="0" u="none" strike="noStrike" cap="none">
         <a:solidFill>
           <a:srgbClr val="000000"/>
         </a:solidFill>
@@ -95,7 +109,7 @@
         <a:sym typeface="Arial"/>
       </a:defRPr>
     </a:lvl2pPr>
-    <a:lvl3pPr lvl="2" marR="0" rtl="0" algn="l">
+    <a:lvl3pPr marR="0" lvl="2" algn="l" rtl="0">
       <a:lnSpc>
         <a:spcPct val="100000"/>
       </a:lnSpc>
@@ -109,7 +123,7 @@
         <a:srgbClr val="000000"/>
       </a:buClr>
       <a:buFont typeface="Arial"/>
-      <a:defRPr b="0" i="0" sz="1400" u="none" cap="none" strike="noStrike">
+      <a:defRPr sz="1400" b="0" i="0" u="none" strike="noStrike" cap="none">
         <a:solidFill>
           <a:srgbClr val="000000"/>
         </a:solidFill>
@@ -119,7 +133,7 @@
         <a:sym typeface="Arial"/>
       </a:defRPr>
     </a:lvl3pPr>
-    <a:lvl4pPr lvl="3" marR="0" rtl="0" algn="l">
+    <a:lvl4pPr marR="0" lvl="3" algn="l" rtl="0">
       <a:lnSpc>
         <a:spcPct val="100000"/>
       </a:lnSpc>
@@ -133,7 +147,7 @@
         <a:srgbClr val="000000"/>
       </a:buClr>
       <a:buFont typeface="Arial"/>
-      <a:defRPr b="0" i="0" sz="1400" u="none" cap="none" strike="noStrike">
+      <a:defRPr sz="1400" b="0" i="0" u="none" strike="noStrike" cap="none">
         <a:solidFill>
           <a:srgbClr val="000000"/>
         </a:solidFill>
@@ -143,7 +157,7 @@
         <a:sym typeface="Arial"/>
       </a:defRPr>
     </a:lvl4pPr>
-    <a:lvl5pPr lvl="4" marR="0" rtl="0" algn="l">
+    <a:lvl5pPr marR="0" lvl="4" algn="l" rtl="0">
       <a:lnSpc>
         <a:spcPct val="100000"/>
       </a:lnSpc>
@@ -157,7 +171,7 @@
         <a:srgbClr val="000000"/>
       </a:buClr>
       <a:buFont typeface="Arial"/>
-      <a:defRPr b="0" i="0" sz="1400" u="none" cap="none" strike="noStrike">
+      <a:defRPr sz="1400" b="0" i="0" u="none" strike="noStrike" cap="none">
         <a:solidFill>
           <a:srgbClr val="000000"/>
         </a:solidFill>
@@ -167,7 +181,7 @@
         <a:sym typeface="Arial"/>
       </a:defRPr>
     </a:lvl5pPr>
-    <a:lvl6pPr lvl="5" marR="0" rtl="0" algn="l">
+    <a:lvl6pPr marR="0" lvl="5" algn="l" rtl="0">
       <a:lnSpc>
         <a:spcPct val="100000"/>
       </a:lnSpc>
@@ -181,7 +195,7 @@
         <a:srgbClr val="000000"/>
       </a:buClr>
       <a:buFont typeface="Arial"/>
-      <a:defRPr b="0" i="0" sz="1400" u="none" cap="none" strike="noStrike">
+      <a:defRPr sz="1400" b="0" i="0" u="none" strike="noStrike" cap="none">
         <a:solidFill>
           <a:srgbClr val="000000"/>
         </a:solidFill>
@@ -191,7 +205,7 @@
         <a:sym typeface="Arial"/>
       </a:defRPr>
     </a:lvl6pPr>
-    <a:lvl7pPr lvl="6" marR="0" rtl="0" algn="l">
+    <a:lvl7pPr marR="0" lvl="6" algn="l" rtl="0">
       <a:lnSpc>
         <a:spcPct val="100000"/>
       </a:lnSpc>
@@ -205,7 +219,7 @@
         <a:srgbClr val="000000"/>
       </a:buClr>
       <a:buFont typeface="Arial"/>
-      <a:defRPr b="0" i="0" sz="1400" u="none" cap="none" strike="noStrike">
+      <a:defRPr sz="1400" b="0" i="0" u="none" strike="noStrike" cap="none">
         <a:solidFill>
           <a:srgbClr val="000000"/>
         </a:solidFill>
@@ -215,7 +229,7 @@
         <a:sym typeface="Arial"/>
       </a:defRPr>
     </a:lvl7pPr>
-    <a:lvl8pPr lvl="7" marR="0" rtl="0" algn="l">
+    <a:lvl8pPr marR="0" lvl="7" algn="l" rtl="0">
       <a:lnSpc>
         <a:spcPct val="100000"/>
       </a:lnSpc>
@@ -229,7 +243,7 @@
         <a:srgbClr val="000000"/>
       </a:buClr>
       <a:buFont typeface="Arial"/>
-      <a:defRPr b="0" i="0" sz="1400" u="none" cap="none" strike="noStrike">
+      <a:defRPr sz="1400" b="0" i="0" u="none" strike="noStrike" cap="none">
         <a:solidFill>
           <a:srgbClr val="000000"/>
         </a:solidFill>
@@ -239,7 +253,7 @@
         <a:sym typeface="Arial"/>
       </a:defRPr>
     </a:lvl8pPr>
-    <a:lvl9pPr lvl="8" marR="0" rtl="0" algn="l">
+    <a:lvl9pPr marR="0" lvl="8" algn="l" rtl="0">
       <a:lnSpc>
         <a:spcPct val="100000"/>
       </a:lnSpc>
@@ -253,7 +267,7 @@
         <a:srgbClr val="000000"/>
       </a:buClr>
       <a:buFont typeface="Arial"/>
-      <a:defRPr b="0" i="0" sz="1400" u="none" cap="none" strike="noStrike">
+      <a:defRPr sz="1400" b="0" i="0" u="none" strike="noStrike" cap="none">
         <a:solidFill>
           <a:srgbClr val="000000"/>
         </a:solidFill>
@@ -266,7 +280,7 @@
   </p:defaultTextStyle>
   <p:extLst>
     <p:ext uri="{EFAFB233-063F-42B5-8137-9DF3F51BA10A}">
-      <p15:sldGuideLst>
+      <p15:sldGuideLst xmlns:p15="http://schemas.microsoft.com/office/powerpoint/2012/main">
         <p15:guide id="1" orient="horz" pos="1620">
           <p15:clr>
             <a:srgbClr val="A4A3A4"/>
@@ -284,11 +298,16 @@
 </file>
 
 <file path=ppt/notesMasters/notesMaster1.xml><?xml version="1.0" encoding="utf-8"?>
-<p:notesMaster xmlns:a="http://schemas.openxmlformats.org/drawingml/2006/main" xmlns:r="http://schemas.openxmlformats.org/officeDocument/2006/relationships" xmlns:mc="http://schemas.openxmlformats.org/markup-compatibility/2006" xmlns:mv="urn:schemas-microsoft-com:mac:vml" xmlns:p="http://schemas.openxmlformats.org/presentationml/2006/main" xmlns:c="http://schemas.openxmlformats.org/drawingml/2006/chart" xmlns:dgm="http://schemas.openxmlformats.org/drawingml/2006/diagram" xmlns:o="urn:schemas-microsoft-com:office:office" xmlns:v="urn:schemas-microsoft-com:vml" xmlns:pvml="urn:schemas-microsoft-com:office:powerpoint" xmlns:com="http://schemas.openxmlformats.org/drawingml/2006/compatibility" xmlns:p14="http://schemas.microsoft.com/office/powerpoint/2010/main" xmlns:p15="http://schemas.microsoft.com/office/powerpoint/2012/main" xmlns:ahyp="http://schemas.microsoft.com/office/drawing/2018/hyperlinkcolor">
+<p:notesMaster xmlns:a="http://schemas.openxmlformats.org/drawingml/2006/main" xmlns:r="http://schemas.openxmlformats.org/officeDocument/2006/relationships" xmlns:p="http://schemas.openxmlformats.org/presentationml/2006/main">
   <p:cSld>
+    <p:bg>
+      <p:bgRef idx="1001">
+        <a:schemeClr val="bg1"/>
+      </p:bgRef>
+    </p:bg>
     <p:spTree>
       <p:nvGrpSpPr>
-        <p:cNvPr id="2" name="Shape 2"/>
+        <p:cNvPr id="1" name="Shape 2"/>
         <p:cNvGrpSpPr/>
         <p:nvPr/>
       </p:nvGrpSpPr>
@@ -303,9 +322,11 @@
       <p:sp>
         <p:nvSpPr>
           <p:cNvPr id="3" name="Google Shape;3;n"/>
-          <p:cNvSpPr/>
+          <p:cNvSpPr>
+            <a:spLocks noGrp="1" noRot="1" noChangeAspect="1"/>
+          </p:cNvSpPr>
           <p:nvPr>
-            <p:ph idx="2" type="sldImg"/>
+            <p:ph type="sldImg" idx="2"/>
           </p:nvPr>
         </p:nvSpPr>
         <p:spPr>
@@ -314,9 +335,13 @@
             <a:ext cx="6096075" cy="3429000"/>
           </a:xfrm>
           <a:custGeom>
-            <a:rect b="b" l="l" r="r" t="t"/>
+            <a:avLst/>
+            <a:gdLst/>
+            <a:ahLst/>
+            <a:cxnLst/>
+            <a:rect l="l" t="t" r="r" b="b"/>
             <a:pathLst>
-              <a:path extrusionOk="0" h="120000" w="120000">
+              <a:path w="120000" h="120000" extrusionOk="0">
                 <a:moveTo>
                   <a:pt x="0" y="0"/>
                 </a:moveTo>
@@ -334,23 +359,25 @@
             </a:pathLst>
           </a:custGeom>
           <a:noFill/>
-          <a:ln cap="flat" cmpd="sng" w="9525">
+          <a:ln w="9525" cap="flat" cmpd="sng">
             <a:solidFill>
               <a:srgbClr val="000000"/>
             </a:solidFill>
             <a:prstDash val="solid"/>
             <a:round/>
-            <a:headEnd len="sm" w="sm" type="none"/>
-            <a:tailEnd len="sm" w="sm" type="none"/>
+            <a:headEnd type="none" w="sm" len="sm"/>
+            <a:tailEnd type="none" w="sm" len="sm"/>
           </a:ln>
         </p:spPr>
       </p:sp>
       <p:sp>
         <p:nvSpPr>
           <p:cNvPr id="4" name="Google Shape;4;n"/>
-          <p:cNvSpPr txBox="1"/>
+          <p:cNvSpPr txBox="1">
+            <a:spLocks noGrp="1"/>
+          </p:cNvSpPr>
           <p:nvPr>
-            <p:ph idx="1" type="body"/>
+            <p:ph type="body" idx="1"/>
           </p:nvPr>
         </p:nvSpPr>
         <p:spPr>
@@ -367,11 +394,11 @@
           </a:ln>
         </p:spPr>
         <p:txBody>
-          <a:bodyPr anchorCtr="0" anchor="t" bIns="91425" lIns="91425" spcFirstLastPara="1" rIns="91425" wrap="square" tIns="91425">
+          <a:bodyPr spcFirstLastPara="1" wrap="square" lIns="91425" tIns="91425" rIns="91425" bIns="91425" anchor="t" anchorCtr="0">
             <a:noAutofit/>
           </a:bodyPr>
           <a:lstStyle>
-            <a:lvl1pPr indent="-298450" lvl="0" marL="457200">
+            <a:lvl1pPr marL="457200" lvl="0" indent="-298450">
               <a:spcBef>
                 <a:spcPts val="0"/>
               </a:spcBef>
@@ -382,7 +409,7 @@
               <a:buChar char="●"/>
               <a:defRPr sz="1100"/>
             </a:lvl1pPr>
-            <a:lvl2pPr indent="-298450" lvl="1" marL="914400">
+            <a:lvl2pPr marL="914400" lvl="1" indent="-298450">
               <a:spcBef>
                 <a:spcPts val="0"/>
               </a:spcBef>
@@ -393,7 +420,7 @@
               <a:buChar char="○"/>
               <a:defRPr sz="1100"/>
             </a:lvl2pPr>
-            <a:lvl3pPr indent="-298450" lvl="2" marL="1371600">
+            <a:lvl3pPr marL="1371600" lvl="2" indent="-298450">
               <a:spcBef>
                 <a:spcPts val="0"/>
               </a:spcBef>
@@ -404,7 +431,7 @@
               <a:buChar char="■"/>
               <a:defRPr sz="1100"/>
             </a:lvl3pPr>
-            <a:lvl4pPr indent="-298450" lvl="3" marL="1828800">
+            <a:lvl4pPr marL="1828800" lvl="3" indent="-298450">
               <a:spcBef>
                 <a:spcPts val="0"/>
               </a:spcBef>
@@ -415,7 +442,7 @@
               <a:buChar char="●"/>
               <a:defRPr sz="1100"/>
             </a:lvl4pPr>
-            <a:lvl5pPr indent="-298450" lvl="4" marL="2286000">
+            <a:lvl5pPr marL="2286000" lvl="4" indent="-298450">
               <a:spcBef>
                 <a:spcPts val="0"/>
               </a:spcBef>
@@ -426,7 +453,7 @@
               <a:buChar char="○"/>
               <a:defRPr sz="1100"/>
             </a:lvl5pPr>
-            <a:lvl6pPr indent="-298450" lvl="5" marL="2743200">
+            <a:lvl6pPr marL="2743200" lvl="5" indent="-298450">
               <a:spcBef>
                 <a:spcPts val="0"/>
               </a:spcBef>
@@ -437,7 +464,7 @@
               <a:buChar char="■"/>
               <a:defRPr sz="1100"/>
             </a:lvl6pPr>
-            <a:lvl7pPr indent="-298450" lvl="6" marL="3200400">
+            <a:lvl7pPr marL="3200400" lvl="6" indent="-298450">
               <a:spcBef>
                 <a:spcPts val="0"/>
               </a:spcBef>
@@ -448,7 +475,7 @@
               <a:buChar char="●"/>
               <a:defRPr sz="1100"/>
             </a:lvl7pPr>
-            <a:lvl8pPr indent="-298450" lvl="7" marL="3657600">
+            <a:lvl8pPr marL="3657600" lvl="7" indent="-298450">
               <a:spcBef>
                 <a:spcPts val="0"/>
               </a:spcBef>
@@ -459,7 +486,7 @@
               <a:buChar char="○"/>
               <a:defRPr sz="1100"/>
             </a:lvl8pPr>
-            <a:lvl9pPr indent="-298450" lvl="8" marL="4114800">
+            <a:lvl9pPr marL="4114800" lvl="8" indent="-298450">
               <a:spcBef>
                 <a:spcPts val="0"/>
               </a:spcBef>
@@ -471,14 +498,16 @@
               <a:defRPr sz="1100"/>
             </a:lvl9pPr>
           </a:lstStyle>
-          <a:p/>
+          <a:p>
+            <a:endParaRPr/>
+          </a:p>
         </p:txBody>
       </p:sp>
     </p:spTree>
   </p:cSld>
-  <p:clrMap accent1="accent1" accent2="accent2" accent3="accent3" accent4="accent4" accent5="accent5" accent6="accent6" bg1="lt1" bg2="dk2" tx1="dk1" tx2="lt2" folHlink="folHlink" hlink="hlink"/>
+  <p:clrMap bg1="lt1" tx1="dk1" bg2="dk2" tx2="lt2" accent1="accent1" accent2="accent2" accent3="accent3" accent4="accent4" accent5="accent5" accent6="accent6" hlink="hlink" folHlink="folHlink"/>
   <p:notesStyle>
-    <a:defPPr lvl="0" marR="0" rtl="0" algn="l">
+    <a:defPPr marR="0" lvl="0" algn="l" rtl="0">
       <a:lnSpc>
         <a:spcPct val="100000"/>
       </a:lnSpc>
@@ -489,7 +518,7 @@
         <a:spcPts val="0"/>
       </a:spcAft>
     </a:defPPr>
-    <a:lvl1pPr lvl="0" marR="0" rtl="0" algn="l">
+    <a:lvl1pPr marR="0" lvl="0" algn="l" rtl="0">
       <a:lnSpc>
         <a:spcPct val="100000"/>
       </a:lnSpc>
@@ -503,7 +532,7 @@
         <a:srgbClr val="000000"/>
       </a:buClr>
       <a:buFont typeface="Arial"/>
-      <a:defRPr b="0" i="0" sz="1400" u="none" cap="none" strike="noStrike">
+      <a:defRPr sz="1400" b="0" i="0" u="none" strike="noStrike" cap="none">
         <a:solidFill>
           <a:srgbClr val="000000"/>
         </a:solidFill>
@@ -513,7 +542,7 @@
         <a:sym typeface="Arial"/>
       </a:defRPr>
     </a:lvl1pPr>
-    <a:lvl2pPr lvl="1" marR="0" rtl="0" algn="l">
+    <a:lvl2pPr marR="0" lvl="1" algn="l" rtl="0">
       <a:lnSpc>
         <a:spcPct val="100000"/>
       </a:lnSpc>
@@ -527,7 +556,7 @@
         <a:srgbClr val="000000"/>
       </a:buClr>
       <a:buFont typeface="Arial"/>
-      <a:defRPr b="0" i="0" sz="1400" u="none" cap="none" strike="noStrike">
+      <a:defRPr sz="1400" b="0" i="0" u="none" strike="noStrike" cap="none">
         <a:solidFill>
           <a:srgbClr val="000000"/>
         </a:solidFill>
@@ -537,7 +566,7 @@
         <a:sym typeface="Arial"/>
       </a:defRPr>
     </a:lvl2pPr>
-    <a:lvl3pPr lvl="2" marR="0" rtl="0" algn="l">
+    <a:lvl3pPr marR="0" lvl="2" algn="l" rtl="0">
       <a:lnSpc>
         <a:spcPct val="100000"/>
       </a:lnSpc>
@@ -551,7 +580,7 @@
         <a:srgbClr val="000000"/>
       </a:buClr>
       <a:buFont typeface="Arial"/>
-      <a:defRPr b="0" i="0" sz="1400" u="none" cap="none" strike="noStrike">
+      <a:defRPr sz="1400" b="0" i="0" u="none" strike="noStrike" cap="none">
         <a:solidFill>
           <a:srgbClr val="000000"/>
         </a:solidFill>
@@ -561,7 +590,7 @@
         <a:sym typeface="Arial"/>
       </a:defRPr>
     </a:lvl3pPr>
-    <a:lvl4pPr lvl="3" marR="0" rtl="0" algn="l">
+    <a:lvl4pPr marR="0" lvl="3" algn="l" rtl="0">
       <a:lnSpc>
         <a:spcPct val="100000"/>
       </a:lnSpc>
@@ -575,7 +604,7 @@
         <a:srgbClr val="000000"/>
       </a:buClr>
       <a:buFont typeface="Arial"/>
-      <a:defRPr b="0" i="0" sz="1400" u="none" cap="none" strike="noStrike">
+      <a:defRPr sz="1400" b="0" i="0" u="none" strike="noStrike" cap="none">
         <a:solidFill>
           <a:srgbClr val="000000"/>
         </a:solidFill>
@@ -585,7 +614,7 @@
         <a:sym typeface="Arial"/>
       </a:defRPr>
     </a:lvl4pPr>
-    <a:lvl5pPr lvl="4" marR="0" rtl="0" algn="l">
+    <a:lvl5pPr marR="0" lvl="4" algn="l" rtl="0">
       <a:lnSpc>
         <a:spcPct val="100000"/>
       </a:lnSpc>
@@ -599,7 +628,7 @@
         <a:srgbClr val="000000"/>
       </a:buClr>
       <a:buFont typeface="Arial"/>
-      <a:defRPr b="0" i="0" sz="1400" u="none" cap="none" strike="noStrike">
+      <a:defRPr sz="1400" b="0" i="0" u="none" strike="noStrike" cap="none">
         <a:solidFill>
           <a:srgbClr val="000000"/>
         </a:solidFill>
@@ -609,7 +638,7 @@
         <a:sym typeface="Arial"/>
       </a:defRPr>
     </a:lvl5pPr>
-    <a:lvl6pPr lvl="5" marR="0" rtl="0" algn="l">
+    <a:lvl6pPr marR="0" lvl="5" algn="l" rtl="0">
       <a:lnSpc>
         <a:spcPct val="100000"/>
       </a:lnSpc>
@@ -623,7 +652,7 @@
         <a:srgbClr val="000000"/>
       </a:buClr>
       <a:buFont typeface="Arial"/>
-      <a:defRPr b="0" i="0" sz="1400" u="none" cap="none" strike="noStrike">
+      <a:defRPr sz="1400" b="0" i="0" u="none" strike="noStrike" cap="none">
         <a:solidFill>
           <a:srgbClr val="000000"/>
         </a:solidFill>
@@ -633,7 +662,7 @@
         <a:sym typeface="Arial"/>
       </a:defRPr>
     </a:lvl6pPr>
-    <a:lvl7pPr lvl="6" marR="0" rtl="0" algn="l">
+    <a:lvl7pPr marR="0" lvl="6" algn="l" rtl="0">
       <a:lnSpc>
         <a:spcPct val="100000"/>
       </a:lnSpc>
@@ -647,7 +676,7 @@
         <a:srgbClr val="000000"/>
       </a:buClr>
       <a:buFont typeface="Arial"/>
-      <a:defRPr b="0" i="0" sz="1400" u="none" cap="none" strike="noStrike">
+      <a:defRPr sz="1400" b="0" i="0" u="none" strike="noStrike" cap="none">
         <a:solidFill>
           <a:srgbClr val="000000"/>
         </a:solidFill>
@@ -657,7 +686,7 @@
         <a:sym typeface="Arial"/>
       </a:defRPr>
     </a:lvl7pPr>
-    <a:lvl8pPr lvl="7" marR="0" rtl="0" algn="l">
+    <a:lvl8pPr marR="0" lvl="7" algn="l" rtl="0">
       <a:lnSpc>
         <a:spcPct val="100000"/>
       </a:lnSpc>
@@ -671,7 +700,7 @@
         <a:srgbClr val="000000"/>
       </a:buClr>
       <a:buFont typeface="Arial"/>
-      <a:defRPr b="0" i="0" sz="1400" u="none" cap="none" strike="noStrike">
+      <a:defRPr sz="1400" b="0" i="0" u="none" strike="noStrike" cap="none">
         <a:solidFill>
           <a:srgbClr val="000000"/>
         </a:solidFill>
@@ -681,7 +710,7 @@
         <a:sym typeface="Arial"/>
       </a:defRPr>
     </a:lvl8pPr>
-    <a:lvl9pPr lvl="8" marR="0" rtl="0" algn="l">
+    <a:lvl9pPr marR="0" lvl="8" algn="l" rtl="0">
       <a:lnSpc>
         <a:spcPct val="100000"/>
       </a:lnSpc>
@@ -695,7 +724,7 @@
         <a:srgbClr val="000000"/>
       </a:buClr>
       <a:buFont typeface="Arial"/>
-      <a:defRPr b="0" i="0" sz="1400" u="none" cap="none" strike="noStrike">
+      <a:defRPr sz="1400" b="0" i="0" u="none" strike="noStrike" cap="none">
         <a:solidFill>
           <a:srgbClr val="000000"/>
         </a:solidFill>
@@ -710,11 +739,11 @@
 </file>
 
 <file path=ppt/notesSlides/notesSlide1.xml><?xml version="1.0" encoding="utf-8"?>
-<p:notes xmlns:a="http://schemas.openxmlformats.org/drawingml/2006/main" xmlns:r="http://schemas.openxmlformats.org/officeDocument/2006/relationships" xmlns:mc="http://schemas.openxmlformats.org/markup-compatibility/2006" xmlns:mv="urn:schemas-microsoft-com:mac:vml" xmlns:p="http://schemas.openxmlformats.org/presentationml/2006/main" xmlns:c="http://schemas.openxmlformats.org/drawingml/2006/chart" xmlns:dgm="http://schemas.openxmlformats.org/drawingml/2006/diagram" xmlns:o="urn:schemas-microsoft-com:office:office" xmlns:v="urn:schemas-microsoft-com:vml" xmlns:pvml="urn:schemas-microsoft-com:office:powerpoint" xmlns:com="http://schemas.openxmlformats.org/drawingml/2006/compatibility" xmlns:p14="http://schemas.microsoft.com/office/powerpoint/2010/main" xmlns:p15="http://schemas.microsoft.com/office/powerpoint/2012/main" xmlns:ahyp="http://schemas.microsoft.com/office/drawing/2018/hyperlinkcolor" showMasterPhAnim="0" showMasterSp="0">
+<p:notes xmlns:a="http://schemas.openxmlformats.org/drawingml/2006/main" xmlns:r="http://schemas.openxmlformats.org/officeDocument/2006/relationships" xmlns:p="http://schemas.openxmlformats.org/presentationml/2006/main" showMasterSp="0" showMasterPhAnim="0">
   <p:cSld>
     <p:spTree>
       <p:nvGrpSpPr>
-        <p:cNvPr id="124" name="Shape 124"/>
+        <p:cNvPr id="1" name="Shape 124"/>
         <p:cNvGrpSpPr/>
         <p:nvPr/>
       </p:nvGrpSpPr>
@@ -729,9 +758,11 @@
       <p:sp>
         <p:nvSpPr>
           <p:cNvPr id="125" name="Google Shape;125;p:notes"/>
-          <p:cNvSpPr/>
+          <p:cNvSpPr>
+            <a:spLocks noGrp="1" noRot="1" noChangeAspect="1"/>
+          </p:cNvSpPr>
           <p:nvPr>
-            <p:ph idx="2" type="sldImg"/>
+            <p:ph type="sldImg" idx="2"/>
           </p:nvPr>
         </p:nvSpPr>
         <p:spPr>
@@ -740,9 +771,13 @@
             <a:ext cx="6096075" cy="3429000"/>
           </a:xfrm>
           <a:custGeom>
-            <a:rect b="b" l="l" r="r" t="t"/>
+            <a:avLst/>
+            <a:gdLst/>
+            <a:ahLst/>
+            <a:cxnLst/>
+            <a:rect l="l" t="t" r="r" b="b"/>
             <a:pathLst>
-              <a:path extrusionOk="0" h="120000" w="120000">
+              <a:path w="120000" h="120000" extrusionOk="0">
                 <a:moveTo>
                   <a:pt x="0" y="0"/>
                 </a:moveTo>
@@ -764,9 +799,11 @@
       <p:sp>
         <p:nvSpPr>
           <p:cNvPr id="126" name="Google Shape;126;p:notes"/>
-          <p:cNvSpPr txBox="1"/>
+          <p:cNvSpPr txBox="1">
+            <a:spLocks noGrp="1"/>
+          </p:cNvSpPr>
           <p:nvPr>
-            <p:ph idx="1" type="body"/>
+            <p:ph type="body" idx="1"/>
           </p:nvPr>
         </p:nvSpPr>
         <p:spPr>
@@ -779,12 +816,12 @@
           </a:prstGeom>
         </p:spPr>
         <p:txBody>
-          <a:bodyPr anchorCtr="0" anchor="t" bIns="91425" lIns="91425" spcFirstLastPara="1" rIns="91425" wrap="square" tIns="91425">
+          <a:bodyPr spcFirstLastPara="1" wrap="square" lIns="91425" tIns="91425" rIns="91425" bIns="91425" anchor="t" anchorCtr="0">
             <a:noAutofit/>
           </a:bodyPr>
           <a:lstStyle/>
           <a:p>
-            <a:pPr indent="0" lvl="0" marL="0" rtl="0" algn="l">
+            <a:pPr marL="0" lvl="0" indent="0" algn="l" rtl="0">
               <a:spcBef>
                 <a:spcPts val="0"/>
               </a:spcBef>
@@ -793,9 +830,6 @@
               </a:spcAft>
               <a:buNone/>
             </a:pPr>
-            <a:r>
-              <a:t/>
-            </a:r>
             <a:endParaRPr/>
           </a:p>
         </p:txBody>
@@ -809,11 +843,11 @@
 </file>
 
 <file path=ppt/notesSlides/notesSlide10.xml><?xml version="1.0" encoding="utf-8"?>
-<p:notes xmlns:a="http://schemas.openxmlformats.org/drawingml/2006/main" xmlns:r="http://schemas.openxmlformats.org/officeDocument/2006/relationships" xmlns:mc="http://schemas.openxmlformats.org/markup-compatibility/2006" xmlns:mv="urn:schemas-microsoft-com:mac:vml" xmlns:p="http://schemas.openxmlformats.org/presentationml/2006/main" xmlns:c="http://schemas.openxmlformats.org/drawingml/2006/chart" xmlns:dgm="http://schemas.openxmlformats.org/drawingml/2006/diagram" xmlns:o="urn:schemas-microsoft-com:office:office" xmlns:v="urn:schemas-microsoft-com:vml" xmlns:pvml="urn:schemas-microsoft-com:office:powerpoint" xmlns:com="http://schemas.openxmlformats.org/drawingml/2006/compatibility" xmlns:p14="http://schemas.microsoft.com/office/powerpoint/2010/main" xmlns:p15="http://schemas.microsoft.com/office/powerpoint/2012/main" xmlns:ahyp="http://schemas.microsoft.com/office/drawing/2018/hyperlinkcolor" showMasterPhAnim="0" showMasterSp="0">
+<p:notes xmlns:a="http://schemas.openxmlformats.org/drawingml/2006/main" xmlns:r="http://schemas.openxmlformats.org/officeDocument/2006/relationships" xmlns:p="http://schemas.openxmlformats.org/presentationml/2006/main" showMasterSp="0" showMasterPhAnim="0">
   <p:cSld>
     <p:spTree>
       <p:nvGrpSpPr>
-        <p:cNvPr id="187" name="Shape 187"/>
+        <p:cNvPr id="1" name="Shape 187"/>
         <p:cNvGrpSpPr/>
         <p:nvPr/>
       </p:nvGrpSpPr>
@@ -828,9 +862,11 @@
       <p:sp>
         <p:nvSpPr>
           <p:cNvPr id="188" name="Google Shape;188;g1948e01f4b4_3_6:notes"/>
-          <p:cNvSpPr/>
+          <p:cNvSpPr>
+            <a:spLocks noGrp="1" noRot="1" noChangeAspect="1"/>
+          </p:cNvSpPr>
           <p:nvPr>
-            <p:ph idx="2" type="sldImg"/>
+            <p:ph type="sldImg" idx="2"/>
           </p:nvPr>
         </p:nvSpPr>
         <p:spPr>
@@ -839,9 +875,13 @@
             <a:ext cx="6096000" cy="3429000"/>
           </a:xfrm>
           <a:custGeom>
-            <a:rect b="b" l="l" r="r" t="t"/>
+            <a:avLst/>
+            <a:gdLst/>
+            <a:ahLst/>
+            <a:cxnLst/>
+            <a:rect l="l" t="t" r="r" b="b"/>
             <a:pathLst>
-              <a:path extrusionOk="0" h="120000" w="120000">
+              <a:path w="120000" h="120000" extrusionOk="0">
                 <a:moveTo>
                   <a:pt x="0" y="0"/>
                 </a:moveTo>
@@ -863,9 +903,11 @@
       <p:sp>
         <p:nvSpPr>
           <p:cNvPr id="189" name="Google Shape;189;g1948e01f4b4_3_6:notes"/>
-          <p:cNvSpPr txBox="1"/>
+          <p:cNvSpPr txBox="1">
+            <a:spLocks noGrp="1"/>
+          </p:cNvSpPr>
           <p:nvPr>
-            <p:ph idx="1" type="body"/>
+            <p:ph type="body" idx="1"/>
           </p:nvPr>
         </p:nvSpPr>
         <p:spPr>
@@ -878,12 +920,12 @@
           </a:prstGeom>
         </p:spPr>
         <p:txBody>
-          <a:bodyPr anchorCtr="0" anchor="t" bIns="91425" lIns="91425" spcFirstLastPara="1" rIns="91425" wrap="square" tIns="91425">
+          <a:bodyPr spcFirstLastPara="1" wrap="square" lIns="91425" tIns="91425" rIns="91425" bIns="91425" anchor="t" anchorCtr="0">
             <a:noAutofit/>
           </a:bodyPr>
           <a:lstStyle/>
           <a:p>
-            <a:pPr indent="0" lvl="0" marL="0" rtl="0" algn="l">
+            <a:pPr marL="0" lvl="0" indent="0" algn="l" rtl="0">
               <a:spcBef>
                 <a:spcPts val="0"/>
               </a:spcBef>
@@ -892,9 +934,6 @@
               </a:spcAft>
               <a:buNone/>
             </a:pPr>
-            <a:r>
-              <a:t/>
-            </a:r>
             <a:endParaRPr/>
           </a:p>
         </p:txBody>
@@ -908,11 +947,11 @@
 </file>
 
 <file path=ppt/notesSlides/notesSlide11.xml><?xml version="1.0" encoding="utf-8"?>
-<p:notes xmlns:a="http://schemas.openxmlformats.org/drawingml/2006/main" xmlns:r="http://schemas.openxmlformats.org/officeDocument/2006/relationships" xmlns:mc="http://schemas.openxmlformats.org/markup-compatibility/2006" xmlns:mv="urn:schemas-microsoft-com:mac:vml" xmlns:p="http://schemas.openxmlformats.org/presentationml/2006/main" xmlns:c="http://schemas.openxmlformats.org/drawingml/2006/chart" xmlns:dgm="http://schemas.openxmlformats.org/drawingml/2006/diagram" xmlns:o="urn:schemas-microsoft-com:office:office" xmlns:v="urn:schemas-microsoft-com:vml" xmlns:pvml="urn:schemas-microsoft-com:office:powerpoint" xmlns:com="http://schemas.openxmlformats.org/drawingml/2006/compatibility" xmlns:p14="http://schemas.microsoft.com/office/powerpoint/2010/main" xmlns:p15="http://schemas.microsoft.com/office/powerpoint/2012/main" xmlns:ahyp="http://schemas.microsoft.com/office/drawing/2018/hyperlinkcolor" showMasterPhAnim="0" showMasterSp="0">
+<p:notes xmlns:a="http://schemas.openxmlformats.org/drawingml/2006/main" xmlns:r="http://schemas.openxmlformats.org/officeDocument/2006/relationships" xmlns:p="http://schemas.openxmlformats.org/presentationml/2006/main" showMasterSp="0" showMasterPhAnim="0">
   <p:cSld>
     <p:spTree>
       <p:nvGrpSpPr>
-        <p:cNvPr id="194" name="Shape 194"/>
+        <p:cNvPr id="1" name="Shape 194"/>
         <p:cNvGrpSpPr/>
         <p:nvPr/>
       </p:nvGrpSpPr>
@@ -927,9 +966,11 @@
       <p:sp>
         <p:nvSpPr>
           <p:cNvPr id="195" name="Google Shape;195;g1948e01f4b4_3_11:notes"/>
-          <p:cNvSpPr/>
+          <p:cNvSpPr>
+            <a:spLocks noGrp="1" noRot="1" noChangeAspect="1"/>
+          </p:cNvSpPr>
           <p:nvPr>
-            <p:ph idx="2" type="sldImg"/>
+            <p:ph type="sldImg" idx="2"/>
           </p:nvPr>
         </p:nvSpPr>
         <p:spPr>
@@ -938,9 +979,13 @@
             <a:ext cx="6096000" cy="3429000"/>
           </a:xfrm>
           <a:custGeom>
-            <a:rect b="b" l="l" r="r" t="t"/>
+            <a:avLst/>
+            <a:gdLst/>
+            <a:ahLst/>
+            <a:cxnLst/>
+            <a:rect l="l" t="t" r="r" b="b"/>
             <a:pathLst>
-              <a:path extrusionOk="0" h="120000" w="120000">
+              <a:path w="120000" h="120000" extrusionOk="0">
                 <a:moveTo>
                   <a:pt x="0" y="0"/>
                 </a:moveTo>
@@ -962,9 +1007,11 @@
       <p:sp>
         <p:nvSpPr>
           <p:cNvPr id="196" name="Google Shape;196;g1948e01f4b4_3_11:notes"/>
-          <p:cNvSpPr txBox="1"/>
+          <p:cNvSpPr txBox="1">
+            <a:spLocks noGrp="1"/>
+          </p:cNvSpPr>
           <p:nvPr>
-            <p:ph idx="1" type="body"/>
+            <p:ph type="body" idx="1"/>
           </p:nvPr>
         </p:nvSpPr>
         <p:spPr>
@@ -977,12 +1024,12 @@
           </a:prstGeom>
         </p:spPr>
         <p:txBody>
-          <a:bodyPr anchorCtr="0" anchor="t" bIns="91425" lIns="91425" spcFirstLastPara="1" rIns="91425" wrap="square" tIns="91425">
+          <a:bodyPr spcFirstLastPara="1" wrap="square" lIns="91425" tIns="91425" rIns="91425" bIns="91425" anchor="t" anchorCtr="0">
             <a:noAutofit/>
           </a:bodyPr>
           <a:lstStyle/>
           <a:p>
-            <a:pPr indent="0" lvl="0" marL="0" rtl="0" algn="l">
+            <a:pPr marL="0" lvl="0" indent="0" algn="l" rtl="0">
               <a:spcBef>
                 <a:spcPts val="0"/>
               </a:spcBef>
@@ -991,9 +1038,6 @@
               </a:spcAft>
               <a:buNone/>
             </a:pPr>
-            <a:r>
-              <a:t/>
-            </a:r>
             <a:endParaRPr/>
           </a:p>
         </p:txBody>
@@ -1007,11 +1051,11 @@
 </file>
 
 <file path=ppt/notesSlides/notesSlide12.xml><?xml version="1.0" encoding="utf-8"?>
-<p:notes xmlns:a="http://schemas.openxmlformats.org/drawingml/2006/main" xmlns:r="http://schemas.openxmlformats.org/officeDocument/2006/relationships" xmlns:mc="http://schemas.openxmlformats.org/markup-compatibility/2006" xmlns:mv="urn:schemas-microsoft-com:mac:vml" xmlns:p="http://schemas.openxmlformats.org/presentationml/2006/main" xmlns:c="http://schemas.openxmlformats.org/drawingml/2006/chart" xmlns:dgm="http://schemas.openxmlformats.org/drawingml/2006/diagram" xmlns:o="urn:schemas-microsoft-com:office:office" xmlns:v="urn:schemas-microsoft-com:vml" xmlns:pvml="urn:schemas-microsoft-com:office:powerpoint" xmlns:com="http://schemas.openxmlformats.org/drawingml/2006/compatibility" xmlns:p14="http://schemas.microsoft.com/office/powerpoint/2010/main" xmlns:p15="http://schemas.microsoft.com/office/powerpoint/2012/main" xmlns:ahyp="http://schemas.microsoft.com/office/drawing/2018/hyperlinkcolor" showMasterPhAnim="0" showMasterSp="0">
+<p:notes xmlns:a="http://schemas.openxmlformats.org/drawingml/2006/main" xmlns:r="http://schemas.openxmlformats.org/officeDocument/2006/relationships" xmlns:p="http://schemas.openxmlformats.org/presentationml/2006/main" showMasterSp="0" showMasterPhAnim="0">
   <p:cSld>
     <p:spTree>
       <p:nvGrpSpPr>
-        <p:cNvPr id="201" name="Shape 201"/>
+        <p:cNvPr id="1" name="Shape 201"/>
         <p:cNvGrpSpPr/>
         <p:nvPr/>
       </p:nvGrpSpPr>
@@ -1026,9 +1070,11 @@
       <p:sp>
         <p:nvSpPr>
           <p:cNvPr id="202" name="Google Shape;202;g1948e01f4b4_3_16:notes"/>
-          <p:cNvSpPr/>
+          <p:cNvSpPr>
+            <a:spLocks noGrp="1" noRot="1" noChangeAspect="1"/>
+          </p:cNvSpPr>
           <p:nvPr>
-            <p:ph idx="2" type="sldImg"/>
+            <p:ph type="sldImg" idx="2"/>
           </p:nvPr>
         </p:nvSpPr>
         <p:spPr>
@@ -1037,9 +1083,13 @@
             <a:ext cx="6096000" cy="3429000"/>
           </a:xfrm>
           <a:custGeom>
-            <a:rect b="b" l="l" r="r" t="t"/>
+            <a:avLst/>
+            <a:gdLst/>
+            <a:ahLst/>
+            <a:cxnLst/>
+            <a:rect l="l" t="t" r="r" b="b"/>
             <a:pathLst>
-              <a:path extrusionOk="0" h="120000" w="120000">
+              <a:path w="120000" h="120000" extrusionOk="0">
                 <a:moveTo>
                   <a:pt x="0" y="0"/>
                 </a:moveTo>
@@ -1061,9 +1111,11 @@
       <p:sp>
         <p:nvSpPr>
           <p:cNvPr id="203" name="Google Shape;203;g1948e01f4b4_3_16:notes"/>
-          <p:cNvSpPr txBox="1"/>
+          <p:cNvSpPr txBox="1">
+            <a:spLocks noGrp="1"/>
+          </p:cNvSpPr>
           <p:nvPr>
-            <p:ph idx="1" type="body"/>
+            <p:ph type="body" idx="1"/>
           </p:nvPr>
         </p:nvSpPr>
         <p:spPr>
@@ -1076,12 +1128,12 @@
           </a:prstGeom>
         </p:spPr>
         <p:txBody>
-          <a:bodyPr anchorCtr="0" anchor="t" bIns="91425" lIns="91425" spcFirstLastPara="1" rIns="91425" wrap="square" tIns="91425">
+          <a:bodyPr spcFirstLastPara="1" wrap="square" lIns="91425" tIns="91425" rIns="91425" bIns="91425" anchor="t" anchorCtr="0">
             <a:noAutofit/>
           </a:bodyPr>
           <a:lstStyle/>
           <a:p>
-            <a:pPr indent="0" lvl="0" marL="0" rtl="0" algn="l">
+            <a:pPr marL="0" lvl="0" indent="0" algn="l" rtl="0">
               <a:spcBef>
                 <a:spcPts val="0"/>
               </a:spcBef>
@@ -1090,9 +1142,6 @@
               </a:spcAft>
               <a:buNone/>
             </a:pPr>
-            <a:r>
-              <a:t/>
-            </a:r>
             <a:endParaRPr/>
           </a:p>
         </p:txBody>
@@ -1106,11 +1155,11 @@
 </file>
 
 <file path=ppt/notesSlides/notesSlide13.xml><?xml version="1.0" encoding="utf-8"?>
-<p:notes xmlns:a="http://schemas.openxmlformats.org/drawingml/2006/main" xmlns:r="http://schemas.openxmlformats.org/officeDocument/2006/relationships" xmlns:mc="http://schemas.openxmlformats.org/markup-compatibility/2006" xmlns:mv="urn:schemas-microsoft-com:mac:vml" xmlns:p="http://schemas.openxmlformats.org/presentationml/2006/main" xmlns:c="http://schemas.openxmlformats.org/drawingml/2006/chart" xmlns:dgm="http://schemas.openxmlformats.org/drawingml/2006/diagram" xmlns:o="urn:schemas-microsoft-com:office:office" xmlns:v="urn:schemas-microsoft-com:vml" xmlns:pvml="urn:schemas-microsoft-com:office:powerpoint" xmlns:com="http://schemas.openxmlformats.org/drawingml/2006/compatibility" xmlns:p14="http://schemas.microsoft.com/office/powerpoint/2010/main" xmlns:p15="http://schemas.microsoft.com/office/powerpoint/2012/main" xmlns:ahyp="http://schemas.microsoft.com/office/drawing/2018/hyperlinkcolor" showMasterPhAnim="0" showMasterSp="0">
+<p:notes xmlns:a="http://schemas.openxmlformats.org/drawingml/2006/main" xmlns:r="http://schemas.openxmlformats.org/officeDocument/2006/relationships" xmlns:p="http://schemas.openxmlformats.org/presentationml/2006/main" showMasterSp="0" showMasterPhAnim="0">
   <p:cSld>
     <p:spTree>
       <p:nvGrpSpPr>
-        <p:cNvPr id="208" name="Shape 208"/>
+        <p:cNvPr id="1" name="Shape 208"/>
         <p:cNvGrpSpPr/>
         <p:nvPr/>
       </p:nvGrpSpPr>
@@ -1125,9 +1174,11 @@
       <p:sp>
         <p:nvSpPr>
           <p:cNvPr id="209" name="Google Shape;209;g1948e01f4b4_3_40:notes"/>
-          <p:cNvSpPr/>
+          <p:cNvSpPr>
+            <a:spLocks noGrp="1" noRot="1" noChangeAspect="1"/>
+          </p:cNvSpPr>
           <p:nvPr>
-            <p:ph idx="2" type="sldImg"/>
+            <p:ph type="sldImg" idx="2"/>
           </p:nvPr>
         </p:nvSpPr>
         <p:spPr>
@@ -1136,9 +1187,13 @@
             <a:ext cx="6096000" cy="3429000"/>
           </a:xfrm>
           <a:custGeom>
-            <a:rect b="b" l="l" r="r" t="t"/>
+            <a:avLst/>
+            <a:gdLst/>
+            <a:ahLst/>
+            <a:cxnLst/>
+            <a:rect l="l" t="t" r="r" b="b"/>
             <a:pathLst>
-              <a:path extrusionOk="0" h="120000" w="120000">
+              <a:path w="120000" h="120000" extrusionOk="0">
                 <a:moveTo>
                   <a:pt x="0" y="0"/>
                 </a:moveTo>
@@ -1160,9 +1215,11 @@
       <p:sp>
         <p:nvSpPr>
           <p:cNvPr id="210" name="Google Shape;210;g1948e01f4b4_3_40:notes"/>
-          <p:cNvSpPr txBox="1"/>
+          <p:cNvSpPr txBox="1">
+            <a:spLocks noGrp="1"/>
+          </p:cNvSpPr>
           <p:nvPr>
-            <p:ph idx="1" type="body"/>
+            <p:ph type="body" idx="1"/>
           </p:nvPr>
         </p:nvSpPr>
         <p:spPr>
@@ -1175,12 +1232,12 @@
           </a:prstGeom>
         </p:spPr>
         <p:txBody>
-          <a:bodyPr anchorCtr="0" anchor="t" bIns="91425" lIns="91425" spcFirstLastPara="1" rIns="91425" wrap="square" tIns="91425">
+          <a:bodyPr spcFirstLastPara="1" wrap="square" lIns="91425" tIns="91425" rIns="91425" bIns="91425" anchor="t" anchorCtr="0">
             <a:noAutofit/>
           </a:bodyPr>
           <a:lstStyle/>
           <a:p>
-            <a:pPr indent="0" lvl="0" marL="0" rtl="0" algn="l">
+            <a:pPr marL="0" lvl="0" indent="0" algn="l" rtl="0">
               <a:spcBef>
                 <a:spcPts val="0"/>
               </a:spcBef>
@@ -1189,9 +1246,6 @@
               </a:spcAft>
               <a:buNone/>
             </a:pPr>
-            <a:r>
-              <a:t/>
-            </a:r>
             <a:endParaRPr/>
           </a:p>
         </p:txBody>
@@ -1205,11 +1259,11 @@
 </file>
 
 <file path=ppt/notesSlides/notesSlide14.xml><?xml version="1.0" encoding="utf-8"?>
-<p:notes xmlns:a="http://schemas.openxmlformats.org/drawingml/2006/main" xmlns:r="http://schemas.openxmlformats.org/officeDocument/2006/relationships" xmlns:mc="http://schemas.openxmlformats.org/markup-compatibility/2006" xmlns:mv="urn:schemas-microsoft-com:mac:vml" xmlns:p="http://schemas.openxmlformats.org/presentationml/2006/main" xmlns:c="http://schemas.openxmlformats.org/drawingml/2006/chart" xmlns:dgm="http://schemas.openxmlformats.org/drawingml/2006/diagram" xmlns:o="urn:schemas-microsoft-com:office:office" xmlns:v="urn:schemas-microsoft-com:vml" xmlns:pvml="urn:schemas-microsoft-com:office:powerpoint" xmlns:com="http://schemas.openxmlformats.org/drawingml/2006/compatibility" xmlns:p14="http://schemas.microsoft.com/office/powerpoint/2010/main" xmlns:p15="http://schemas.microsoft.com/office/powerpoint/2012/main" xmlns:ahyp="http://schemas.microsoft.com/office/drawing/2018/hyperlinkcolor" showMasterPhAnim="0" showMasterSp="0">
+<p:notes xmlns:a="http://schemas.openxmlformats.org/drawingml/2006/main" xmlns:r="http://schemas.openxmlformats.org/officeDocument/2006/relationships" xmlns:p="http://schemas.openxmlformats.org/presentationml/2006/main" showMasterSp="0" showMasterPhAnim="0">
   <p:cSld>
     <p:spTree>
       <p:nvGrpSpPr>
-        <p:cNvPr id="215" name="Shape 215"/>
+        <p:cNvPr id="1" name="Shape 215"/>
         <p:cNvGrpSpPr/>
         <p:nvPr/>
       </p:nvGrpSpPr>
@@ -1224,9 +1278,11 @@
       <p:sp>
         <p:nvSpPr>
           <p:cNvPr id="216" name="Google Shape;216;g1948e01f4b4_3_30:notes"/>
-          <p:cNvSpPr/>
+          <p:cNvSpPr>
+            <a:spLocks noGrp="1" noRot="1" noChangeAspect="1"/>
+          </p:cNvSpPr>
           <p:nvPr>
-            <p:ph idx="2" type="sldImg"/>
+            <p:ph type="sldImg" idx="2"/>
           </p:nvPr>
         </p:nvSpPr>
         <p:spPr>
@@ -1235,9 +1291,13 @@
             <a:ext cx="6096000" cy="3429000"/>
           </a:xfrm>
           <a:custGeom>
-            <a:rect b="b" l="l" r="r" t="t"/>
+            <a:avLst/>
+            <a:gdLst/>
+            <a:ahLst/>
+            <a:cxnLst/>
+            <a:rect l="l" t="t" r="r" b="b"/>
             <a:pathLst>
-              <a:path extrusionOk="0" h="120000" w="120000">
+              <a:path w="120000" h="120000" extrusionOk="0">
                 <a:moveTo>
                   <a:pt x="0" y="0"/>
                 </a:moveTo>
@@ -1259,9 +1319,11 @@
       <p:sp>
         <p:nvSpPr>
           <p:cNvPr id="217" name="Google Shape;217;g1948e01f4b4_3_30:notes"/>
-          <p:cNvSpPr txBox="1"/>
+          <p:cNvSpPr txBox="1">
+            <a:spLocks noGrp="1"/>
+          </p:cNvSpPr>
           <p:nvPr>
-            <p:ph idx="1" type="body"/>
+            <p:ph type="body" idx="1"/>
           </p:nvPr>
         </p:nvSpPr>
         <p:spPr>
@@ -1274,12 +1336,12 @@
           </a:prstGeom>
         </p:spPr>
         <p:txBody>
-          <a:bodyPr anchorCtr="0" anchor="t" bIns="91425" lIns="91425" spcFirstLastPara="1" rIns="91425" wrap="square" tIns="91425">
+          <a:bodyPr spcFirstLastPara="1" wrap="square" lIns="91425" tIns="91425" rIns="91425" bIns="91425" anchor="t" anchorCtr="0">
             <a:noAutofit/>
           </a:bodyPr>
           <a:lstStyle/>
           <a:p>
-            <a:pPr indent="0" lvl="0" marL="0" rtl="0" algn="l">
+            <a:pPr marL="0" lvl="0" indent="0" algn="l" rtl="0">
               <a:spcBef>
                 <a:spcPts val="0"/>
               </a:spcBef>
@@ -1288,9 +1350,6 @@
               </a:spcAft>
               <a:buNone/>
             </a:pPr>
-            <a:r>
-              <a:t/>
-            </a:r>
             <a:endParaRPr/>
           </a:p>
         </p:txBody>
@@ -1304,11 +1363,11 @@
 </file>
 
 <file path=ppt/notesSlides/notesSlide15.xml><?xml version="1.0" encoding="utf-8"?>
-<p:notes xmlns:a="http://schemas.openxmlformats.org/drawingml/2006/main" xmlns:r="http://schemas.openxmlformats.org/officeDocument/2006/relationships" xmlns:mc="http://schemas.openxmlformats.org/markup-compatibility/2006" xmlns:mv="urn:schemas-microsoft-com:mac:vml" xmlns:p="http://schemas.openxmlformats.org/presentationml/2006/main" xmlns:c="http://schemas.openxmlformats.org/drawingml/2006/chart" xmlns:dgm="http://schemas.openxmlformats.org/drawingml/2006/diagram" xmlns:o="urn:schemas-microsoft-com:office:office" xmlns:v="urn:schemas-microsoft-com:vml" xmlns:pvml="urn:schemas-microsoft-com:office:powerpoint" xmlns:com="http://schemas.openxmlformats.org/drawingml/2006/compatibility" xmlns:p14="http://schemas.microsoft.com/office/powerpoint/2010/main" xmlns:p15="http://schemas.microsoft.com/office/powerpoint/2012/main" xmlns:ahyp="http://schemas.microsoft.com/office/drawing/2018/hyperlinkcolor" showMasterPhAnim="0" showMasterSp="0">
+<p:notes xmlns:a="http://schemas.openxmlformats.org/drawingml/2006/main" xmlns:r="http://schemas.openxmlformats.org/officeDocument/2006/relationships" xmlns:p="http://schemas.openxmlformats.org/presentationml/2006/main" showMasterSp="0" showMasterPhAnim="0">
   <p:cSld>
     <p:spTree>
       <p:nvGrpSpPr>
-        <p:cNvPr id="222" name="Shape 222"/>
+        <p:cNvPr id="1" name="Shape 222"/>
         <p:cNvGrpSpPr/>
         <p:nvPr/>
       </p:nvGrpSpPr>
@@ -1323,9 +1382,11 @@
       <p:sp>
         <p:nvSpPr>
           <p:cNvPr id="223" name="Google Shape;223;g1948e01f4b4_3_35:notes"/>
-          <p:cNvSpPr/>
+          <p:cNvSpPr>
+            <a:spLocks noGrp="1" noRot="1" noChangeAspect="1"/>
+          </p:cNvSpPr>
           <p:nvPr>
-            <p:ph idx="2" type="sldImg"/>
+            <p:ph type="sldImg" idx="2"/>
           </p:nvPr>
         </p:nvSpPr>
         <p:spPr>
@@ -1334,9 +1395,13 @@
             <a:ext cx="6096000" cy="3429000"/>
           </a:xfrm>
           <a:custGeom>
-            <a:rect b="b" l="l" r="r" t="t"/>
+            <a:avLst/>
+            <a:gdLst/>
+            <a:ahLst/>
+            <a:cxnLst/>
+            <a:rect l="l" t="t" r="r" b="b"/>
             <a:pathLst>
-              <a:path extrusionOk="0" h="120000" w="120000">
+              <a:path w="120000" h="120000" extrusionOk="0">
                 <a:moveTo>
                   <a:pt x="0" y="0"/>
                 </a:moveTo>
@@ -1358,9 +1423,11 @@
       <p:sp>
         <p:nvSpPr>
           <p:cNvPr id="224" name="Google Shape;224;g1948e01f4b4_3_35:notes"/>
-          <p:cNvSpPr txBox="1"/>
+          <p:cNvSpPr txBox="1">
+            <a:spLocks noGrp="1"/>
+          </p:cNvSpPr>
           <p:nvPr>
-            <p:ph idx="1" type="body"/>
+            <p:ph type="body" idx="1"/>
           </p:nvPr>
         </p:nvSpPr>
         <p:spPr>
@@ -1373,12 +1440,12 @@
           </a:prstGeom>
         </p:spPr>
         <p:txBody>
-          <a:bodyPr anchorCtr="0" anchor="t" bIns="91425" lIns="91425" spcFirstLastPara="1" rIns="91425" wrap="square" tIns="91425">
+          <a:bodyPr spcFirstLastPara="1" wrap="square" lIns="91425" tIns="91425" rIns="91425" bIns="91425" anchor="t" anchorCtr="0">
             <a:noAutofit/>
           </a:bodyPr>
           <a:lstStyle/>
           <a:p>
-            <a:pPr indent="0" lvl="0" marL="0" rtl="0" algn="l">
+            <a:pPr marL="0" lvl="0" indent="0" algn="l" rtl="0">
               <a:spcBef>
                 <a:spcPts val="0"/>
               </a:spcBef>
@@ -1387,9 +1454,6 @@
               </a:spcAft>
               <a:buNone/>
             </a:pPr>
-            <a:r>
-              <a:t/>
-            </a:r>
             <a:endParaRPr/>
           </a:p>
         </p:txBody>
@@ -1403,11 +1467,11 @@
 </file>
 
 <file path=ppt/notesSlides/notesSlide2.xml><?xml version="1.0" encoding="utf-8"?>
-<p:notes xmlns:a="http://schemas.openxmlformats.org/drawingml/2006/main" xmlns:r="http://schemas.openxmlformats.org/officeDocument/2006/relationships" xmlns:mc="http://schemas.openxmlformats.org/markup-compatibility/2006" xmlns:mv="urn:schemas-microsoft-com:mac:vml" xmlns:p="http://schemas.openxmlformats.org/presentationml/2006/main" xmlns:c="http://schemas.openxmlformats.org/drawingml/2006/chart" xmlns:dgm="http://schemas.openxmlformats.org/drawingml/2006/diagram" xmlns:o="urn:schemas-microsoft-com:office:office" xmlns:v="urn:schemas-microsoft-com:vml" xmlns:pvml="urn:schemas-microsoft-com:office:powerpoint" xmlns:com="http://schemas.openxmlformats.org/drawingml/2006/compatibility" xmlns:p14="http://schemas.microsoft.com/office/powerpoint/2010/main" xmlns:p15="http://schemas.microsoft.com/office/powerpoint/2012/main" xmlns:ahyp="http://schemas.microsoft.com/office/drawing/2018/hyperlinkcolor" showMasterPhAnim="0" showMasterSp="0">
+<p:notes xmlns:a="http://schemas.openxmlformats.org/drawingml/2006/main" xmlns:r="http://schemas.openxmlformats.org/officeDocument/2006/relationships" xmlns:p="http://schemas.openxmlformats.org/presentationml/2006/main" showMasterSp="0" showMasterPhAnim="0">
   <p:cSld>
     <p:spTree>
       <p:nvGrpSpPr>
-        <p:cNvPr id="130" name="Shape 130"/>
+        <p:cNvPr id="1" name="Shape 130"/>
         <p:cNvGrpSpPr/>
         <p:nvPr/>
       </p:nvGrpSpPr>
@@ -1422,20 +1486,26 @@
       <p:sp>
         <p:nvSpPr>
           <p:cNvPr id="131" name="Google Shape;131;g194741bb2a0_0_119:notes"/>
-          <p:cNvSpPr/>
+          <p:cNvSpPr>
+            <a:spLocks noGrp="1" noRot="1" noChangeAspect="1"/>
+          </p:cNvSpPr>
           <p:nvPr>
-            <p:ph idx="2" type="sldImg"/>
+            <p:ph type="sldImg" idx="2"/>
           </p:nvPr>
         </p:nvSpPr>
         <p:spPr>
           <a:xfrm>
-            <a:off x="381300" y="685800"/>
+            <a:off x="381000" y="685800"/>
             <a:ext cx="6096000" cy="3429000"/>
           </a:xfrm>
           <a:custGeom>
-            <a:rect b="b" l="l" r="r" t="t"/>
+            <a:avLst/>
+            <a:gdLst/>
+            <a:ahLst/>
+            <a:cxnLst/>
+            <a:rect l="l" t="t" r="r" b="b"/>
             <a:pathLst>
-              <a:path extrusionOk="0" h="120000" w="120000">
+              <a:path w="120000" h="120000" extrusionOk="0">
                 <a:moveTo>
                   <a:pt x="0" y="0"/>
                 </a:moveTo>
@@ -1457,9 +1527,11 @@
       <p:sp>
         <p:nvSpPr>
           <p:cNvPr id="132" name="Google Shape;132;g194741bb2a0_0_119:notes"/>
-          <p:cNvSpPr txBox="1"/>
+          <p:cNvSpPr txBox="1">
+            <a:spLocks noGrp="1"/>
+          </p:cNvSpPr>
           <p:nvPr>
-            <p:ph idx="1" type="body"/>
+            <p:ph type="body" idx="1"/>
           </p:nvPr>
         </p:nvSpPr>
         <p:spPr>
@@ -1472,12 +1544,12 @@
           </a:prstGeom>
         </p:spPr>
         <p:txBody>
-          <a:bodyPr anchorCtr="0" anchor="t" bIns="91425" lIns="91425" spcFirstLastPara="1" rIns="91425" wrap="square" tIns="91425">
+          <a:bodyPr spcFirstLastPara="1" wrap="square" lIns="91425" tIns="91425" rIns="91425" bIns="91425" anchor="t" anchorCtr="0">
             <a:noAutofit/>
           </a:bodyPr>
           <a:lstStyle/>
           <a:p>
-            <a:pPr indent="0" lvl="0" marL="0" rtl="0" algn="l">
+            <a:pPr marL="0" lvl="0" indent="0" algn="l" rtl="0">
               <a:spcBef>
                 <a:spcPts val="0"/>
               </a:spcBef>
@@ -1486,9 +1558,6 @@
               </a:spcAft>
               <a:buNone/>
             </a:pPr>
-            <a:r>
-              <a:t/>
-            </a:r>
             <a:endParaRPr/>
           </a:p>
         </p:txBody>
@@ -1502,11 +1571,11 @@
 </file>
 
 <file path=ppt/notesSlides/notesSlide3.xml><?xml version="1.0" encoding="utf-8"?>
-<p:notes xmlns:a="http://schemas.openxmlformats.org/drawingml/2006/main" xmlns:r="http://schemas.openxmlformats.org/officeDocument/2006/relationships" xmlns:mc="http://schemas.openxmlformats.org/markup-compatibility/2006" xmlns:mv="urn:schemas-microsoft-com:mac:vml" xmlns:p="http://schemas.openxmlformats.org/presentationml/2006/main" xmlns:c="http://schemas.openxmlformats.org/drawingml/2006/chart" xmlns:dgm="http://schemas.openxmlformats.org/drawingml/2006/diagram" xmlns:o="urn:schemas-microsoft-com:office:office" xmlns:v="urn:schemas-microsoft-com:vml" xmlns:pvml="urn:schemas-microsoft-com:office:powerpoint" xmlns:com="http://schemas.openxmlformats.org/drawingml/2006/compatibility" xmlns:p14="http://schemas.microsoft.com/office/powerpoint/2010/main" xmlns:p15="http://schemas.microsoft.com/office/powerpoint/2012/main" xmlns:ahyp="http://schemas.microsoft.com/office/drawing/2018/hyperlinkcolor" showMasterPhAnim="0" showMasterSp="0">
+<p:notes xmlns:a="http://schemas.openxmlformats.org/drawingml/2006/main" xmlns:r="http://schemas.openxmlformats.org/officeDocument/2006/relationships" xmlns:p="http://schemas.openxmlformats.org/presentationml/2006/main" showMasterSp="0" showMasterPhAnim="0">
   <p:cSld>
     <p:spTree>
       <p:nvGrpSpPr>
-        <p:cNvPr id="135" name="Shape 135"/>
+        <p:cNvPr id="1" name="Shape 135"/>
         <p:cNvGrpSpPr/>
         <p:nvPr/>
       </p:nvGrpSpPr>
@@ -1521,20 +1590,26 @@
       <p:sp>
         <p:nvSpPr>
           <p:cNvPr id="136" name="Google Shape;136;g1948e01f4b4_3_47:notes"/>
-          <p:cNvSpPr/>
+          <p:cNvSpPr>
+            <a:spLocks noGrp="1" noRot="1" noChangeAspect="1"/>
+          </p:cNvSpPr>
           <p:nvPr>
-            <p:ph idx="2" type="sldImg"/>
+            <p:ph type="sldImg" idx="2"/>
           </p:nvPr>
         </p:nvSpPr>
         <p:spPr>
           <a:xfrm>
-            <a:off x="381300" y="685800"/>
+            <a:off x="381000" y="685800"/>
             <a:ext cx="6096000" cy="3429000"/>
           </a:xfrm>
           <a:custGeom>
-            <a:rect b="b" l="l" r="r" t="t"/>
+            <a:avLst/>
+            <a:gdLst/>
+            <a:ahLst/>
+            <a:cxnLst/>
+            <a:rect l="l" t="t" r="r" b="b"/>
             <a:pathLst>
-              <a:path extrusionOk="0" h="120000" w="120000">
+              <a:path w="120000" h="120000" extrusionOk="0">
                 <a:moveTo>
                   <a:pt x="0" y="0"/>
                 </a:moveTo>
@@ -1556,9 +1631,11 @@
       <p:sp>
         <p:nvSpPr>
           <p:cNvPr id="137" name="Google Shape;137;g1948e01f4b4_3_47:notes"/>
-          <p:cNvSpPr txBox="1"/>
+          <p:cNvSpPr txBox="1">
+            <a:spLocks noGrp="1"/>
+          </p:cNvSpPr>
           <p:nvPr>
-            <p:ph idx="1" type="body"/>
+            <p:ph type="body" idx="1"/>
           </p:nvPr>
         </p:nvSpPr>
         <p:spPr>
@@ -1571,12 +1648,12 @@
           </a:prstGeom>
         </p:spPr>
         <p:txBody>
-          <a:bodyPr anchorCtr="0" anchor="t" bIns="91425" lIns="91425" spcFirstLastPara="1" rIns="91425" wrap="square" tIns="91425">
+          <a:bodyPr spcFirstLastPara="1" wrap="square" lIns="91425" tIns="91425" rIns="91425" bIns="91425" anchor="t" anchorCtr="0">
             <a:noAutofit/>
           </a:bodyPr>
           <a:lstStyle/>
           <a:p>
-            <a:pPr indent="0" lvl="0" marL="0" rtl="0" algn="l">
+            <a:pPr marL="0" lvl="0" indent="0" algn="l" rtl="0">
               <a:spcBef>
                 <a:spcPts val="0"/>
               </a:spcBef>
@@ -1585,9 +1662,6 @@
               </a:spcAft>
               <a:buNone/>
             </a:pPr>
-            <a:r>
-              <a:t/>
-            </a:r>
             <a:endParaRPr/>
           </a:p>
         </p:txBody>
@@ -1601,11 +1675,11 @@
 </file>
 
 <file path=ppt/notesSlides/notesSlide4.xml><?xml version="1.0" encoding="utf-8"?>
-<p:notes xmlns:a="http://schemas.openxmlformats.org/drawingml/2006/main" xmlns:r="http://schemas.openxmlformats.org/officeDocument/2006/relationships" xmlns:mc="http://schemas.openxmlformats.org/markup-compatibility/2006" xmlns:mv="urn:schemas-microsoft-com:mac:vml" xmlns:p="http://schemas.openxmlformats.org/presentationml/2006/main" xmlns:c="http://schemas.openxmlformats.org/drawingml/2006/chart" xmlns:dgm="http://schemas.openxmlformats.org/drawingml/2006/diagram" xmlns:o="urn:schemas-microsoft-com:office:office" xmlns:v="urn:schemas-microsoft-com:vml" xmlns:pvml="urn:schemas-microsoft-com:office:powerpoint" xmlns:com="http://schemas.openxmlformats.org/drawingml/2006/compatibility" xmlns:p14="http://schemas.microsoft.com/office/powerpoint/2010/main" xmlns:p15="http://schemas.microsoft.com/office/powerpoint/2012/main" xmlns:ahyp="http://schemas.microsoft.com/office/drawing/2018/hyperlinkcolor" showMasterPhAnim="0" showMasterSp="0">
+<p:notes xmlns:a="http://schemas.openxmlformats.org/drawingml/2006/main" xmlns:r="http://schemas.openxmlformats.org/officeDocument/2006/relationships" xmlns:p="http://schemas.openxmlformats.org/presentationml/2006/main" showMasterSp="0" showMasterPhAnim="0">
   <p:cSld>
     <p:spTree>
       <p:nvGrpSpPr>
-        <p:cNvPr id="141" name="Shape 141"/>
+        <p:cNvPr id="1" name="Shape 141"/>
         <p:cNvGrpSpPr/>
         <p:nvPr/>
       </p:nvGrpSpPr>
@@ -1620,9 +1694,11 @@
       <p:sp>
         <p:nvSpPr>
           <p:cNvPr id="142" name="Google Shape;142;g194741bb2a0_0_128:notes"/>
-          <p:cNvSpPr/>
+          <p:cNvSpPr>
+            <a:spLocks noGrp="1" noRot="1" noChangeAspect="1"/>
+          </p:cNvSpPr>
           <p:nvPr>
-            <p:ph idx="2" type="sldImg"/>
+            <p:ph type="sldImg" idx="2"/>
           </p:nvPr>
         </p:nvSpPr>
         <p:spPr>
@@ -1631,9 +1707,13 @@
             <a:ext cx="6096000" cy="3429000"/>
           </a:xfrm>
           <a:custGeom>
-            <a:rect b="b" l="l" r="r" t="t"/>
+            <a:avLst/>
+            <a:gdLst/>
+            <a:ahLst/>
+            <a:cxnLst/>
+            <a:rect l="l" t="t" r="r" b="b"/>
             <a:pathLst>
-              <a:path extrusionOk="0" h="120000" w="120000">
+              <a:path w="120000" h="120000" extrusionOk="0">
                 <a:moveTo>
                   <a:pt x="0" y="0"/>
                 </a:moveTo>
@@ -1655,9 +1735,11 @@
       <p:sp>
         <p:nvSpPr>
           <p:cNvPr id="143" name="Google Shape;143;g194741bb2a0_0_128:notes"/>
-          <p:cNvSpPr txBox="1"/>
+          <p:cNvSpPr txBox="1">
+            <a:spLocks noGrp="1"/>
+          </p:cNvSpPr>
           <p:nvPr>
-            <p:ph idx="1" type="body"/>
+            <p:ph type="body" idx="1"/>
           </p:nvPr>
         </p:nvSpPr>
         <p:spPr>
@@ -1670,12 +1752,12 @@
           </a:prstGeom>
         </p:spPr>
         <p:txBody>
-          <a:bodyPr anchorCtr="0" anchor="t" bIns="91425" lIns="91425" spcFirstLastPara="1" rIns="91425" wrap="square" tIns="91425">
+          <a:bodyPr spcFirstLastPara="1" wrap="square" lIns="91425" tIns="91425" rIns="91425" bIns="91425" anchor="t" anchorCtr="0">
             <a:noAutofit/>
           </a:bodyPr>
           <a:lstStyle/>
           <a:p>
-            <a:pPr indent="0" lvl="0" marL="0" rtl="0" algn="l">
+            <a:pPr marL="0" lvl="0" indent="0" algn="l" rtl="0">
               <a:spcBef>
                 <a:spcPts val="0"/>
               </a:spcBef>
@@ -1684,9 +1766,6 @@
               </a:spcAft>
               <a:buNone/>
             </a:pPr>
-            <a:r>
-              <a:t/>
-            </a:r>
             <a:endParaRPr/>
           </a:p>
         </p:txBody>
@@ -1700,11 +1779,11 @@
 </file>
 
 <file path=ppt/notesSlides/notesSlide5.xml><?xml version="1.0" encoding="utf-8"?>
-<p:notes xmlns:a="http://schemas.openxmlformats.org/drawingml/2006/main" xmlns:r="http://schemas.openxmlformats.org/officeDocument/2006/relationships" xmlns:mc="http://schemas.openxmlformats.org/markup-compatibility/2006" xmlns:mv="urn:schemas-microsoft-com:mac:vml" xmlns:p="http://schemas.openxmlformats.org/presentationml/2006/main" xmlns:c="http://schemas.openxmlformats.org/drawingml/2006/chart" xmlns:dgm="http://schemas.openxmlformats.org/drawingml/2006/diagram" xmlns:o="urn:schemas-microsoft-com:office:office" xmlns:v="urn:schemas-microsoft-com:vml" xmlns:pvml="urn:schemas-microsoft-com:office:powerpoint" xmlns:com="http://schemas.openxmlformats.org/drawingml/2006/compatibility" xmlns:p14="http://schemas.microsoft.com/office/powerpoint/2010/main" xmlns:p15="http://schemas.microsoft.com/office/powerpoint/2012/main" xmlns:ahyp="http://schemas.microsoft.com/office/drawing/2018/hyperlinkcolor" showMasterPhAnim="0" showMasterSp="0">
+<p:notes xmlns:a="http://schemas.openxmlformats.org/drawingml/2006/main" xmlns:r="http://schemas.openxmlformats.org/officeDocument/2006/relationships" xmlns:p="http://schemas.openxmlformats.org/presentationml/2006/main" showMasterSp="0" showMasterPhAnim="0">
   <p:cSld>
     <p:spTree>
       <p:nvGrpSpPr>
-        <p:cNvPr id="149" name="Shape 149"/>
+        <p:cNvPr id="1" name="Shape 149"/>
         <p:cNvGrpSpPr/>
         <p:nvPr/>
       </p:nvGrpSpPr>
@@ -1719,9 +1798,11 @@
       <p:sp>
         <p:nvSpPr>
           <p:cNvPr id="150" name="Google Shape;150;g194741bb2a0_0_139:notes"/>
-          <p:cNvSpPr/>
+          <p:cNvSpPr>
+            <a:spLocks noGrp="1" noRot="1" noChangeAspect="1"/>
+          </p:cNvSpPr>
           <p:nvPr>
-            <p:ph idx="2" type="sldImg"/>
+            <p:ph type="sldImg" idx="2"/>
           </p:nvPr>
         </p:nvSpPr>
         <p:spPr>
@@ -1730,9 +1811,13 @@
             <a:ext cx="6096000" cy="3429000"/>
           </a:xfrm>
           <a:custGeom>
-            <a:rect b="b" l="l" r="r" t="t"/>
+            <a:avLst/>
+            <a:gdLst/>
+            <a:ahLst/>
+            <a:cxnLst/>
+            <a:rect l="l" t="t" r="r" b="b"/>
             <a:pathLst>
-              <a:path extrusionOk="0" h="120000" w="120000">
+              <a:path w="120000" h="120000" extrusionOk="0">
                 <a:moveTo>
                   <a:pt x="0" y="0"/>
                 </a:moveTo>
@@ -1754,9 +1839,11 @@
       <p:sp>
         <p:nvSpPr>
           <p:cNvPr id="151" name="Google Shape;151;g194741bb2a0_0_139:notes"/>
-          <p:cNvSpPr txBox="1"/>
+          <p:cNvSpPr txBox="1">
+            <a:spLocks noGrp="1"/>
+          </p:cNvSpPr>
           <p:nvPr>
-            <p:ph idx="1" type="body"/>
+            <p:ph type="body" idx="1"/>
           </p:nvPr>
         </p:nvSpPr>
         <p:spPr>
@@ -1769,12 +1856,12 @@
           </a:prstGeom>
         </p:spPr>
         <p:txBody>
-          <a:bodyPr anchorCtr="0" anchor="t" bIns="91425" lIns="91425" spcFirstLastPara="1" rIns="91425" wrap="square" tIns="91425">
+          <a:bodyPr spcFirstLastPara="1" wrap="square" lIns="91425" tIns="91425" rIns="91425" bIns="91425" anchor="t" anchorCtr="0">
             <a:noAutofit/>
           </a:bodyPr>
           <a:lstStyle/>
           <a:p>
-            <a:pPr indent="0" lvl="0" marL="0" rtl="0" algn="l">
+            <a:pPr marL="0" lvl="0" indent="0" algn="l" rtl="0">
               <a:spcBef>
                 <a:spcPts val="0"/>
               </a:spcBef>
@@ -1783,9 +1870,6 @@
               </a:spcAft>
               <a:buNone/>
             </a:pPr>
-            <a:r>
-              <a:t/>
-            </a:r>
             <a:endParaRPr/>
           </a:p>
         </p:txBody>
@@ -1799,11 +1883,11 @@
 </file>
 
 <file path=ppt/notesSlides/notesSlide6.xml><?xml version="1.0" encoding="utf-8"?>
-<p:notes xmlns:a="http://schemas.openxmlformats.org/drawingml/2006/main" xmlns:r="http://schemas.openxmlformats.org/officeDocument/2006/relationships" xmlns:mc="http://schemas.openxmlformats.org/markup-compatibility/2006" xmlns:mv="urn:schemas-microsoft-com:mac:vml" xmlns:p="http://schemas.openxmlformats.org/presentationml/2006/main" xmlns:c="http://schemas.openxmlformats.org/drawingml/2006/chart" xmlns:dgm="http://schemas.openxmlformats.org/drawingml/2006/diagram" xmlns:o="urn:schemas-microsoft-com:office:office" xmlns:v="urn:schemas-microsoft-com:vml" xmlns:pvml="urn:schemas-microsoft-com:office:powerpoint" xmlns:com="http://schemas.openxmlformats.org/drawingml/2006/compatibility" xmlns:p14="http://schemas.microsoft.com/office/powerpoint/2010/main" xmlns:p15="http://schemas.microsoft.com/office/powerpoint/2012/main" xmlns:ahyp="http://schemas.microsoft.com/office/drawing/2018/hyperlinkcolor" showMasterPhAnim="0" showMasterSp="0">
+<p:notes xmlns:a="http://schemas.openxmlformats.org/drawingml/2006/main" xmlns:r="http://schemas.openxmlformats.org/officeDocument/2006/relationships" xmlns:p="http://schemas.openxmlformats.org/presentationml/2006/main" showMasterSp="0" showMasterPhAnim="0">
   <p:cSld>
     <p:spTree>
       <p:nvGrpSpPr>
-        <p:cNvPr id="156" name="Shape 156"/>
+        <p:cNvPr id="1" name="Shape 156"/>
         <p:cNvGrpSpPr/>
         <p:nvPr/>
       </p:nvGrpSpPr>
@@ -1818,9 +1902,11 @@
       <p:sp>
         <p:nvSpPr>
           <p:cNvPr id="157" name="Google Shape;157;g194741bb2a0_0_149:notes"/>
-          <p:cNvSpPr/>
+          <p:cNvSpPr>
+            <a:spLocks noGrp="1" noRot="1" noChangeAspect="1"/>
+          </p:cNvSpPr>
           <p:nvPr>
-            <p:ph idx="2" type="sldImg"/>
+            <p:ph type="sldImg" idx="2"/>
           </p:nvPr>
         </p:nvSpPr>
         <p:spPr>
@@ -1829,9 +1915,13 @@
             <a:ext cx="6096000" cy="3429000"/>
           </a:xfrm>
           <a:custGeom>
-            <a:rect b="b" l="l" r="r" t="t"/>
+            <a:avLst/>
+            <a:gdLst/>
+            <a:ahLst/>
+            <a:cxnLst/>
+            <a:rect l="l" t="t" r="r" b="b"/>
             <a:pathLst>
-              <a:path extrusionOk="0" h="120000" w="120000">
+              <a:path w="120000" h="120000" extrusionOk="0">
                 <a:moveTo>
                   <a:pt x="0" y="0"/>
                 </a:moveTo>
@@ -1853,9 +1943,11 @@
       <p:sp>
         <p:nvSpPr>
           <p:cNvPr id="158" name="Google Shape;158;g194741bb2a0_0_149:notes"/>
-          <p:cNvSpPr txBox="1"/>
+          <p:cNvSpPr txBox="1">
+            <a:spLocks noGrp="1"/>
+          </p:cNvSpPr>
           <p:nvPr>
-            <p:ph idx="1" type="body"/>
+            <p:ph type="body" idx="1"/>
           </p:nvPr>
         </p:nvSpPr>
         <p:spPr>
@@ -1868,12 +1960,12 @@
           </a:prstGeom>
         </p:spPr>
         <p:txBody>
-          <a:bodyPr anchorCtr="0" anchor="t" bIns="91425" lIns="91425" spcFirstLastPara="1" rIns="91425" wrap="square" tIns="91425">
+          <a:bodyPr spcFirstLastPara="1" wrap="square" lIns="91425" tIns="91425" rIns="91425" bIns="91425" anchor="t" anchorCtr="0">
             <a:noAutofit/>
           </a:bodyPr>
           <a:lstStyle/>
           <a:p>
-            <a:pPr indent="0" lvl="0" marL="0" rtl="0" algn="l">
+            <a:pPr marL="0" lvl="0" indent="0" algn="l" rtl="0">
               <a:spcBef>
                 <a:spcPts val="0"/>
               </a:spcBef>
@@ -1882,9 +1974,6 @@
               </a:spcAft>
               <a:buNone/>
             </a:pPr>
-            <a:r>
-              <a:t/>
-            </a:r>
             <a:endParaRPr/>
           </a:p>
         </p:txBody>
@@ -1898,11 +1987,11 @@
 </file>
 
 <file path=ppt/notesSlides/notesSlide7.xml><?xml version="1.0" encoding="utf-8"?>
-<p:notes xmlns:a="http://schemas.openxmlformats.org/drawingml/2006/main" xmlns:r="http://schemas.openxmlformats.org/officeDocument/2006/relationships" xmlns:mc="http://schemas.openxmlformats.org/markup-compatibility/2006" xmlns:mv="urn:schemas-microsoft-com:mac:vml" xmlns:p="http://schemas.openxmlformats.org/presentationml/2006/main" xmlns:c="http://schemas.openxmlformats.org/drawingml/2006/chart" xmlns:dgm="http://schemas.openxmlformats.org/drawingml/2006/diagram" xmlns:o="urn:schemas-microsoft-com:office:office" xmlns:v="urn:schemas-microsoft-com:vml" xmlns:pvml="urn:schemas-microsoft-com:office:powerpoint" xmlns:com="http://schemas.openxmlformats.org/drawingml/2006/compatibility" xmlns:p14="http://schemas.microsoft.com/office/powerpoint/2010/main" xmlns:p15="http://schemas.microsoft.com/office/powerpoint/2012/main" xmlns:ahyp="http://schemas.microsoft.com/office/drawing/2018/hyperlinkcolor" showMasterPhAnim="0" showMasterSp="0">
+<p:notes xmlns:a="http://schemas.openxmlformats.org/drawingml/2006/main" xmlns:r="http://schemas.openxmlformats.org/officeDocument/2006/relationships" xmlns:p="http://schemas.openxmlformats.org/presentationml/2006/main" showMasterSp="0" showMasterPhAnim="0">
   <p:cSld>
     <p:spTree>
       <p:nvGrpSpPr>
-        <p:cNvPr id="165" name="Shape 165"/>
+        <p:cNvPr id="1" name="Shape 165"/>
         <p:cNvGrpSpPr/>
         <p:nvPr/>
       </p:nvGrpSpPr>
@@ -1917,9 +2006,11 @@
       <p:sp>
         <p:nvSpPr>
           <p:cNvPr id="166" name="Google Shape;166;g194741bb2a0_0_158:notes"/>
-          <p:cNvSpPr/>
+          <p:cNvSpPr>
+            <a:spLocks noGrp="1" noRot="1" noChangeAspect="1"/>
+          </p:cNvSpPr>
           <p:nvPr>
-            <p:ph idx="2" type="sldImg"/>
+            <p:ph type="sldImg" idx="2"/>
           </p:nvPr>
         </p:nvSpPr>
         <p:spPr>
@@ -1928,9 +2019,13 @@
             <a:ext cx="6096000" cy="3429000"/>
           </a:xfrm>
           <a:custGeom>
-            <a:rect b="b" l="l" r="r" t="t"/>
+            <a:avLst/>
+            <a:gdLst/>
+            <a:ahLst/>
+            <a:cxnLst/>
+            <a:rect l="l" t="t" r="r" b="b"/>
             <a:pathLst>
-              <a:path extrusionOk="0" h="120000" w="120000">
+              <a:path w="120000" h="120000" extrusionOk="0">
                 <a:moveTo>
                   <a:pt x="0" y="0"/>
                 </a:moveTo>
@@ -1952,9 +2047,11 @@
       <p:sp>
         <p:nvSpPr>
           <p:cNvPr id="167" name="Google Shape;167;g194741bb2a0_0_158:notes"/>
-          <p:cNvSpPr txBox="1"/>
+          <p:cNvSpPr txBox="1">
+            <a:spLocks noGrp="1"/>
+          </p:cNvSpPr>
           <p:nvPr>
-            <p:ph idx="1" type="body"/>
+            <p:ph type="body" idx="1"/>
           </p:nvPr>
         </p:nvSpPr>
         <p:spPr>
@@ -1967,12 +2064,12 @@
           </a:prstGeom>
         </p:spPr>
         <p:txBody>
-          <a:bodyPr anchorCtr="0" anchor="t" bIns="91425" lIns="91425" spcFirstLastPara="1" rIns="91425" wrap="square" tIns="91425">
+          <a:bodyPr spcFirstLastPara="1" wrap="square" lIns="91425" tIns="91425" rIns="91425" bIns="91425" anchor="t" anchorCtr="0">
             <a:noAutofit/>
           </a:bodyPr>
           <a:lstStyle/>
           <a:p>
-            <a:pPr indent="0" lvl="0" marL="0" rtl="0" algn="l">
+            <a:pPr marL="0" lvl="0" indent="0" algn="l" rtl="0">
               <a:spcBef>
                 <a:spcPts val="0"/>
               </a:spcBef>
@@ -1981,9 +2078,6 @@
               </a:spcAft>
               <a:buNone/>
             </a:pPr>
-            <a:r>
-              <a:t/>
-            </a:r>
             <a:endParaRPr/>
           </a:p>
         </p:txBody>
@@ -1997,11 +2091,11 @@
 </file>
 
 <file path=ppt/notesSlides/notesSlide8.xml><?xml version="1.0" encoding="utf-8"?>
-<p:notes xmlns:a="http://schemas.openxmlformats.org/drawingml/2006/main" xmlns:r="http://schemas.openxmlformats.org/officeDocument/2006/relationships" xmlns:mc="http://schemas.openxmlformats.org/markup-compatibility/2006" xmlns:mv="urn:schemas-microsoft-com:mac:vml" xmlns:p="http://schemas.openxmlformats.org/presentationml/2006/main" xmlns:c="http://schemas.openxmlformats.org/drawingml/2006/chart" xmlns:dgm="http://schemas.openxmlformats.org/drawingml/2006/diagram" xmlns:o="urn:schemas-microsoft-com:office:office" xmlns:v="urn:schemas-microsoft-com:vml" xmlns:pvml="urn:schemas-microsoft-com:office:powerpoint" xmlns:com="http://schemas.openxmlformats.org/drawingml/2006/compatibility" xmlns:p14="http://schemas.microsoft.com/office/powerpoint/2010/main" xmlns:p15="http://schemas.microsoft.com/office/powerpoint/2012/main" xmlns:ahyp="http://schemas.microsoft.com/office/drawing/2018/hyperlinkcolor" showMasterPhAnim="0" showMasterSp="0">
+<p:notes xmlns:a="http://schemas.openxmlformats.org/drawingml/2006/main" xmlns:r="http://schemas.openxmlformats.org/officeDocument/2006/relationships" xmlns:p="http://schemas.openxmlformats.org/presentationml/2006/main" showMasterSp="0" showMasterPhAnim="0">
   <p:cSld>
     <p:spTree>
       <p:nvGrpSpPr>
-        <p:cNvPr id="173" name="Shape 173"/>
+        <p:cNvPr id="1" name="Shape 173"/>
         <p:cNvGrpSpPr/>
         <p:nvPr/>
       </p:nvGrpSpPr>
@@ -2016,9 +2110,11 @@
       <p:sp>
         <p:nvSpPr>
           <p:cNvPr id="174" name="Google Shape;174;g1948e01f4b4_3_0:notes"/>
-          <p:cNvSpPr/>
+          <p:cNvSpPr>
+            <a:spLocks noGrp="1" noRot="1" noChangeAspect="1"/>
+          </p:cNvSpPr>
           <p:nvPr>
-            <p:ph idx="2" type="sldImg"/>
+            <p:ph type="sldImg" idx="2"/>
           </p:nvPr>
         </p:nvSpPr>
         <p:spPr>
@@ -2027,9 +2123,13 @@
             <a:ext cx="6096000" cy="3429000"/>
           </a:xfrm>
           <a:custGeom>
-            <a:rect b="b" l="l" r="r" t="t"/>
+            <a:avLst/>
+            <a:gdLst/>
+            <a:ahLst/>
+            <a:cxnLst/>
+            <a:rect l="l" t="t" r="r" b="b"/>
             <a:pathLst>
-              <a:path extrusionOk="0" h="120000" w="120000">
+              <a:path w="120000" h="120000" extrusionOk="0">
                 <a:moveTo>
                   <a:pt x="0" y="0"/>
                 </a:moveTo>
@@ -2051,9 +2151,11 @@
       <p:sp>
         <p:nvSpPr>
           <p:cNvPr id="175" name="Google Shape;175;g1948e01f4b4_3_0:notes"/>
-          <p:cNvSpPr txBox="1"/>
+          <p:cNvSpPr txBox="1">
+            <a:spLocks noGrp="1"/>
+          </p:cNvSpPr>
           <p:nvPr>
-            <p:ph idx="1" type="body"/>
+            <p:ph type="body" idx="1"/>
           </p:nvPr>
         </p:nvSpPr>
         <p:spPr>
@@ -2066,12 +2168,12 @@
           </a:prstGeom>
         </p:spPr>
         <p:txBody>
-          <a:bodyPr anchorCtr="0" anchor="t" bIns="91425" lIns="91425" spcFirstLastPara="1" rIns="91425" wrap="square" tIns="91425">
+          <a:bodyPr spcFirstLastPara="1" wrap="square" lIns="91425" tIns="91425" rIns="91425" bIns="91425" anchor="t" anchorCtr="0">
             <a:noAutofit/>
           </a:bodyPr>
           <a:lstStyle/>
           <a:p>
-            <a:pPr indent="0" lvl="0" marL="0" rtl="0" algn="l">
+            <a:pPr marL="0" lvl="0" indent="0" algn="l" rtl="0">
               <a:spcBef>
                 <a:spcPts val="0"/>
               </a:spcBef>
@@ -2080,9 +2182,6 @@
               </a:spcAft>
               <a:buNone/>
             </a:pPr>
-            <a:r>
-              <a:t/>
-            </a:r>
             <a:endParaRPr/>
           </a:p>
         </p:txBody>
@@ -2096,11 +2195,11 @@
 </file>
 
 <file path=ppt/notesSlides/notesSlide9.xml><?xml version="1.0" encoding="utf-8"?>
-<p:notes xmlns:a="http://schemas.openxmlformats.org/drawingml/2006/main" xmlns:r="http://schemas.openxmlformats.org/officeDocument/2006/relationships" xmlns:mc="http://schemas.openxmlformats.org/markup-compatibility/2006" xmlns:mv="urn:schemas-microsoft-com:mac:vml" xmlns:p="http://schemas.openxmlformats.org/presentationml/2006/main" xmlns:c="http://schemas.openxmlformats.org/drawingml/2006/chart" xmlns:dgm="http://schemas.openxmlformats.org/drawingml/2006/diagram" xmlns:o="urn:schemas-microsoft-com:office:office" xmlns:v="urn:schemas-microsoft-com:vml" xmlns:pvml="urn:schemas-microsoft-com:office:powerpoint" xmlns:com="http://schemas.openxmlformats.org/drawingml/2006/compatibility" xmlns:p14="http://schemas.microsoft.com/office/powerpoint/2010/main" xmlns:p15="http://schemas.microsoft.com/office/powerpoint/2012/main" xmlns:ahyp="http://schemas.microsoft.com/office/drawing/2018/hyperlinkcolor" showMasterPhAnim="0" showMasterSp="0">
+<p:notes xmlns:a="http://schemas.openxmlformats.org/drawingml/2006/main" xmlns:r="http://schemas.openxmlformats.org/officeDocument/2006/relationships" xmlns:p="http://schemas.openxmlformats.org/presentationml/2006/main" showMasterSp="0" showMasterPhAnim="0">
   <p:cSld>
     <p:spTree>
       <p:nvGrpSpPr>
-        <p:cNvPr id="180" name="Shape 180"/>
+        <p:cNvPr id="1" name="Shape 180"/>
         <p:cNvGrpSpPr/>
         <p:nvPr/>
       </p:nvGrpSpPr>
@@ -2115,9 +2214,11 @@
       <p:sp>
         <p:nvSpPr>
           <p:cNvPr id="181" name="Google Shape;181;g1948e01f4b4_3_21:notes"/>
-          <p:cNvSpPr/>
+          <p:cNvSpPr>
+            <a:spLocks noGrp="1" noRot="1" noChangeAspect="1"/>
+          </p:cNvSpPr>
           <p:nvPr>
-            <p:ph idx="2" type="sldImg"/>
+            <p:ph type="sldImg" idx="2"/>
           </p:nvPr>
         </p:nvSpPr>
         <p:spPr>
@@ -2126,9 +2227,13 @@
             <a:ext cx="6096000" cy="3429000"/>
           </a:xfrm>
           <a:custGeom>
-            <a:rect b="b" l="l" r="r" t="t"/>
+            <a:avLst/>
+            <a:gdLst/>
+            <a:ahLst/>
+            <a:cxnLst/>
+            <a:rect l="l" t="t" r="r" b="b"/>
             <a:pathLst>
-              <a:path extrusionOk="0" h="120000" w="120000">
+              <a:path w="120000" h="120000" extrusionOk="0">
                 <a:moveTo>
                   <a:pt x="0" y="0"/>
                 </a:moveTo>
@@ -2150,9 +2255,11 @@
       <p:sp>
         <p:nvSpPr>
           <p:cNvPr id="182" name="Google Shape;182;g1948e01f4b4_3_21:notes"/>
-          <p:cNvSpPr txBox="1"/>
+          <p:cNvSpPr txBox="1">
+            <a:spLocks noGrp="1"/>
+          </p:cNvSpPr>
           <p:nvPr>
-            <p:ph idx="1" type="body"/>
+            <p:ph type="body" idx="1"/>
           </p:nvPr>
         </p:nvSpPr>
         <p:spPr>
@@ -2165,12 +2272,12 @@
           </a:prstGeom>
         </p:spPr>
         <p:txBody>
-          <a:bodyPr anchorCtr="0" anchor="t" bIns="91425" lIns="91425" spcFirstLastPara="1" rIns="91425" wrap="square" tIns="91425">
+          <a:bodyPr spcFirstLastPara="1" wrap="square" lIns="91425" tIns="91425" rIns="91425" bIns="91425" anchor="t" anchorCtr="0">
             <a:noAutofit/>
           </a:bodyPr>
           <a:lstStyle/>
           <a:p>
-            <a:pPr indent="0" lvl="0" marL="0" rtl="0" algn="l">
+            <a:pPr marL="0" lvl="0" indent="0" algn="l" rtl="0">
               <a:spcBef>
                 <a:spcPts val="0"/>
               </a:spcBef>
@@ -2179,9 +2286,6 @@
               </a:spcAft>
               <a:buNone/>
             </a:pPr>
-            <a:r>
-              <a:t/>
-            </a:r>
             <a:endParaRPr/>
           </a:p>
         </p:txBody>
@@ -2195,18 +2299,19 @@
 </file>
 
 <file path=ppt/slideLayouts/slideLayout1.xml><?xml version="1.0" encoding="utf-8"?>
-<p:sldLayout xmlns:a="http://schemas.openxmlformats.org/drawingml/2006/main" xmlns:r="http://schemas.openxmlformats.org/officeDocument/2006/relationships" xmlns:mc="http://schemas.openxmlformats.org/markup-compatibility/2006" xmlns:mv="urn:schemas-microsoft-com:mac:vml" xmlns:p="http://schemas.openxmlformats.org/presentationml/2006/main" xmlns:c="http://schemas.openxmlformats.org/drawingml/2006/chart" xmlns:dgm="http://schemas.openxmlformats.org/drawingml/2006/diagram" xmlns:o="urn:schemas-microsoft-com:office:office" xmlns:v="urn:schemas-microsoft-com:vml" xmlns:pvml="urn:schemas-microsoft-com:office:powerpoint" xmlns:com="http://schemas.openxmlformats.org/drawingml/2006/compatibility" xmlns:p14="http://schemas.microsoft.com/office/powerpoint/2010/main" xmlns:p15="http://schemas.microsoft.com/office/powerpoint/2012/main" xmlns:ahyp="http://schemas.microsoft.com/office/drawing/2018/hyperlinkcolor" matchingName="Title slide" type="title">
+<p:sldLayout xmlns:a="http://schemas.openxmlformats.org/drawingml/2006/main" xmlns:r="http://schemas.openxmlformats.org/officeDocument/2006/relationships" xmlns:p="http://schemas.openxmlformats.org/presentationml/2006/main" matchingName="Title slide" type="title">
   <p:cSld name="TITLE">
     <p:bg>
       <p:bgPr>
         <a:solidFill>
           <a:schemeClr val="accent6"/>
         </a:solidFill>
+        <a:effectLst/>
       </p:bgPr>
     </p:bg>
     <p:spTree>
       <p:nvGrpSpPr>
-        <p:cNvPr id="9" name="Shape 9"/>
+        <p:cNvPr id="1" name="Shape 9"/>
         <p:cNvGrpSpPr/>
         <p:nvPr/>
       </p:nvGrpSpPr>
@@ -2240,12 +2345,12 @@
           </a:ln>
         </p:spPr>
         <p:txBody>
-          <a:bodyPr anchorCtr="0" anchor="ctr" bIns="91425" lIns="91425" spcFirstLastPara="1" rIns="91425" wrap="square" tIns="91425">
+          <a:bodyPr spcFirstLastPara="1" wrap="square" lIns="91425" tIns="91425" rIns="91425" bIns="91425" anchor="ctr" anchorCtr="0">
             <a:noAutofit/>
           </a:bodyPr>
           <a:lstStyle/>
           <a:p>
-            <a:pPr indent="0" lvl="0" marL="0" rtl="0" algn="l">
+            <a:pPr marL="0" lvl="0" indent="0" algn="l" rtl="0">
               <a:spcBef>
                 <a:spcPts val="0"/>
               </a:spcBef>
@@ -2254,9 +2359,6 @@
               </a:spcAft>
               <a:buNone/>
             </a:pPr>
-            <a:r>
-              <a:t/>
-            </a:r>
             <a:endParaRPr/>
           </a:p>
         </p:txBody>
@@ -2283,12 +2385,12 @@
           </a:ln>
         </p:spPr>
         <p:txBody>
-          <a:bodyPr anchorCtr="0" anchor="ctr" bIns="91425" lIns="91425" spcFirstLastPara="1" rIns="91425" wrap="square" tIns="91425">
+          <a:bodyPr spcFirstLastPara="1" wrap="square" lIns="91425" tIns="91425" rIns="91425" bIns="91425" anchor="ctr" anchorCtr="0">
             <a:noAutofit/>
           </a:bodyPr>
           <a:lstStyle/>
           <a:p>
-            <a:pPr indent="0" lvl="0" marL="0" rtl="0" algn="l">
+            <a:pPr marL="0" lvl="0" indent="0" algn="l" rtl="0">
               <a:spcBef>
                 <a:spcPts val="0"/>
               </a:spcBef>
@@ -2297,9 +2399,6 @@
               </a:spcAft>
               <a:buNone/>
             </a:pPr>
-            <a:r>
-              <a:t/>
-            </a:r>
             <a:endParaRPr/>
           </a:p>
         </p:txBody>
@@ -2326,12 +2425,12 @@
           </a:ln>
         </p:spPr>
         <p:txBody>
-          <a:bodyPr anchorCtr="0" anchor="ctr" bIns="91425" lIns="91425" spcFirstLastPara="1" rIns="91425" wrap="square" tIns="91425">
+          <a:bodyPr spcFirstLastPara="1" wrap="square" lIns="91425" tIns="91425" rIns="91425" bIns="91425" anchor="ctr" anchorCtr="0">
             <a:noAutofit/>
           </a:bodyPr>
           <a:lstStyle/>
           <a:p>
-            <a:pPr indent="0" lvl="0" marL="0" rtl="0" algn="l">
+            <a:pPr marL="0" lvl="0" indent="0" algn="l" rtl="0">
               <a:spcBef>
                 <a:spcPts val="0"/>
               </a:spcBef>
@@ -2340,9 +2439,6 @@
               </a:spcAft>
               <a:buNone/>
             </a:pPr>
-            <a:r>
-              <a:t/>
-            </a:r>
             <a:endParaRPr/>
           </a:p>
         </p:txBody>
@@ -2368,7 +2464,7 @@
             <a:noFill/>
           </a:ln>
           <a:effectLst>
-            <a:outerShdw blurRad="228600" sx="101000" rotWithShape="0" algn="ctr" sy="101000">
+            <a:outerShdw blurRad="228600" sx="101000" sy="101000" algn="ctr" rotWithShape="0">
               <a:srgbClr val="000000">
                 <a:alpha val="40000"/>
               </a:srgbClr>
@@ -2376,12 +2472,12 @@
           </a:effectLst>
         </p:spPr>
         <p:txBody>
-          <a:bodyPr anchorCtr="0" anchor="ctr" bIns="91425" lIns="91425" spcFirstLastPara="1" rIns="91425" wrap="square" tIns="91425">
+          <a:bodyPr spcFirstLastPara="1" wrap="square" lIns="91425" tIns="91425" rIns="91425" bIns="91425" anchor="ctr" anchorCtr="0">
             <a:noAutofit/>
           </a:bodyPr>
           <a:lstStyle/>
           <a:p>
-            <a:pPr indent="0" lvl="0" marL="0" rtl="0" algn="l">
+            <a:pPr marL="0" lvl="0" indent="0" algn="l" rtl="0">
               <a:spcBef>
                 <a:spcPts val="0"/>
               </a:spcBef>
@@ -2390,9 +2486,6 @@
               </a:spcAft>
               <a:buNone/>
             </a:pPr>
-            <a:r>
-              <a:t/>
-            </a:r>
             <a:endParaRPr/>
           </a:p>
         </p:txBody>
@@ -2424,7 +2517,7 @@
             </a:xfrm>
             <a:prstGeom prst="parallelogram">
               <a:avLst>
-                <a:gd fmla="val 153193" name="adj"/>
+                <a:gd name="adj" fmla="val 153193"/>
               </a:avLst>
             </a:prstGeom>
             <a:solidFill>
@@ -2435,12 +2528,12 @@
             </a:ln>
           </p:spPr>
           <p:txBody>
-            <a:bodyPr anchorCtr="0" anchor="ctr" bIns="91425" lIns="91425" spcFirstLastPara="1" rIns="91425" wrap="square" tIns="91425">
+            <a:bodyPr spcFirstLastPara="1" wrap="square" lIns="91425" tIns="91425" rIns="91425" bIns="91425" anchor="ctr" anchorCtr="0">
               <a:noAutofit/>
             </a:bodyPr>
             <a:lstStyle/>
             <a:p>
-              <a:pPr indent="0" lvl="0" marL="0" rtl="0" algn="l">
+              <a:pPr marL="0" lvl="0" indent="0" algn="l" rtl="0">
                 <a:spcBef>
                   <a:spcPts val="0"/>
                 </a:spcBef>
@@ -2449,9 +2542,6 @@
                 </a:spcAft>
                 <a:buNone/>
               </a:pPr>
-              <a:r>
-                <a:t/>
-              </a:r>
               <a:endParaRPr/>
             </a:p>
           </p:txBody>
@@ -2469,7 +2559,7 @@
             </a:xfrm>
             <a:prstGeom prst="parallelogram">
               <a:avLst>
-                <a:gd fmla="val 153193" name="adj"/>
+                <a:gd name="adj" fmla="val 153193"/>
               </a:avLst>
             </a:prstGeom>
             <a:solidFill>
@@ -2480,12 +2570,12 @@
             </a:ln>
           </p:spPr>
           <p:txBody>
-            <a:bodyPr anchorCtr="0" anchor="ctr" bIns="91425" lIns="91425" spcFirstLastPara="1" rIns="91425" wrap="square" tIns="91425">
+            <a:bodyPr spcFirstLastPara="1" wrap="square" lIns="91425" tIns="91425" rIns="91425" bIns="91425" anchor="ctr" anchorCtr="0">
               <a:noAutofit/>
             </a:bodyPr>
             <a:lstStyle/>
             <a:p>
-              <a:pPr indent="0" lvl="0" marL="0" rtl="0" algn="l">
+              <a:pPr marL="0" lvl="0" indent="0" algn="l" rtl="0">
                 <a:spcBef>
                   <a:spcPts val="0"/>
                 </a:spcBef>
@@ -2494,9 +2584,6 @@
                 </a:spcAft>
                 <a:buNone/>
               </a:pPr>
-              <a:r>
-                <a:t/>
-              </a:r>
               <a:endParaRPr/>
             </a:p>
           </p:txBody>
@@ -2514,7 +2601,7 @@
             </a:xfrm>
             <a:prstGeom prst="parallelogram">
               <a:avLst>
-                <a:gd fmla="val 153193" name="adj"/>
+                <a:gd name="adj" fmla="val 153193"/>
               </a:avLst>
             </a:prstGeom>
             <a:solidFill>
@@ -2525,12 +2612,12 @@
             </a:ln>
           </p:spPr>
           <p:txBody>
-            <a:bodyPr anchorCtr="0" anchor="ctr" bIns="91425" lIns="91425" spcFirstLastPara="1" rIns="91425" wrap="square" tIns="91425">
+            <a:bodyPr spcFirstLastPara="1" wrap="square" lIns="91425" tIns="91425" rIns="91425" bIns="91425" anchor="ctr" anchorCtr="0">
               <a:noAutofit/>
             </a:bodyPr>
             <a:lstStyle/>
             <a:p>
-              <a:pPr indent="0" lvl="0" marL="0" rtl="0" algn="l">
+              <a:pPr marL="0" lvl="0" indent="0" algn="l" rtl="0">
                 <a:spcBef>
                   <a:spcPts val="0"/>
                 </a:spcBef>
@@ -2539,9 +2626,6 @@
                 </a:spcAft>
                 <a:buNone/>
               </a:pPr>
-              <a:r>
-                <a:t/>
-              </a:r>
               <a:endParaRPr/>
             </a:p>
           </p:txBody>
@@ -2574,7 +2658,7 @@
             </a:xfrm>
             <a:prstGeom prst="parallelogram">
               <a:avLst>
-                <a:gd fmla="val 153193" name="adj"/>
+                <a:gd name="adj" fmla="val 153193"/>
               </a:avLst>
             </a:prstGeom>
             <a:solidFill>
@@ -2585,12 +2669,12 @@
             </a:ln>
           </p:spPr>
           <p:txBody>
-            <a:bodyPr anchorCtr="0" anchor="ctr" bIns="91425" lIns="91425" spcFirstLastPara="1" rIns="91425" wrap="square" tIns="91425">
+            <a:bodyPr spcFirstLastPara="1" wrap="square" lIns="91425" tIns="91425" rIns="91425" bIns="91425" anchor="ctr" anchorCtr="0">
               <a:noAutofit/>
             </a:bodyPr>
             <a:lstStyle/>
             <a:p>
-              <a:pPr indent="0" lvl="0" marL="0" rtl="0" algn="l">
+              <a:pPr marL="0" lvl="0" indent="0" algn="l" rtl="0">
                 <a:spcBef>
                   <a:spcPts val="0"/>
                 </a:spcBef>
@@ -2599,9 +2683,6 @@
                 </a:spcAft>
                 <a:buNone/>
               </a:pPr>
-              <a:r>
-                <a:t/>
-              </a:r>
               <a:endParaRPr/>
             </a:p>
           </p:txBody>
@@ -2619,7 +2700,7 @@
             </a:xfrm>
             <a:prstGeom prst="parallelogram">
               <a:avLst>
-                <a:gd fmla="val 153193" name="adj"/>
+                <a:gd name="adj" fmla="val 153193"/>
               </a:avLst>
             </a:prstGeom>
             <a:solidFill>
@@ -2630,12 +2711,12 @@
             </a:ln>
           </p:spPr>
           <p:txBody>
-            <a:bodyPr anchorCtr="0" anchor="ctr" bIns="91425" lIns="91425" spcFirstLastPara="1" rIns="91425" wrap="square" tIns="91425">
+            <a:bodyPr spcFirstLastPara="1" wrap="square" lIns="91425" tIns="91425" rIns="91425" bIns="91425" anchor="ctr" anchorCtr="0">
               <a:noAutofit/>
             </a:bodyPr>
             <a:lstStyle/>
             <a:p>
-              <a:pPr indent="0" lvl="0" marL="0" rtl="0" algn="l">
+              <a:pPr marL="0" lvl="0" indent="0" algn="l" rtl="0">
                 <a:spcBef>
                   <a:spcPts val="0"/>
                 </a:spcBef>
@@ -2644,9 +2725,6 @@
                 </a:spcAft>
                 <a:buNone/>
               </a:pPr>
-              <a:r>
-                <a:t/>
-              </a:r>
               <a:endParaRPr/>
             </a:p>
           </p:txBody>
@@ -2664,7 +2742,7 @@
             </a:xfrm>
             <a:prstGeom prst="parallelogram">
               <a:avLst>
-                <a:gd fmla="val 153193" name="adj"/>
+                <a:gd name="adj" fmla="val 153193"/>
               </a:avLst>
             </a:prstGeom>
             <a:solidFill>
@@ -2675,12 +2753,12 @@
             </a:ln>
           </p:spPr>
           <p:txBody>
-            <a:bodyPr anchorCtr="0" anchor="ctr" bIns="91425" lIns="91425" spcFirstLastPara="1" rIns="91425" wrap="square" tIns="91425">
+            <a:bodyPr spcFirstLastPara="1" wrap="square" lIns="91425" tIns="91425" rIns="91425" bIns="91425" anchor="ctr" anchorCtr="0">
               <a:noAutofit/>
             </a:bodyPr>
             <a:lstStyle/>
             <a:p>
-              <a:pPr indent="0" lvl="0" marL="0" rtl="0" algn="l">
+              <a:pPr marL="0" lvl="0" indent="0" algn="l" rtl="0">
                 <a:spcBef>
                   <a:spcPts val="0"/>
                 </a:spcBef>
@@ -2689,9 +2767,6 @@
                 </a:spcAft>
                 <a:buNone/>
               </a:pPr>
-              <a:r>
-                <a:t/>
-              </a:r>
               <a:endParaRPr/>
             </a:p>
           </p:txBody>
@@ -2724,7 +2799,7 @@
             </a:xfrm>
             <a:prstGeom prst="parallelogram">
               <a:avLst>
-                <a:gd fmla="val 158024" name="adj"/>
+                <a:gd name="adj" fmla="val 158024"/>
               </a:avLst>
             </a:prstGeom>
             <a:solidFill>
@@ -2735,12 +2810,12 @@
             </a:ln>
           </p:spPr>
           <p:txBody>
-            <a:bodyPr anchorCtr="0" anchor="ctr" bIns="91425" lIns="91425" spcFirstLastPara="1" rIns="91425" wrap="square" tIns="91425">
+            <a:bodyPr spcFirstLastPara="1" wrap="square" lIns="91425" tIns="91425" rIns="91425" bIns="91425" anchor="ctr" anchorCtr="0">
               <a:noAutofit/>
             </a:bodyPr>
             <a:lstStyle/>
             <a:p>
-              <a:pPr indent="0" lvl="0" marL="0" rtl="0" algn="l">
+              <a:pPr marL="0" lvl="0" indent="0" algn="l" rtl="0">
                 <a:spcBef>
                   <a:spcPts val="0"/>
                 </a:spcBef>
@@ -2749,9 +2824,6 @@
                 </a:spcAft>
                 <a:buNone/>
               </a:pPr>
-              <a:r>
-                <a:t/>
-              </a:r>
               <a:endParaRPr/>
             </a:p>
           </p:txBody>
@@ -2769,7 +2841,7 @@
             </a:xfrm>
             <a:prstGeom prst="parallelogram">
               <a:avLst>
-                <a:gd fmla="val 158024" name="adj"/>
+                <a:gd name="adj" fmla="val 158024"/>
               </a:avLst>
             </a:prstGeom>
             <a:solidFill>
@@ -2780,12 +2852,12 @@
             </a:ln>
           </p:spPr>
           <p:txBody>
-            <a:bodyPr anchorCtr="0" anchor="ctr" bIns="91425" lIns="91425" spcFirstLastPara="1" rIns="91425" wrap="square" tIns="91425">
+            <a:bodyPr spcFirstLastPara="1" wrap="square" lIns="91425" tIns="91425" rIns="91425" bIns="91425" anchor="ctr" anchorCtr="0">
               <a:noAutofit/>
             </a:bodyPr>
             <a:lstStyle/>
             <a:p>
-              <a:pPr indent="0" lvl="0" marL="0" rtl="0" algn="l">
+              <a:pPr marL="0" lvl="0" indent="0" algn="l" rtl="0">
                 <a:spcBef>
                   <a:spcPts val="0"/>
                 </a:spcBef>
@@ -2794,9 +2866,6 @@
                 </a:spcAft>
                 <a:buNone/>
               </a:pPr>
-              <a:r>
-                <a:t/>
-              </a:r>
               <a:endParaRPr/>
             </a:p>
           </p:txBody>
@@ -2814,7 +2883,7 @@
             </a:xfrm>
             <a:prstGeom prst="parallelogram">
               <a:avLst>
-                <a:gd fmla="val 158024" name="adj"/>
+                <a:gd name="adj" fmla="val 158024"/>
               </a:avLst>
             </a:prstGeom>
             <a:solidFill>
@@ -2825,12 +2894,12 @@
             </a:ln>
           </p:spPr>
           <p:txBody>
-            <a:bodyPr anchorCtr="0" anchor="ctr" bIns="91425" lIns="91425" spcFirstLastPara="1" rIns="91425" wrap="square" tIns="91425">
+            <a:bodyPr spcFirstLastPara="1" wrap="square" lIns="91425" tIns="91425" rIns="91425" bIns="91425" anchor="ctr" anchorCtr="0">
               <a:noAutofit/>
             </a:bodyPr>
             <a:lstStyle/>
             <a:p>
-              <a:pPr indent="0" lvl="0" marL="0" rtl="0" algn="l">
+              <a:pPr marL="0" lvl="0" indent="0" algn="l" rtl="0">
                 <a:spcBef>
                   <a:spcPts val="0"/>
                 </a:spcBef>
@@ -2839,9 +2908,6 @@
                 </a:spcAft>
                 <a:buNone/>
               </a:pPr>
-              <a:r>
-                <a:t/>
-              </a:r>
               <a:endParaRPr/>
             </a:p>
           </p:txBody>
@@ -2874,7 +2940,7 @@
             </a:xfrm>
             <a:prstGeom prst="parallelogram">
               <a:avLst>
-                <a:gd fmla="val 158024" name="adj"/>
+                <a:gd name="adj" fmla="val 158024"/>
               </a:avLst>
             </a:prstGeom>
             <a:solidFill>
@@ -2885,12 +2951,12 @@
             </a:ln>
           </p:spPr>
           <p:txBody>
-            <a:bodyPr anchorCtr="0" anchor="ctr" bIns="91425" lIns="91425" spcFirstLastPara="1" rIns="91425" wrap="square" tIns="91425">
+            <a:bodyPr spcFirstLastPara="1" wrap="square" lIns="91425" tIns="91425" rIns="91425" bIns="91425" anchor="ctr" anchorCtr="0">
               <a:noAutofit/>
             </a:bodyPr>
             <a:lstStyle/>
             <a:p>
-              <a:pPr indent="0" lvl="0" marL="0" rtl="0" algn="l">
+              <a:pPr marL="0" lvl="0" indent="0" algn="l" rtl="0">
                 <a:spcBef>
                   <a:spcPts val="0"/>
                 </a:spcBef>
@@ -2899,9 +2965,6 @@
                 </a:spcAft>
                 <a:buNone/>
               </a:pPr>
-              <a:r>
-                <a:t/>
-              </a:r>
               <a:endParaRPr/>
             </a:p>
           </p:txBody>
@@ -2919,7 +2982,7 @@
             </a:xfrm>
             <a:prstGeom prst="parallelogram">
               <a:avLst>
-                <a:gd fmla="val 158024" name="adj"/>
+                <a:gd name="adj" fmla="val 158024"/>
               </a:avLst>
             </a:prstGeom>
             <a:solidFill>
@@ -2930,12 +2993,12 @@
             </a:ln>
           </p:spPr>
           <p:txBody>
-            <a:bodyPr anchorCtr="0" anchor="ctr" bIns="91425" lIns="91425" spcFirstLastPara="1" rIns="91425" wrap="square" tIns="91425">
+            <a:bodyPr spcFirstLastPara="1" wrap="square" lIns="91425" tIns="91425" rIns="91425" bIns="91425" anchor="ctr" anchorCtr="0">
               <a:noAutofit/>
             </a:bodyPr>
             <a:lstStyle/>
             <a:p>
-              <a:pPr indent="0" lvl="0" marL="0" rtl="0" algn="l">
+              <a:pPr marL="0" lvl="0" indent="0" algn="l" rtl="0">
                 <a:spcBef>
                   <a:spcPts val="0"/>
                 </a:spcBef>
@@ -2944,9 +3007,6 @@
                 </a:spcAft>
                 <a:buNone/>
               </a:pPr>
-              <a:r>
-                <a:t/>
-              </a:r>
               <a:endParaRPr/>
             </a:p>
           </p:txBody>
@@ -2964,7 +3024,7 @@
             </a:xfrm>
             <a:prstGeom prst="parallelogram">
               <a:avLst>
-                <a:gd fmla="val 158024" name="adj"/>
+                <a:gd name="adj" fmla="val 158024"/>
               </a:avLst>
             </a:prstGeom>
             <a:solidFill>
@@ -2975,12 +3035,12 @@
             </a:ln>
           </p:spPr>
           <p:txBody>
-            <a:bodyPr anchorCtr="0" anchor="ctr" bIns="91425" lIns="91425" spcFirstLastPara="1" rIns="91425" wrap="square" tIns="91425">
+            <a:bodyPr spcFirstLastPara="1" wrap="square" lIns="91425" tIns="91425" rIns="91425" bIns="91425" anchor="ctr" anchorCtr="0">
               <a:noAutofit/>
             </a:bodyPr>
             <a:lstStyle/>
             <a:p>
-              <a:pPr indent="0" lvl="0" marL="0" rtl="0" algn="l">
+              <a:pPr marL="0" lvl="0" indent="0" algn="l" rtl="0">
                 <a:spcBef>
                   <a:spcPts val="0"/>
                 </a:spcBef>
@@ -2989,9 +3049,6 @@
                 </a:spcAft>
                 <a:buNone/>
               </a:pPr>
-              <a:r>
-                <a:t/>
-              </a:r>
               <a:endParaRPr/>
             </a:p>
           </p:txBody>
@@ -3024,7 +3081,7 @@
             </a:xfrm>
             <a:prstGeom prst="parallelogram">
               <a:avLst>
-                <a:gd fmla="val 158024" name="adj"/>
+                <a:gd name="adj" fmla="val 158024"/>
               </a:avLst>
             </a:prstGeom>
             <a:solidFill>
@@ -3035,12 +3092,12 @@
             </a:ln>
           </p:spPr>
           <p:txBody>
-            <a:bodyPr anchorCtr="0" anchor="ctr" bIns="91425" lIns="91425" spcFirstLastPara="1" rIns="91425" wrap="square" tIns="91425">
+            <a:bodyPr spcFirstLastPara="1" wrap="square" lIns="91425" tIns="91425" rIns="91425" bIns="91425" anchor="ctr" anchorCtr="0">
               <a:noAutofit/>
             </a:bodyPr>
             <a:lstStyle/>
             <a:p>
-              <a:pPr indent="0" lvl="0" marL="0" rtl="0" algn="l">
+              <a:pPr marL="0" lvl="0" indent="0" algn="l" rtl="0">
                 <a:spcBef>
                   <a:spcPts val="0"/>
                 </a:spcBef>
@@ -3049,9 +3106,6 @@
                 </a:spcAft>
                 <a:buNone/>
               </a:pPr>
-              <a:r>
-                <a:t/>
-              </a:r>
               <a:endParaRPr/>
             </a:p>
           </p:txBody>
@@ -3069,7 +3123,7 @@
             </a:xfrm>
             <a:prstGeom prst="parallelogram">
               <a:avLst>
-                <a:gd fmla="val 158024" name="adj"/>
+                <a:gd name="adj" fmla="val 158024"/>
               </a:avLst>
             </a:prstGeom>
             <a:solidFill>
@@ -3080,12 +3134,12 @@
             </a:ln>
           </p:spPr>
           <p:txBody>
-            <a:bodyPr anchorCtr="0" anchor="ctr" bIns="91425" lIns="91425" spcFirstLastPara="1" rIns="91425" wrap="square" tIns="91425">
+            <a:bodyPr spcFirstLastPara="1" wrap="square" lIns="91425" tIns="91425" rIns="91425" bIns="91425" anchor="ctr" anchorCtr="0">
               <a:noAutofit/>
             </a:bodyPr>
             <a:lstStyle/>
             <a:p>
-              <a:pPr indent="0" lvl="0" marL="0" rtl="0" algn="l">
+              <a:pPr marL="0" lvl="0" indent="0" algn="l" rtl="0">
                 <a:spcBef>
                   <a:spcPts val="0"/>
                 </a:spcBef>
@@ -3094,9 +3148,6 @@
                 </a:spcAft>
                 <a:buNone/>
               </a:pPr>
-              <a:r>
-                <a:t/>
-              </a:r>
               <a:endParaRPr/>
             </a:p>
           </p:txBody>
@@ -3114,7 +3165,7 @@
             </a:xfrm>
             <a:prstGeom prst="parallelogram">
               <a:avLst>
-                <a:gd fmla="val 158024" name="adj"/>
+                <a:gd name="adj" fmla="val 158024"/>
               </a:avLst>
             </a:prstGeom>
             <a:solidFill>
@@ -3125,12 +3176,12 @@
             </a:ln>
           </p:spPr>
           <p:txBody>
-            <a:bodyPr anchorCtr="0" anchor="ctr" bIns="91425" lIns="91425" spcFirstLastPara="1" rIns="91425" wrap="square" tIns="91425">
+            <a:bodyPr spcFirstLastPara="1" wrap="square" lIns="91425" tIns="91425" rIns="91425" bIns="91425" anchor="ctr" anchorCtr="0">
               <a:noAutofit/>
             </a:bodyPr>
             <a:lstStyle/>
             <a:p>
-              <a:pPr indent="0" lvl="0" marL="0" rtl="0" algn="l">
+              <a:pPr marL="0" lvl="0" indent="0" algn="l" rtl="0">
                 <a:spcBef>
                   <a:spcPts val="0"/>
                 </a:spcBef>
@@ -3139,9 +3190,6 @@
                 </a:spcAft>
                 <a:buNone/>
               </a:pPr>
-              <a:r>
-                <a:t/>
-              </a:r>
               <a:endParaRPr/>
             </a:p>
           </p:txBody>
@@ -3150,7 +3198,9 @@
       <p:sp>
         <p:nvSpPr>
           <p:cNvPr id="34" name="Google Shape;34;p2"/>
-          <p:cNvSpPr txBox="1"/>
+          <p:cNvSpPr txBox="1">
+            <a:spLocks noGrp="1"/>
+          </p:cNvSpPr>
           <p:nvPr>
             <p:ph type="ctrTitle"/>
           </p:nvPr>
@@ -3165,7 +3215,7 @@
           </a:prstGeom>
         </p:spPr>
         <p:txBody>
-          <a:bodyPr anchorCtr="0" anchor="ctr" bIns="91425" lIns="91425" spcFirstLastPara="1" rIns="91425" wrap="square" tIns="91425">
+          <a:bodyPr spcFirstLastPara="1" wrap="square" lIns="91425" tIns="91425" rIns="91425" bIns="91425" anchor="ctr" anchorCtr="0">
             <a:normAutofit/>
           </a:bodyPr>
           <a:lstStyle>
@@ -3269,15 +3319,19 @@
               <a:defRPr sz="3800"/>
             </a:lvl9pPr>
           </a:lstStyle>
-          <a:p/>
+          <a:p>
+            <a:endParaRPr/>
+          </a:p>
         </p:txBody>
       </p:sp>
       <p:sp>
         <p:nvSpPr>
           <p:cNvPr id="35" name="Google Shape;35;p2"/>
-          <p:cNvSpPr txBox="1"/>
+          <p:cNvSpPr txBox="1">
+            <a:spLocks noGrp="1"/>
+          </p:cNvSpPr>
           <p:nvPr>
-            <p:ph idx="1" type="subTitle"/>
+            <p:ph type="subTitle" idx="1"/>
           </p:nvPr>
         </p:nvSpPr>
         <p:spPr>
@@ -3290,7 +3344,7 @@
           </a:prstGeom>
         </p:spPr>
         <p:txBody>
-          <a:bodyPr anchorCtr="0" anchor="t" bIns="91425" lIns="91425" spcFirstLastPara="1" rIns="91425" wrap="square" tIns="91425">
+          <a:bodyPr spcFirstLastPara="1" wrap="square" lIns="91425" tIns="91425" rIns="91425" bIns="91425" anchor="t" anchorCtr="0">
             <a:normAutofit/>
           </a:bodyPr>
           <a:lstStyle>
@@ -3484,15 +3538,19 @@
               </a:defRPr>
             </a:lvl9pPr>
           </a:lstStyle>
-          <a:p/>
+          <a:p>
+            <a:endParaRPr/>
+          </a:p>
         </p:txBody>
       </p:sp>
       <p:sp>
         <p:nvSpPr>
           <p:cNvPr id="36" name="Google Shape;36;p2"/>
-          <p:cNvSpPr txBox="1"/>
+          <p:cNvSpPr txBox="1">
+            <a:spLocks noGrp="1"/>
+          </p:cNvSpPr>
           <p:nvPr>
-            <p:ph idx="12" type="sldNum"/>
+            <p:ph type="sldNum" idx="12"/>
           </p:nvPr>
         </p:nvSpPr>
         <p:spPr>
@@ -3505,7 +3563,7 @@
           </a:prstGeom>
         </p:spPr>
         <p:txBody>
-          <a:bodyPr anchorCtr="0" anchor="ctr" bIns="91425" lIns="91425" spcFirstLastPara="1" rIns="91425" wrap="square" tIns="91425">
+          <a:bodyPr spcFirstLastPara="1" wrap="square" lIns="91425" tIns="91425" rIns="91425" bIns="91425" anchor="ctr" anchorCtr="0">
             <a:normAutofit/>
           </a:bodyPr>
           <a:lstStyle>
@@ -3547,7 +3605,7 @@
             </a:lvl9pPr>
           </a:lstStyle>
           <a:p>
-            <a:pPr indent="0" lvl="0" marL="0" rtl="0" algn="r">
+            <a:pPr marL="0" lvl="0" indent="0" algn="r" rtl="0">
               <a:spcBef>
                 <a:spcPts val="0"/>
               </a:spcBef>
@@ -3573,18 +3631,19 @@
 </file>
 
 <file path=ppt/slideLayouts/slideLayout10.xml><?xml version="1.0" encoding="utf-8"?>
-<p:sldLayout xmlns:a="http://schemas.openxmlformats.org/drawingml/2006/main" xmlns:r="http://schemas.openxmlformats.org/officeDocument/2006/relationships" xmlns:mc="http://schemas.openxmlformats.org/markup-compatibility/2006" xmlns:mv="urn:schemas-microsoft-com:mac:vml" xmlns:p="http://schemas.openxmlformats.org/presentationml/2006/main" xmlns:c="http://schemas.openxmlformats.org/drawingml/2006/chart" xmlns:dgm="http://schemas.openxmlformats.org/drawingml/2006/diagram" xmlns:o="urn:schemas-microsoft-com:office:office" xmlns:v="urn:schemas-microsoft-com:vml" xmlns:pvml="urn:schemas-microsoft-com:office:powerpoint" xmlns:com="http://schemas.openxmlformats.org/drawingml/2006/compatibility" xmlns:p14="http://schemas.microsoft.com/office/powerpoint/2010/main" xmlns:p15="http://schemas.microsoft.com/office/powerpoint/2012/main" xmlns:ahyp="http://schemas.microsoft.com/office/drawing/2018/hyperlinkcolor" matchingName="Big number">
+<p:sldLayout xmlns:a="http://schemas.openxmlformats.org/drawingml/2006/main" xmlns:r="http://schemas.openxmlformats.org/officeDocument/2006/relationships" xmlns:p="http://schemas.openxmlformats.org/presentationml/2006/main" matchingName="Big number">
   <p:cSld name="BIG_NUMBER">
     <p:bg>
       <p:bgPr>
         <a:solidFill>
           <a:schemeClr val="accent3"/>
         </a:solidFill>
+        <a:effectLst/>
       </p:bgPr>
     </p:bg>
     <p:spTree>
       <p:nvGrpSpPr>
-        <p:cNvPr id="109" name="Shape 109"/>
+        <p:cNvPr id="1" name="Shape 109"/>
         <p:cNvGrpSpPr/>
         <p:nvPr/>
       </p:nvGrpSpPr>
@@ -3618,12 +3677,12 @@
           </a:ln>
         </p:spPr>
         <p:txBody>
-          <a:bodyPr anchorCtr="0" anchor="ctr" bIns="91425" lIns="91425" spcFirstLastPara="1" rIns="91425" wrap="square" tIns="91425">
+          <a:bodyPr spcFirstLastPara="1" wrap="square" lIns="91425" tIns="91425" rIns="91425" bIns="91425" anchor="ctr" anchorCtr="0">
             <a:noAutofit/>
           </a:bodyPr>
           <a:lstStyle/>
           <a:p>
-            <a:pPr indent="0" lvl="0" marL="0" rtl="0" algn="l">
+            <a:pPr marL="0" lvl="0" indent="0" algn="l" rtl="0">
               <a:spcBef>
                 <a:spcPts val="0"/>
               </a:spcBef>
@@ -3632,9 +3691,6 @@
               </a:spcAft>
               <a:buNone/>
             </a:pPr>
-            <a:r>
-              <a:t/>
-            </a:r>
             <a:endParaRPr/>
           </a:p>
         </p:txBody>
@@ -3666,7 +3722,7 @@
             </a:xfrm>
             <a:prstGeom prst="parallelogram">
               <a:avLst>
-                <a:gd fmla="val 158024" name="adj"/>
+                <a:gd name="adj" fmla="val 158024"/>
               </a:avLst>
             </a:prstGeom>
             <a:solidFill>
@@ -3677,12 +3733,12 @@
             </a:ln>
           </p:spPr>
           <p:txBody>
-            <a:bodyPr anchorCtr="0" anchor="ctr" bIns="91425" lIns="91425" spcFirstLastPara="1" rIns="91425" wrap="square" tIns="91425">
+            <a:bodyPr spcFirstLastPara="1" wrap="square" lIns="91425" tIns="91425" rIns="91425" bIns="91425" anchor="ctr" anchorCtr="0">
               <a:noAutofit/>
             </a:bodyPr>
             <a:lstStyle/>
             <a:p>
-              <a:pPr indent="0" lvl="0" marL="0" rtl="0" algn="l">
+              <a:pPr marL="0" lvl="0" indent="0" algn="l" rtl="0">
                 <a:spcBef>
                   <a:spcPts val="0"/>
                 </a:spcBef>
@@ -3691,9 +3747,6 @@
                 </a:spcAft>
                 <a:buNone/>
               </a:pPr>
-              <a:r>
-                <a:t/>
-              </a:r>
               <a:endParaRPr/>
             </a:p>
           </p:txBody>
@@ -3711,7 +3764,7 @@
             </a:xfrm>
             <a:prstGeom prst="parallelogram">
               <a:avLst>
-                <a:gd fmla="val 158024" name="adj"/>
+                <a:gd name="adj" fmla="val 158024"/>
               </a:avLst>
             </a:prstGeom>
             <a:solidFill>
@@ -3722,12 +3775,12 @@
             </a:ln>
           </p:spPr>
           <p:txBody>
-            <a:bodyPr anchorCtr="0" anchor="ctr" bIns="91425" lIns="91425" spcFirstLastPara="1" rIns="91425" wrap="square" tIns="91425">
+            <a:bodyPr spcFirstLastPara="1" wrap="square" lIns="91425" tIns="91425" rIns="91425" bIns="91425" anchor="ctr" anchorCtr="0">
               <a:noAutofit/>
             </a:bodyPr>
             <a:lstStyle/>
             <a:p>
-              <a:pPr indent="0" lvl="0" marL="0" rtl="0" algn="l">
+              <a:pPr marL="0" lvl="0" indent="0" algn="l" rtl="0">
                 <a:spcBef>
                   <a:spcPts val="0"/>
                 </a:spcBef>
@@ -3736,9 +3789,6 @@
                 </a:spcAft>
                 <a:buNone/>
               </a:pPr>
-              <a:r>
-                <a:t/>
-              </a:r>
               <a:endParaRPr/>
             </a:p>
           </p:txBody>
@@ -3756,7 +3806,7 @@
             </a:xfrm>
             <a:prstGeom prst="parallelogram">
               <a:avLst>
-                <a:gd fmla="val 158024" name="adj"/>
+                <a:gd name="adj" fmla="val 158024"/>
               </a:avLst>
             </a:prstGeom>
             <a:solidFill>
@@ -3767,12 +3817,12 @@
             </a:ln>
           </p:spPr>
           <p:txBody>
-            <a:bodyPr anchorCtr="0" anchor="ctr" bIns="91425" lIns="91425" spcFirstLastPara="1" rIns="91425" wrap="square" tIns="91425">
+            <a:bodyPr spcFirstLastPara="1" wrap="square" lIns="91425" tIns="91425" rIns="91425" bIns="91425" anchor="ctr" anchorCtr="0">
               <a:noAutofit/>
             </a:bodyPr>
             <a:lstStyle/>
             <a:p>
-              <a:pPr indent="0" lvl="0" marL="0" rtl="0" algn="l">
+              <a:pPr marL="0" lvl="0" indent="0" algn="l" rtl="0">
                 <a:spcBef>
                   <a:spcPts val="0"/>
                 </a:spcBef>
@@ -3781,9 +3831,6 @@
                 </a:spcAft>
                 <a:buNone/>
               </a:pPr>
-              <a:r>
-                <a:t/>
-              </a:r>
               <a:endParaRPr/>
             </a:p>
           </p:txBody>
@@ -3816,7 +3863,7 @@
             </a:xfrm>
             <a:prstGeom prst="parallelogram">
               <a:avLst>
-                <a:gd fmla="val 158024" name="adj"/>
+                <a:gd name="adj" fmla="val 158024"/>
               </a:avLst>
             </a:prstGeom>
             <a:solidFill>
@@ -3827,12 +3874,12 @@
             </a:ln>
           </p:spPr>
           <p:txBody>
-            <a:bodyPr anchorCtr="0" anchor="ctr" bIns="91425" lIns="91425" spcFirstLastPara="1" rIns="91425" wrap="square" tIns="91425">
+            <a:bodyPr spcFirstLastPara="1" wrap="square" lIns="91425" tIns="91425" rIns="91425" bIns="91425" anchor="ctr" anchorCtr="0">
               <a:noAutofit/>
             </a:bodyPr>
             <a:lstStyle/>
             <a:p>
-              <a:pPr indent="0" lvl="0" marL="0" rtl="0" algn="l">
+              <a:pPr marL="0" lvl="0" indent="0" algn="l" rtl="0">
                 <a:spcBef>
                   <a:spcPts val="0"/>
                 </a:spcBef>
@@ -3841,9 +3888,6 @@
                 </a:spcAft>
                 <a:buNone/>
               </a:pPr>
-              <a:r>
-                <a:t/>
-              </a:r>
               <a:endParaRPr/>
             </a:p>
           </p:txBody>
@@ -3861,7 +3905,7 @@
             </a:xfrm>
             <a:prstGeom prst="parallelogram">
               <a:avLst>
-                <a:gd fmla="val 158024" name="adj"/>
+                <a:gd name="adj" fmla="val 158024"/>
               </a:avLst>
             </a:prstGeom>
             <a:solidFill>
@@ -3872,12 +3916,12 @@
             </a:ln>
           </p:spPr>
           <p:txBody>
-            <a:bodyPr anchorCtr="0" anchor="ctr" bIns="91425" lIns="91425" spcFirstLastPara="1" rIns="91425" wrap="square" tIns="91425">
+            <a:bodyPr spcFirstLastPara="1" wrap="square" lIns="91425" tIns="91425" rIns="91425" bIns="91425" anchor="ctr" anchorCtr="0">
               <a:noAutofit/>
             </a:bodyPr>
             <a:lstStyle/>
             <a:p>
-              <a:pPr indent="0" lvl="0" marL="0" rtl="0" algn="l">
+              <a:pPr marL="0" lvl="0" indent="0" algn="l" rtl="0">
                 <a:spcBef>
                   <a:spcPts val="0"/>
                 </a:spcBef>
@@ -3886,9 +3930,6 @@
                 </a:spcAft>
                 <a:buNone/>
               </a:pPr>
-              <a:r>
-                <a:t/>
-              </a:r>
               <a:endParaRPr/>
             </a:p>
           </p:txBody>
@@ -3906,7 +3947,7 @@
             </a:xfrm>
             <a:prstGeom prst="parallelogram">
               <a:avLst>
-                <a:gd fmla="val 158024" name="adj"/>
+                <a:gd name="adj" fmla="val 158024"/>
               </a:avLst>
             </a:prstGeom>
             <a:solidFill>
@@ -3917,12 +3958,12 @@
             </a:ln>
           </p:spPr>
           <p:txBody>
-            <a:bodyPr anchorCtr="0" anchor="ctr" bIns="91425" lIns="91425" spcFirstLastPara="1" rIns="91425" wrap="square" tIns="91425">
+            <a:bodyPr spcFirstLastPara="1" wrap="square" lIns="91425" tIns="91425" rIns="91425" bIns="91425" anchor="ctr" anchorCtr="0">
               <a:noAutofit/>
             </a:bodyPr>
             <a:lstStyle/>
             <a:p>
-              <a:pPr indent="0" lvl="0" marL="0" rtl="0" algn="l">
+              <a:pPr marL="0" lvl="0" indent="0" algn="l" rtl="0">
                 <a:spcBef>
                   <a:spcPts val="0"/>
                 </a:spcBef>
@@ -3931,9 +3972,6 @@
                 </a:spcAft>
                 <a:buNone/>
               </a:pPr>
-              <a:r>
-                <a:t/>
-              </a:r>
               <a:endParaRPr/>
             </a:p>
           </p:txBody>
@@ -3942,9 +3980,11 @@
       <p:sp>
         <p:nvSpPr>
           <p:cNvPr id="119" name="Google Shape;119;p11"/>
-          <p:cNvSpPr txBox="1"/>
+          <p:cNvSpPr txBox="1">
+            <a:spLocks noGrp="1"/>
+          </p:cNvSpPr>
           <p:nvPr>
-            <p:ph hasCustomPrompt="1" type="title"/>
+            <p:ph type="title" hasCustomPrompt="1"/>
           </p:nvPr>
         </p:nvSpPr>
         <p:spPr>
@@ -3957,7 +3997,7 @@
           </a:prstGeom>
         </p:spPr>
         <p:txBody>
-          <a:bodyPr anchorCtr="0" anchor="ctr" bIns="91425" lIns="91425" spcFirstLastPara="1" rIns="91425" wrap="square" tIns="91425">
+          <a:bodyPr spcFirstLastPara="1" wrap="square" lIns="91425" tIns="91425" rIns="91425" bIns="91425" anchor="ctr" anchorCtr="0">
             <a:normAutofit/>
           </a:bodyPr>
           <a:lstStyle>
@@ -4134,9 +4174,11 @@
       <p:sp>
         <p:nvSpPr>
           <p:cNvPr id="120" name="Google Shape;120;p11"/>
-          <p:cNvSpPr txBox="1"/>
+          <p:cNvSpPr txBox="1">
+            <a:spLocks noGrp="1"/>
+          </p:cNvSpPr>
           <p:nvPr>
-            <p:ph idx="1" type="body"/>
+            <p:ph type="body" idx="1"/>
           </p:nvPr>
         </p:nvSpPr>
         <p:spPr>
@@ -4149,11 +4191,11 @@
           </a:prstGeom>
         </p:spPr>
         <p:txBody>
-          <a:bodyPr anchorCtr="0" anchor="t" bIns="91425" lIns="91425" spcFirstLastPara="1" rIns="91425" wrap="square" tIns="91425">
+          <a:bodyPr spcFirstLastPara="1" wrap="square" lIns="91425" tIns="91425" rIns="91425" bIns="91425" anchor="t" anchorCtr="0">
             <a:normAutofit/>
           </a:bodyPr>
           <a:lstStyle>
-            <a:lvl1pPr indent="-311150" lvl="0" marL="457200" algn="ctr">
+            <a:lvl1pPr marL="457200" lvl="0" indent="-311150" algn="ctr">
               <a:spcBef>
                 <a:spcPts val="0"/>
               </a:spcBef>
@@ -4164,7 +4206,7 @@
               <a:buChar char="●"/>
               <a:defRPr/>
             </a:lvl1pPr>
-            <a:lvl2pPr indent="-298450" lvl="1" marL="914400" algn="ctr">
+            <a:lvl2pPr marL="914400" lvl="1" indent="-298450" algn="ctr">
               <a:spcBef>
                 <a:spcPts val="0"/>
               </a:spcBef>
@@ -4175,7 +4217,7 @@
               <a:buChar char="○"/>
               <a:defRPr/>
             </a:lvl2pPr>
-            <a:lvl3pPr indent="-298450" lvl="2" marL="1371600" algn="ctr">
+            <a:lvl3pPr marL="1371600" lvl="2" indent="-298450" algn="ctr">
               <a:spcBef>
                 <a:spcPts val="0"/>
               </a:spcBef>
@@ -4186,7 +4228,7 @@
               <a:buChar char="■"/>
               <a:defRPr/>
             </a:lvl3pPr>
-            <a:lvl4pPr indent="-298450" lvl="3" marL="1828800" algn="ctr">
+            <a:lvl4pPr marL="1828800" lvl="3" indent="-298450" algn="ctr">
               <a:spcBef>
                 <a:spcPts val="0"/>
               </a:spcBef>
@@ -4197,7 +4239,7 @@
               <a:buChar char="●"/>
               <a:defRPr/>
             </a:lvl4pPr>
-            <a:lvl5pPr indent="-298450" lvl="4" marL="2286000" algn="ctr">
+            <a:lvl5pPr marL="2286000" lvl="4" indent="-298450" algn="ctr">
               <a:spcBef>
                 <a:spcPts val="0"/>
               </a:spcBef>
@@ -4208,7 +4250,7 @@
               <a:buChar char="○"/>
               <a:defRPr/>
             </a:lvl5pPr>
-            <a:lvl6pPr indent="-298450" lvl="5" marL="2743200" algn="ctr">
+            <a:lvl6pPr marL="2743200" lvl="5" indent="-298450" algn="ctr">
               <a:spcBef>
                 <a:spcPts val="0"/>
               </a:spcBef>
@@ -4219,7 +4261,7 @@
               <a:buChar char="■"/>
               <a:defRPr/>
             </a:lvl6pPr>
-            <a:lvl7pPr indent="-298450" lvl="6" marL="3200400" algn="ctr">
+            <a:lvl7pPr marL="3200400" lvl="6" indent="-298450" algn="ctr">
               <a:spcBef>
                 <a:spcPts val="0"/>
               </a:spcBef>
@@ -4230,7 +4272,7 @@
               <a:buChar char="●"/>
               <a:defRPr/>
             </a:lvl7pPr>
-            <a:lvl8pPr indent="-298450" lvl="7" marL="3657600" algn="ctr">
+            <a:lvl8pPr marL="3657600" lvl="7" indent="-298450" algn="ctr">
               <a:spcBef>
                 <a:spcPts val="0"/>
               </a:spcBef>
@@ -4241,7 +4283,7 @@
               <a:buChar char="○"/>
               <a:defRPr/>
             </a:lvl8pPr>
-            <a:lvl9pPr indent="-298450" lvl="8" marL="4114800" algn="ctr">
+            <a:lvl9pPr marL="4114800" lvl="8" indent="-298450" algn="ctr">
               <a:spcBef>
                 <a:spcPts val="0"/>
               </a:spcBef>
@@ -4253,15 +4295,19 @@
               <a:defRPr/>
             </a:lvl9pPr>
           </a:lstStyle>
-          <a:p/>
+          <a:p>
+            <a:endParaRPr/>
+          </a:p>
         </p:txBody>
       </p:sp>
       <p:sp>
         <p:nvSpPr>
           <p:cNvPr id="121" name="Google Shape;121;p11"/>
-          <p:cNvSpPr txBox="1"/>
+          <p:cNvSpPr txBox="1">
+            <a:spLocks noGrp="1"/>
+          </p:cNvSpPr>
           <p:nvPr>
-            <p:ph idx="12" type="sldNum"/>
+            <p:ph type="sldNum" idx="12"/>
           </p:nvPr>
         </p:nvSpPr>
         <p:spPr>
@@ -4274,7 +4320,7 @@
           </a:prstGeom>
         </p:spPr>
         <p:txBody>
-          <a:bodyPr anchorCtr="0" anchor="ctr" bIns="91425" lIns="91425" spcFirstLastPara="1" rIns="91425" wrap="square" tIns="91425">
+          <a:bodyPr spcFirstLastPara="1" wrap="square" lIns="91425" tIns="91425" rIns="91425" bIns="91425" anchor="ctr" anchorCtr="0">
             <a:normAutofit/>
           </a:bodyPr>
           <a:lstStyle>
@@ -4316,7 +4362,7 @@
             </a:lvl9pPr>
           </a:lstStyle>
           <a:p>
-            <a:pPr indent="0" lvl="0" marL="0" rtl="0" algn="r">
+            <a:pPr marL="0" lvl="0" indent="0" algn="r" rtl="0">
               <a:spcBef>
                 <a:spcPts val="0"/>
               </a:spcBef>
@@ -4342,11 +4388,11 @@
 </file>
 
 <file path=ppt/slideLayouts/slideLayout11.xml><?xml version="1.0" encoding="utf-8"?>
-<p:sldLayout xmlns:a="http://schemas.openxmlformats.org/drawingml/2006/main" xmlns:r="http://schemas.openxmlformats.org/officeDocument/2006/relationships" xmlns:mc="http://schemas.openxmlformats.org/markup-compatibility/2006" xmlns:mv="urn:schemas-microsoft-com:mac:vml" xmlns:p="http://schemas.openxmlformats.org/presentationml/2006/main" xmlns:c="http://schemas.openxmlformats.org/drawingml/2006/chart" xmlns:dgm="http://schemas.openxmlformats.org/drawingml/2006/diagram" xmlns:o="urn:schemas-microsoft-com:office:office" xmlns:v="urn:schemas-microsoft-com:vml" xmlns:pvml="urn:schemas-microsoft-com:office:powerpoint" xmlns:com="http://schemas.openxmlformats.org/drawingml/2006/compatibility" xmlns:p14="http://schemas.microsoft.com/office/powerpoint/2010/main" xmlns:p15="http://schemas.microsoft.com/office/powerpoint/2012/main" xmlns:ahyp="http://schemas.microsoft.com/office/drawing/2018/hyperlinkcolor" matchingName="Blank" type="blank">
+<p:sldLayout xmlns:a="http://schemas.openxmlformats.org/drawingml/2006/main" xmlns:r="http://schemas.openxmlformats.org/officeDocument/2006/relationships" xmlns:p="http://schemas.openxmlformats.org/presentationml/2006/main" matchingName="Blank" type="blank">
   <p:cSld name="BLANK">
     <p:spTree>
       <p:nvGrpSpPr>
-        <p:cNvPr id="122" name="Shape 122"/>
+        <p:cNvPr id="1" name="Shape 122"/>
         <p:cNvGrpSpPr/>
         <p:nvPr/>
       </p:nvGrpSpPr>
@@ -4361,9 +4407,11 @@
       <p:sp>
         <p:nvSpPr>
           <p:cNvPr id="123" name="Google Shape;123;p12"/>
-          <p:cNvSpPr txBox="1"/>
+          <p:cNvSpPr txBox="1">
+            <a:spLocks noGrp="1"/>
+          </p:cNvSpPr>
           <p:nvPr>
-            <p:ph idx="12" type="sldNum"/>
+            <p:ph type="sldNum" idx="12"/>
           </p:nvPr>
         </p:nvSpPr>
         <p:spPr>
@@ -4376,7 +4424,7 @@
           </a:prstGeom>
         </p:spPr>
         <p:txBody>
-          <a:bodyPr anchorCtr="0" anchor="ctr" bIns="91425" lIns="91425" spcFirstLastPara="1" rIns="91425" wrap="square" tIns="91425">
+          <a:bodyPr spcFirstLastPara="1" wrap="square" lIns="91425" tIns="91425" rIns="91425" bIns="91425" anchor="ctr" anchorCtr="0">
             <a:normAutofit/>
           </a:bodyPr>
           <a:lstStyle>
@@ -4418,7 +4466,7 @@
             </a:lvl9pPr>
           </a:lstStyle>
           <a:p>
-            <a:pPr indent="0" lvl="0" marL="0" rtl="0" algn="r">
+            <a:pPr marL="0" lvl="0" indent="0" algn="r" rtl="0">
               <a:spcBef>
                 <a:spcPts val="0"/>
               </a:spcBef>
@@ -4444,18 +4492,19 @@
 </file>
 
 <file path=ppt/slideLayouts/slideLayout2.xml><?xml version="1.0" encoding="utf-8"?>
-<p:sldLayout xmlns:a="http://schemas.openxmlformats.org/drawingml/2006/main" xmlns:r="http://schemas.openxmlformats.org/officeDocument/2006/relationships" xmlns:mc="http://schemas.openxmlformats.org/markup-compatibility/2006" xmlns:mv="urn:schemas-microsoft-com:mac:vml" xmlns:p="http://schemas.openxmlformats.org/presentationml/2006/main" xmlns:c="http://schemas.openxmlformats.org/drawingml/2006/chart" xmlns:dgm="http://schemas.openxmlformats.org/drawingml/2006/diagram" xmlns:o="urn:schemas-microsoft-com:office:office" xmlns:v="urn:schemas-microsoft-com:vml" xmlns:pvml="urn:schemas-microsoft-com:office:powerpoint" xmlns:com="http://schemas.openxmlformats.org/drawingml/2006/compatibility" xmlns:p14="http://schemas.microsoft.com/office/powerpoint/2010/main" xmlns:p15="http://schemas.microsoft.com/office/powerpoint/2012/main" xmlns:ahyp="http://schemas.microsoft.com/office/drawing/2018/hyperlinkcolor" matchingName="Section header" type="secHead">
+<p:sldLayout xmlns:a="http://schemas.openxmlformats.org/drawingml/2006/main" xmlns:r="http://schemas.openxmlformats.org/officeDocument/2006/relationships" xmlns:p="http://schemas.openxmlformats.org/presentationml/2006/main" matchingName="Section header" type="secHead">
   <p:cSld name="SECTION_HEADER">
     <p:bg>
       <p:bgPr>
         <a:solidFill>
           <a:schemeClr val="accent3"/>
         </a:solidFill>
+        <a:effectLst/>
       </p:bgPr>
     </p:bg>
     <p:spTree>
       <p:nvGrpSpPr>
-        <p:cNvPr id="37" name="Shape 37"/>
+        <p:cNvPr id="1" name="Shape 37"/>
         <p:cNvGrpSpPr/>
         <p:nvPr/>
       </p:nvGrpSpPr>
@@ -4489,12 +4538,12 @@
           </a:ln>
         </p:spPr>
         <p:txBody>
-          <a:bodyPr anchorCtr="0" anchor="ctr" bIns="91425" lIns="91425" spcFirstLastPara="1" rIns="91425" wrap="square" tIns="91425">
+          <a:bodyPr spcFirstLastPara="1" wrap="square" lIns="91425" tIns="91425" rIns="91425" bIns="91425" anchor="ctr" anchorCtr="0">
             <a:noAutofit/>
           </a:bodyPr>
           <a:lstStyle/>
           <a:p>
-            <a:pPr indent="0" lvl="0" marL="0" rtl="0" algn="l">
+            <a:pPr marL="0" lvl="0" indent="0" algn="l" rtl="0">
               <a:spcBef>
                 <a:spcPts val="0"/>
               </a:spcBef>
@@ -4503,9 +4552,6 @@
               </a:spcAft>
               <a:buNone/>
             </a:pPr>
-            <a:r>
-              <a:t/>
-            </a:r>
             <a:endParaRPr/>
           </a:p>
         </p:txBody>
@@ -4537,7 +4583,7 @@
             </a:xfrm>
             <a:prstGeom prst="parallelogram">
               <a:avLst>
-                <a:gd fmla="val 158024" name="adj"/>
+                <a:gd name="adj" fmla="val 158024"/>
               </a:avLst>
             </a:prstGeom>
             <a:solidFill>
@@ -4548,12 +4594,12 @@
             </a:ln>
           </p:spPr>
           <p:txBody>
-            <a:bodyPr anchorCtr="0" anchor="ctr" bIns="91425" lIns="91425" spcFirstLastPara="1" rIns="91425" wrap="square" tIns="91425">
+            <a:bodyPr spcFirstLastPara="1" wrap="square" lIns="91425" tIns="91425" rIns="91425" bIns="91425" anchor="ctr" anchorCtr="0">
               <a:noAutofit/>
             </a:bodyPr>
             <a:lstStyle/>
             <a:p>
-              <a:pPr indent="0" lvl="0" marL="0" rtl="0" algn="l">
+              <a:pPr marL="0" lvl="0" indent="0" algn="l" rtl="0">
                 <a:spcBef>
                   <a:spcPts val="0"/>
                 </a:spcBef>
@@ -4562,9 +4608,6 @@
                 </a:spcAft>
                 <a:buNone/>
               </a:pPr>
-              <a:r>
-                <a:t/>
-              </a:r>
               <a:endParaRPr/>
             </a:p>
           </p:txBody>
@@ -4582,7 +4625,7 @@
             </a:xfrm>
             <a:prstGeom prst="parallelogram">
               <a:avLst>
-                <a:gd fmla="val 158024" name="adj"/>
+                <a:gd name="adj" fmla="val 158024"/>
               </a:avLst>
             </a:prstGeom>
             <a:solidFill>
@@ -4593,12 +4636,12 @@
             </a:ln>
           </p:spPr>
           <p:txBody>
-            <a:bodyPr anchorCtr="0" anchor="ctr" bIns="91425" lIns="91425" spcFirstLastPara="1" rIns="91425" wrap="square" tIns="91425">
+            <a:bodyPr spcFirstLastPara="1" wrap="square" lIns="91425" tIns="91425" rIns="91425" bIns="91425" anchor="ctr" anchorCtr="0">
               <a:noAutofit/>
             </a:bodyPr>
             <a:lstStyle/>
             <a:p>
-              <a:pPr indent="0" lvl="0" marL="0" rtl="0" algn="l">
+              <a:pPr marL="0" lvl="0" indent="0" algn="l" rtl="0">
                 <a:spcBef>
                   <a:spcPts val="0"/>
                 </a:spcBef>
@@ -4607,9 +4650,6 @@
                 </a:spcAft>
                 <a:buNone/>
               </a:pPr>
-              <a:r>
-                <a:t/>
-              </a:r>
               <a:endParaRPr/>
             </a:p>
           </p:txBody>
@@ -4627,7 +4667,7 @@
             </a:xfrm>
             <a:prstGeom prst="parallelogram">
               <a:avLst>
-                <a:gd fmla="val 158024" name="adj"/>
+                <a:gd name="adj" fmla="val 158024"/>
               </a:avLst>
             </a:prstGeom>
             <a:solidFill>
@@ -4638,12 +4678,12 @@
             </a:ln>
           </p:spPr>
           <p:txBody>
-            <a:bodyPr anchorCtr="0" anchor="ctr" bIns="91425" lIns="91425" spcFirstLastPara="1" rIns="91425" wrap="square" tIns="91425">
+            <a:bodyPr spcFirstLastPara="1" wrap="square" lIns="91425" tIns="91425" rIns="91425" bIns="91425" anchor="ctr" anchorCtr="0">
               <a:noAutofit/>
             </a:bodyPr>
             <a:lstStyle/>
             <a:p>
-              <a:pPr indent="0" lvl="0" marL="0" rtl="0" algn="l">
+              <a:pPr marL="0" lvl="0" indent="0" algn="l" rtl="0">
                 <a:spcBef>
                   <a:spcPts val="0"/>
                 </a:spcBef>
@@ -4652,9 +4692,6 @@
                 </a:spcAft>
                 <a:buNone/>
               </a:pPr>
-              <a:r>
-                <a:t/>
-              </a:r>
               <a:endParaRPr/>
             </a:p>
           </p:txBody>
@@ -4687,7 +4724,7 @@
             </a:xfrm>
             <a:prstGeom prst="parallelogram">
               <a:avLst>
-                <a:gd fmla="val 158024" name="adj"/>
+                <a:gd name="adj" fmla="val 158024"/>
               </a:avLst>
             </a:prstGeom>
             <a:solidFill>
@@ -4698,12 +4735,12 @@
             </a:ln>
           </p:spPr>
           <p:txBody>
-            <a:bodyPr anchorCtr="0" anchor="ctr" bIns="91425" lIns="91425" spcFirstLastPara="1" rIns="91425" wrap="square" tIns="91425">
+            <a:bodyPr spcFirstLastPara="1" wrap="square" lIns="91425" tIns="91425" rIns="91425" bIns="91425" anchor="ctr" anchorCtr="0">
               <a:noAutofit/>
             </a:bodyPr>
             <a:lstStyle/>
             <a:p>
-              <a:pPr indent="0" lvl="0" marL="0" rtl="0" algn="l">
+              <a:pPr marL="0" lvl="0" indent="0" algn="l" rtl="0">
                 <a:spcBef>
                   <a:spcPts val="0"/>
                 </a:spcBef>
@@ -4712,9 +4749,6 @@
                 </a:spcAft>
                 <a:buNone/>
               </a:pPr>
-              <a:r>
-                <a:t/>
-              </a:r>
               <a:endParaRPr/>
             </a:p>
           </p:txBody>
@@ -4732,7 +4766,7 @@
             </a:xfrm>
             <a:prstGeom prst="parallelogram">
               <a:avLst>
-                <a:gd fmla="val 158024" name="adj"/>
+                <a:gd name="adj" fmla="val 158024"/>
               </a:avLst>
             </a:prstGeom>
             <a:solidFill>
@@ -4743,12 +4777,12 @@
             </a:ln>
           </p:spPr>
           <p:txBody>
-            <a:bodyPr anchorCtr="0" anchor="ctr" bIns="91425" lIns="91425" spcFirstLastPara="1" rIns="91425" wrap="square" tIns="91425">
+            <a:bodyPr spcFirstLastPara="1" wrap="square" lIns="91425" tIns="91425" rIns="91425" bIns="91425" anchor="ctr" anchorCtr="0">
               <a:noAutofit/>
             </a:bodyPr>
             <a:lstStyle/>
             <a:p>
-              <a:pPr indent="0" lvl="0" marL="0" rtl="0" algn="l">
+              <a:pPr marL="0" lvl="0" indent="0" algn="l" rtl="0">
                 <a:spcBef>
                   <a:spcPts val="0"/>
                 </a:spcBef>
@@ -4757,9 +4791,6 @@
                 </a:spcAft>
                 <a:buNone/>
               </a:pPr>
-              <a:r>
-                <a:t/>
-              </a:r>
               <a:endParaRPr/>
             </a:p>
           </p:txBody>
@@ -4777,7 +4808,7 @@
             </a:xfrm>
             <a:prstGeom prst="parallelogram">
               <a:avLst>
-                <a:gd fmla="val 158024" name="adj"/>
+                <a:gd name="adj" fmla="val 158024"/>
               </a:avLst>
             </a:prstGeom>
             <a:solidFill>
@@ -4788,12 +4819,12 @@
             </a:ln>
           </p:spPr>
           <p:txBody>
-            <a:bodyPr anchorCtr="0" anchor="ctr" bIns="91425" lIns="91425" spcFirstLastPara="1" rIns="91425" wrap="square" tIns="91425">
+            <a:bodyPr spcFirstLastPara="1" wrap="square" lIns="91425" tIns="91425" rIns="91425" bIns="91425" anchor="ctr" anchorCtr="0">
               <a:noAutofit/>
             </a:bodyPr>
             <a:lstStyle/>
             <a:p>
-              <a:pPr indent="0" lvl="0" marL="0" rtl="0" algn="l">
+              <a:pPr marL="0" lvl="0" indent="0" algn="l" rtl="0">
                 <a:spcBef>
                   <a:spcPts val="0"/>
                 </a:spcBef>
@@ -4802,9 +4833,6 @@
                 </a:spcAft>
                 <a:buNone/>
               </a:pPr>
-              <a:r>
-                <a:t/>
-              </a:r>
               <a:endParaRPr/>
             </a:p>
           </p:txBody>
@@ -4813,7 +4841,9 @@
       <p:sp>
         <p:nvSpPr>
           <p:cNvPr id="47" name="Google Shape;47;p3"/>
-          <p:cNvSpPr txBox="1"/>
+          <p:cNvSpPr txBox="1">
+            <a:spLocks noGrp="1"/>
+          </p:cNvSpPr>
           <p:nvPr>
             <p:ph type="title"/>
           </p:nvPr>
@@ -4828,7 +4858,7 @@
           </a:prstGeom>
         </p:spPr>
         <p:txBody>
-          <a:bodyPr anchorCtr="0" anchor="ctr" bIns="91425" lIns="91425" spcFirstLastPara="1" rIns="91425" wrap="square" tIns="91425">
+          <a:bodyPr spcFirstLastPara="1" wrap="square" lIns="91425" tIns="91425" rIns="91425" bIns="91425" anchor="ctr" anchorCtr="0">
             <a:normAutofit/>
           </a:bodyPr>
           <a:lstStyle>
@@ -4995,15 +5025,19 @@
               </a:defRPr>
             </a:lvl9pPr>
           </a:lstStyle>
-          <a:p/>
+          <a:p>
+            <a:endParaRPr/>
+          </a:p>
         </p:txBody>
       </p:sp>
       <p:sp>
         <p:nvSpPr>
           <p:cNvPr id="48" name="Google Shape;48;p3"/>
-          <p:cNvSpPr txBox="1"/>
+          <p:cNvSpPr txBox="1">
+            <a:spLocks noGrp="1"/>
+          </p:cNvSpPr>
           <p:nvPr>
-            <p:ph idx="12" type="sldNum"/>
+            <p:ph type="sldNum" idx="12"/>
           </p:nvPr>
         </p:nvSpPr>
         <p:spPr>
@@ -5016,7 +5050,7 @@
           </a:prstGeom>
         </p:spPr>
         <p:txBody>
-          <a:bodyPr anchorCtr="0" anchor="ctr" bIns="91425" lIns="91425" spcFirstLastPara="1" rIns="91425" wrap="square" tIns="91425">
+          <a:bodyPr spcFirstLastPara="1" wrap="square" lIns="91425" tIns="91425" rIns="91425" bIns="91425" anchor="ctr" anchorCtr="0">
             <a:normAutofit/>
           </a:bodyPr>
           <a:lstStyle>
@@ -5058,7 +5092,7 @@
             </a:lvl9pPr>
           </a:lstStyle>
           <a:p>
-            <a:pPr indent="0" lvl="0" marL="0" rtl="0" algn="r">
+            <a:pPr marL="0" lvl="0" indent="0" algn="r" rtl="0">
               <a:spcBef>
                 <a:spcPts val="0"/>
               </a:spcBef>
@@ -5084,18 +5118,19 @@
 </file>
 
 <file path=ppt/slideLayouts/slideLayout3.xml><?xml version="1.0" encoding="utf-8"?>
-<p:sldLayout xmlns:a="http://schemas.openxmlformats.org/drawingml/2006/main" xmlns:r="http://schemas.openxmlformats.org/officeDocument/2006/relationships" xmlns:mc="http://schemas.openxmlformats.org/markup-compatibility/2006" xmlns:mv="urn:schemas-microsoft-com:mac:vml" xmlns:p="http://schemas.openxmlformats.org/presentationml/2006/main" xmlns:c="http://schemas.openxmlformats.org/drawingml/2006/chart" xmlns:dgm="http://schemas.openxmlformats.org/drawingml/2006/diagram" xmlns:o="urn:schemas-microsoft-com:office:office" xmlns:v="urn:schemas-microsoft-com:vml" xmlns:pvml="urn:schemas-microsoft-com:office:powerpoint" xmlns:com="http://schemas.openxmlformats.org/drawingml/2006/compatibility" xmlns:p14="http://schemas.microsoft.com/office/powerpoint/2010/main" xmlns:p15="http://schemas.microsoft.com/office/powerpoint/2012/main" xmlns:ahyp="http://schemas.microsoft.com/office/drawing/2018/hyperlinkcolor" matchingName="Title and body" type="tx">
+<p:sldLayout xmlns:a="http://schemas.openxmlformats.org/drawingml/2006/main" xmlns:r="http://schemas.openxmlformats.org/officeDocument/2006/relationships" xmlns:p="http://schemas.openxmlformats.org/presentationml/2006/main" matchingName="Title and body" type="tx">
   <p:cSld name="TITLE_AND_BODY">
     <p:bg>
       <p:bgPr>
         <a:solidFill>
           <a:schemeClr val="dk2"/>
         </a:solidFill>
+        <a:effectLst/>
       </p:bgPr>
     </p:bg>
     <p:spTree>
       <p:nvGrpSpPr>
-        <p:cNvPr id="49" name="Shape 49"/>
+        <p:cNvPr id="1" name="Shape 49"/>
         <p:cNvGrpSpPr/>
         <p:nvPr/>
       </p:nvGrpSpPr>
@@ -5129,12 +5164,12 @@
           </a:ln>
         </p:spPr>
         <p:txBody>
-          <a:bodyPr anchorCtr="0" anchor="ctr" bIns="91425" lIns="91425" spcFirstLastPara="1" rIns="91425" wrap="square" tIns="91425">
+          <a:bodyPr spcFirstLastPara="1" wrap="square" lIns="91425" tIns="91425" rIns="91425" bIns="91425" anchor="ctr" anchorCtr="0">
             <a:noAutofit/>
           </a:bodyPr>
           <a:lstStyle/>
           <a:p>
-            <a:pPr indent="0" lvl="0" marL="0" rtl="0" algn="l">
+            <a:pPr marL="0" lvl="0" indent="0" algn="l" rtl="0">
               <a:spcBef>
                 <a:spcPts val="0"/>
               </a:spcBef>
@@ -5143,9 +5178,6 @@
               </a:spcAft>
               <a:buNone/>
             </a:pPr>
-            <a:r>
-              <a:t/>
-            </a:r>
             <a:endParaRPr/>
           </a:p>
         </p:txBody>
@@ -5172,12 +5204,12 @@
           </a:ln>
         </p:spPr>
         <p:txBody>
-          <a:bodyPr anchorCtr="0" anchor="ctr" bIns="91425" lIns="91425" spcFirstLastPara="1" rIns="91425" wrap="square" tIns="91425">
+          <a:bodyPr spcFirstLastPara="1" wrap="square" lIns="91425" tIns="91425" rIns="91425" bIns="91425" anchor="ctr" anchorCtr="0">
             <a:noAutofit/>
           </a:bodyPr>
           <a:lstStyle/>
           <a:p>
-            <a:pPr indent="0" lvl="0" marL="0" rtl="0" algn="l">
+            <a:pPr marL="0" lvl="0" indent="0" algn="l" rtl="0">
               <a:spcBef>
                 <a:spcPts val="0"/>
               </a:spcBef>
@@ -5186,9 +5218,6 @@
               </a:spcAft>
               <a:buNone/>
             </a:pPr>
-            <a:r>
-              <a:t/>
-            </a:r>
             <a:endParaRPr/>
           </a:p>
         </p:txBody>
@@ -5214,7 +5243,7 @@
             <a:noFill/>
           </a:ln>
           <a:effectLst>
-            <a:outerShdw blurRad="228600" sx="101000" rotWithShape="0" algn="ctr" sy="101000">
+            <a:outerShdw blurRad="228600" sx="101000" sy="101000" algn="ctr" rotWithShape="0">
               <a:srgbClr val="000000">
                 <a:alpha val="40000"/>
               </a:srgbClr>
@@ -5222,12 +5251,12 @@
           </a:effectLst>
         </p:spPr>
         <p:txBody>
-          <a:bodyPr anchorCtr="0" anchor="ctr" bIns="91425" lIns="91425" spcFirstLastPara="1" rIns="91425" wrap="square" tIns="91425">
+          <a:bodyPr spcFirstLastPara="1" wrap="square" lIns="91425" tIns="91425" rIns="91425" bIns="91425" anchor="ctr" anchorCtr="0">
             <a:noAutofit/>
           </a:bodyPr>
           <a:lstStyle/>
           <a:p>
-            <a:pPr indent="0" lvl="0" marL="0" rtl="0" algn="l">
+            <a:pPr marL="0" lvl="0" indent="0" algn="l" rtl="0">
               <a:spcBef>
                 <a:spcPts val="0"/>
               </a:spcBef>
@@ -5236,9 +5265,6 @@
               </a:spcAft>
               <a:buNone/>
             </a:pPr>
-            <a:r>
-              <a:t/>
-            </a:r>
             <a:endParaRPr/>
           </a:p>
         </p:txBody>
@@ -5246,7 +5272,9 @@
       <p:sp>
         <p:nvSpPr>
           <p:cNvPr id="53" name="Google Shape;53;p4"/>
-          <p:cNvSpPr txBox="1"/>
+          <p:cNvSpPr txBox="1">
+            <a:spLocks noGrp="1"/>
+          </p:cNvSpPr>
           <p:nvPr>
             <p:ph type="title"/>
           </p:nvPr>
@@ -5261,7 +5289,7 @@
           </a:prstGeom>
         </p:spPr>
         <p:txBody>
-          <a:bodyPr anchorCtr="0" anchor="t" bIns="91425" lIns="91425" spcFirstLastPara="1" rIns="91425" wrap="square" tIns="91425">
+          <a:bodyPr spcFirstLastPara="1" wrap="square" lIns="91425" tIns="91425" rIns="91425" bIns="91425" anchor="t" anchorCtr="0">
             <a:normAutofit/>
           </a:bodyPr>
           <a:lstStyle>
@@ -5365,15 +5393,19 @@
               <a:defRPr sz="3000"/>
             </a:lvl9pPr>
           </a:lstStyle>
-          <a:p/>
+          <a:p>
+            <a:endParaRPr/>
+          </a:p>
         </p:txBody>
       </p:sp>
       <p:sp>
         <p:nvSpPr>
           <p:cNvPr id="54" name="Google Shape;54;p4"/>
-          <p:cNvSpPr txBox="1"/>
+          <p:cNvSpPr txBox="1">
+            <a:spLocks noGrp="1"/>
+          </p:cNvSpPr>
           <p:nvPr>
-            <p:ph idx="1" type="body"/>
+            <p:ph type="body" idx="1"/>
           </p:nvPr>
         </p:nvSpPr>
         <p:spPr>
@@ -5386,11 +5418,11 @@
           </a:prstGeom>
         </p:spPr>
         <p:txBody>
-          <a:bodyPr anchorCtr="0" anchor="t" bIns="91425" lIns="91425" spcFirstLastPara="1" rIns="91425" wrap="square" tIns="91425">
+          <a:bodyPr spcFirstLastPara="1" wrap="square" lIns="91425" tIns="91425" rIns="91425" bIns="91425" anchor="t" anchorCtr="0">
             <a:normAutofit/>
           </a:bodyPr>
           <a:lstStyle>
-            <a:lvl1pPr indent="-311150" lvl="0" marL="457200">
+            <a:lvl1pPr marL="457200" lvl="0" indent="-311150">
               <a:spcBef>
                 <a:spcPts val="0"/>
               </a:spcBef>
@@ -5401,7 +5433,7 @@
               <a:buChar char="●"/>
               <a:defRPr/>
             </a:lvl1pPr>
-            <a:lvl2pPr indent="-298450" lvl="1" marL="914400">
+            <a:lvl2pPr marL="914400" lvl="1" indent="-298450">
               <a:spcBef>
                 <a:spcPts val="0"/>
               </a:spcBef>
@@ -5412,7 +5444,7 @@
               <a:buChar char="○"/>
               <a:defRPr/>
             </a:lvl2pPr>
-            <a:lvl3pPr indent="-298450" lvl="2" marL="1371600">
+            <a:lvl3pPr marL="1371600" lvl="2" indent="-298450">
               <a:spcBef>
                 <a:spcPts val="0"/>
               </a:spcBef>
@@ -5423,7 +5455,7 @@
               <a:buChar char="■"/>
               <a:defRPr/>
             </a:lvl3pPr>
-            <a:lvl4pPr indent="-298450" lvl="3" marL="1828800">
+            <a:lvl4pPr marL="1828800" lvl="3" indent="-298450">
               <a:spcBef>
                 <a:spcPts val="0"/>
               </a:spcBef>
@@ -5434,7 +5466,7 @@
               <a:buChar char="●"/>
               <a:defRPr/>
             </a:lvl4pPr>
-            <a:lvl5pPr indent="-298450" lvl="4" marL="2286000">
+            <a:lvl5pPr marL="2286000" lvl="4" indent="-298450">
               <a:spcBef>
                 <a:spcPts val="0"/>
               </a:spcBef>
@@ -5445,7 +5477,7 @@
               <a:buChar char="○"/>
               <a:defRPr/>
             </a:lvl5pPr>
-            <a:lvl6pPr indent="-298450" lvl="5" marL="2743200">
+            <a:lvl6pPr marL="2743200" lvl="5" indent="-298450">
               <a:spcBef>
                 <a:spcPts val="0"/>
               </a:spcBef>
@@ -5456,7 +5488,7 @@
               <a:buChar char="■"/>
               <a:defRPr/>
             </a:lvl6pPr>
-            <a:lvl7pPr indent="-298450" lvl="6" marL="3200400">
+            <a:lvl7pPr marL="3200400" lvl="6" indent="-298450">
               <a:spcBef>
                 <a:spcPts val="0"/>
               </a:spcBef>
@@ -5467,7 +5499,7 @@
               <a:buChar char="●"/>
               <a:defRPr/>
             </a:lvl7pPr>
-            <a:lvl8pPr indent="-298450" lvl="7" marL="3657600">
+            <a:lvl8pPr marL="3657600" lvl="7" indent="-298450">
               <a:spcBef>
                 <a:spcPts val="0"/>
               </a:spcBef>
@@ -5478,7 +5510,7 @@
               <a:buChar char="○"/>
               <a:defRPr/>
             </a:lvl8pPr>
-            <a:lvl9pPr indent="-298450" lvl="8" marL="4114800">
+            <a:lvl9pPr marL="4114800" lvl="8" indent="-298450">
               <a:spcBef>
                 <a:spcPts val="0"/>
               </a:spcBef>
@@ -5490,15 +5522,19 @@
               <a:defRPr/>
             </a:lvl9pPr>
           </a:lstStyle>
-          <a:p/>
+          <a:p>
+            <a:endParaRPr/>
+          </a:p>
         </p:txBody>
       </p:sp>
       <p:sp>
         <p:nvSpPr>
           <p:cNvPr id="55" name="Google Shape;55;p4"/>
-          <p:cNvSpPr txBox="1"/>
+          <p:cNvSpPr txBox="1">
+            <a:spLocks noGrp="1"/>
+          </p:cNvSpPr>
           <p:nvPr>
-            <p:ph idx="12" type="sldNum"/>
+            <p:ph type="sldNum" idx="12"/>
           </p:nvPr>
         </p:nvSpPr>
         <p:spPr>
@@ -5511,7 +5547,7 @@
           </a:prstGeom>
         </p:spPr>
         <p:txBody>
-          <a:bodyPr anchorCtr="0" anchor="ctr" bIns="91425" lIns="91425" spcFirstLastPara="1" rIns="91425" wrap="square" tIns="91425">
+          <a:bodyPr spcFirstLastPara="1" wrap="square" lIns="91425" tIns="91425" rIns="91425" bIns="91425" anchor="ctr" anchorCtr="0">
             <a:normAutofit/>
           </a:bodyPr>
           <a:lstStyle>
@@ -5553,7 +5589,7 @@
             </a:lvl9pPr>
           </a:lstStyle>
           <a:p>
-            <a:pPr indent="0" lvl="0" marL="0" rtl="0" algn="r">
+            <a:pPr marL="0" lvl="0" indent="0" algn="r" rtl="0">
               <a:spcBef>
                 <a:spcPts val="0"/>
               </a:spcBef>
@@ -5579,18 +5615,19 @@
 </file>
 
 <file path=ppt/slideLayouts/slideLayout4.xml><?xml version="1.0" encoding="utf-8"?>
-<p:sldLayout xmlns:a="http://schemas.openxmlformats.org/drawingml/2006/main" xmlns:r="http://schemas.openxmlformats.org/officeDocument/2006/relationships" xmlns:mc="http://schemas.openxmlformats.org/markup-compatibility/2006" xmlns:mv="urn:schemas-microsoft-com:mac:vml" xmlns:p="http://schemas.openxmlformats.org/presentationml/2006/main" xmlns:c="http://schemas.openxmlformats.org/drawingml/2006/chart" xmlns:dgm="http://schemas.openxmlformats.org/drawingml/2006/diagram" xmlns:o="urn:schemas-microsoft-com:office:office" xmlns:v="urn:schemas-microsoft-com:vml" xmlns:pvml="urn:schemas-microsoft-com:office:powerpoint" xmlns:com="http://schemas.openxmlformats.org/drawingml/2006/compatibility" xmlns:p14="http://schemas.microsoft.com/office/powerpoint/2010/main" xmlns:p15="http://schemas.microsoft.com/office/powerpoint/2012/main" xmlns:ahyp="http://schemas.microsoft.com/office/drawing/2018/hyperlinkcolor" matchingName="Title and two columns" type="twoColTx">
+<p:sldLayout xmlns:a="http://schemas.openxmlformats.org/drawingml/2006/main" xmlns:r="http://schemas.openxmlformats.org/officeDocument/2006/relationships" xmlns:p="http://schemas.openxmlformats.org/presentationml/2006/main" matchingName="Title and two columns" type="twoColTx">
   <p:cSld name="TITLE_AND_TWO_COLUMNS">
     <p:bg>
       <p:bgPr>
         <a:solidFill>
           <a:schemeClr val="dk2"/>
         </a:solidFill>
+        <a:effectLst/>
       </p:bgPr>
     </p:bg>
     <p:spTree>
       <p:nvGrpSpPr>
-        <p:cNvPr id="56" name="Shape 56"/>
+        <p:cNvPr id="1" name="Shape 56"/>
         <p:cNvGrpSpPr/>
         <p:nvPr/>
       </p:nvGrpSpPr>
@@ -5624,12 +5661,12 @@
           </a:ln>
         </p:spPr>
         <p:txBody>
-          <a:bodyPr anchorCtr="0" anchor="ctr" bIns="91425" lIns="91425" spcFirstLastPara="1" rIns="91425" wrap="square" tIns="91425">
+          <a:bodyPr spcFirstLastPara="1" wrap="square" lIns="91425" tIns="91425" rIns="91425" bIns="91425" anchor="ctr" anchorCtr="0">
             <a:noAutofit/>
           </a:bodyPr>
           <a:lstStyle/>
           <a:p>
-            <a:pPr indent="0" lvl="0" marL="0" rtl="0" algn="l">
+            <a:pPr marL="0" lvl="0" indent="0" algn="l" rtl="0">
               <a:spcBef>
                 <a:spcPts val="0"/>
               </a:spcBef>
@@ -5638,9 +5675,6 @@
               </a:spcAft>
               <a:buNone/>
             </a:pPr>
-            <a:r>
-              <a:t/>
-            </a:r>
             <a:endParaRPr/>
           </a:p>
         </p:txBody>
@@ -5667,12 +5701,12 @@
           </a:ln>
         </p:spPr>
         <p:txBody>
-          <a:bodyPr anchorCtr="0" anchor="ctr" bIns="91425" lIns="91425" spcFirstLastPara="1" rIns="91425" wrap="square" tIns="91425">
+          <a:bodyPr spcFirstLastPara="1" wrap="square" lIns="91425" tIns="91425" rIns="91425" bIns="91425" anchor="ctr" anchorCtr="0">
             <a:noAutofit/>
           </a:bodyPr>
           <a:lstStyle/>
           <a:p>
-            <a:pPr indent="0" lvl="0" marL="0" rtl="0" algn="l">
+            <a:pPr marL="0" lvl="0" indent="0" algn="l" rtl="0">
               <a:spcBef>
                 <a:spcPts val="0"/>
               </a:spcBef>
@@ -5681,9 +5715,6 @@
               </a:spcAft>
               <a:buNone/>
             </a:pPr>
-            <a:r>
-              <a:t/>
-            </a:r>
             <a:endParaRPr/>
           </a:p>
         </p:txBody>
@@ -5709,7 +5740,7 @@
             <a:noFill/>
           </a:ln>
           <a:effectLst>
-            <a:outerShdw blurRad="228600" sx="101000" rotWithShape="0" algn="ctr" sy="101000">
+            <a:outerShdw blurRad="228600" sx="101000" sy="101000" algn="ctr" rotWithShape="0">
               <a:srgbClr val="000000">
                 <a:alpha val="40000"/>
               </a:srgbClr>
@@ -5717,12 +5748,12 @@
           </a:effectLst>
         </p:spPr>
         <p:txBody>
-          <a:bodyPr anchorCtr="0" anchor="ctr" bIns="91425" lIns="91425" spcFirstLastPara="1" rIns="91425" wrap="square" tIns="91425">
+          <a:bodyPr spcFirstLastPara="1" wrap="square" lIns="91425" tIns="91425" rIns="91425" bIns="91425" anchor="ctr" anchorCtr="0">
             <a:noAutofit/>
           </a:bodyPr>
           <a:lstStyle/>
           <a:p>
-            <a:pPr indent="0" lvl="0" marL="0" rtl="0" algn="l">
+            <a:pPr marL="0" lvl="0" indent="0" algn="l" rtl="0">
               <a:spcBef>
                 <a:spcPts val="0"/>
               </a:spcBef>
@@ -5731,9 +5762,6 @@
               </a:spcAft>
               <a:buNone/>
             </a:pPr>
-            <a:r>
-              <a:t/>
-            </a:r>
             <a:endParaRPr/>
           </a:p>
         </p:txBody>
@@ -5741,7 +5769,9 @@
       <p:sp>
         <p:nvSpPr>
           <p:cNvPr id="60" name="Google Shape;60;p5"/>
-          <p:cNvSpPr txBox="1"/>
+          <p:cNvSpPr txBox="1">
+            <a:spLocks noGrp="1"/>
+          </p:cNvSpPr>
           <p:nvPr>
             <p:ph type="title"/>
           </p:nvPr>
@@ -5756,7 +5786,7 @@
           </a:prstGeom>
         </p:spPr>
         <p:txBody>
-          <a:bodyPr anchorCtr="0" anchor="t" bIns="91425" lIns="91425" spcFirstLastPara="1" rIns="91425" wrap="square" tIns="91425">
+          <a:bodyPr spcFirstLastPara="1" wrap="square" lIns="91425" tIns="91425" rIns="91425" bIns="91425" anchor="t" anchorCtr="0">
             <a:normAutofit/>
           </a:bodyPr>
           <a:lstStyle>
@@ -5860,15 +5890,19 @@
               <a:defRPr sz="3000"/>
             </a:lvl9pPr>
           </a:lstStyle>
-          <a:p/>
+          <a:p>
+            <a:endParaRPr/>
+          </a:p>
         </p:txBody>
       </p:sp>
       <p:sp>
         <p:nvSpPr>
           <p:cNvPr id="61" name="Google Shape;61;p5"/>
-          <p:cNvSpPr txBox="1"/>
+          <p:cNvSpPr txBox="1">
+            <a:spLocks noGrp="1"/>
+          </p:cNvSpPr>
           <p:nvPr>
-            <p:ph idx="1" type="body"/>
+            <p:ph type="body" idx="1"/>
           </p:nvPr>
         </p:nvSpPr>
         <p:spPr>
@@ -5881,11 +5915,11 @@
           </a:prstGeom>
         </p:spPr>
         <p:txBody>
-          <a:bodyPr anchorCtr="0" anchor="t" bIns="91425" lIns="91425" spcFirstLastPara="1" rIns="91425" wrap="square" tIns="91425">
+          <a:bodyPr spcFirstLastPara="1" wrap="square" lIns="91425" tIns="91425" rIns="91425" bIns="91425" anchor="t" anchorCtr="0">
             <a:normAutofit/>
           </a:bodyPr>
           <a:lstStyle>
-            <a:lvl1pPr indent="-311150" lvl="0" marL="457200">
+            <a:lvl1pPr marL="457200" lvl="0" indent="-311150">
               <a:spcBef>
                 <a:spcPts val="0"/>
               </a:spcBef>
@@ -5896,7 +5930,7 @@
               <a:buChar char="●"/>
               <a:defRPr/>
             </a:lvl1pPr>
-            <a:lvl2pPr indent="-298450" lvl="1" marL="914400">
+            <a:lvl2pPr marL="914400" lvl="1" indent="-298450">
               <a:spcBef>
                 <a:spcPts val="0"/>
               </a:spcBef>
@@ -5907,7 +5941,7 @@
               <a:buChar char="○"/>
               <a:defRPr/>
             </a:lvl2pPr>
-            <a:lvl3pPr indent="-298450" lvl="2" marL="1371600">
+            <a:lvl3pPr marL="1371600" lvl="2" indent="-298450">
               <a:spcBef>
                 <a:spcPts val="0"/>
               </a:spcBef>
@@ -5918,7 +5952,7 @@
               <a:buChar char="■"/>
               <a:defRPr/>
             </a:lvl3pPr>
-            <a:lvl4pPr indent="-298450" lvl="3" marL="1828800">
+            <a:lvl4pPr marL="1828800" lvl="3" indent="-298450">
               <a:spcBef>
                 <a:spcPts val="0"/>
               </a:spcBef>
@@ -5929,7 +5963,7 @@
               <a:buChar char="●"/>
               <a:defRPr/>
             </a:lvl4pPr>
-            <a:lvl5pPr indent="-298450" lvl="4" marL="2286000">
+            <a:lvl5pPr marL="2286000" lvl="4" indent="-298450">
               <a:spcBef>
                 <a:spcPts val="0"/>
               </a:spcBef>
@@ -5940,7 +5974,7 @@
               <a:buChar char="○"/>
               <a:defRPr/>
             </a:lvl5pPr>
-            <a:lvl6pPr indent="-298450" lvl="5" marL="2743200">
+            <a:lvl6pPr marL="2743200" lvl="5" indent="-298450">
               <a:spcBef>
                 <a:spcPts val="0"/>
               </a:spcBef>
@@ -5951,7 +5985,7 @@
               <a:buChar char="■"/>
               <a:defRPr/>
             </a:lvl6pPr>
-            <a:lvl7pPr indent="-298450" lvl="6" marL="3200400">
+            <a:lvl7pPr marL="3200400" lvl="6" indent="-298450">
               <a:spcBef>
                 <a:spcPts val="0"/>
               </a:spcBef>
@@ -5962,7 +5996,7 @@
               <a:buChar char="●"/>
               <a:defRPr/>
             </a:lvl7pPr>
-            <a:lvl8pPr indent="-298450" lvl="7" marL="3657600">
+            <a:lvl8pPr marL="3657600" lvl="7" indent="-298450">
               <a:spcBef>
                 <a:spcPts val="0"/>
               </a:spcBef>
@@ -5973,7 +6007,7 @@
               <a:buChar char="○"/>
               <a:defRPr/>
             </a:lvl8pPr>
-            <a:lvl9pPr indent="-298450" lvl="8" marL="4114800">
+            <a:lvl9pPr marL="4114800" lvl="8" indent="-298450">
               <a:spcBef>
                 <a:spcPts val="0"/>
               </a:spcBef>
@@ -5985,15 +6019,19 @@
               <a:defRPr/>
             </a:lvl9pPr>
           </a:lstStyle>
-          <a:p/>
+          <a:p>
+            <a:endParaRPr/>
+          </a:p>
         </p:txBody>
       </p:sp>
       <p:sp>
         <p:nvSpPr>
           <p:cNvPr id="62" name="Google Shape;62;p5"/>
-          <p:cNvSpPr txBox="1"/>
+          <p:cNvSpPr txBox="1">
+            <a:spLocks noGrp="1"/>
+          </p:cNvSpPr>
           <p:nvPr>
-            <p:ph idx="2" type="body"/>
+            <p:ph type="body" idx="2"/>
           </p:nvPr>
         </p:nvSpPr>
         <p:spPr>
@@ -6006,11 +6044,11 @@
           </a:prstGeom>
         </p:spPr>
         <p:txBody>
-          <a:bodyPr anchorCtr="0" anchor="t" bIns="91425" lIns="91425" spcFirstLastPara="1" rIns="91425" wrap="square" tIns="91425">
+          <a:bodyPr spcFirstLastPara="1" wrap="square" lIns="91425" tIns="91425" rIns="91425" bIns="91425" anchor="t" anchorCtr="0">
             <a:normAutofit/>
           </a:bodyPr>
           <a:lstStyle>
-            <a:lvl1pPr indent="-311150" lvl="0" marL="457200">
+            <a:lvl1pPr marL="457200" lvl="0" indent="-311150">
               <a:spcBef>
                 <a:spcPts val="0"/>
               </a:spcBef>
@@ -6021,7 +6059,7 @@
               <a:buChar char="●"/>
               <a:defRPr/>
             </a:lvl1pPr>
-            <a:lvl2pPr indent="-298450" lvl="1" marL="914400">
+            <a:lvl2pPr marL="914400" lvl="1" indent="-298450">
               <a:spcBef>
                 <a:spcPts val="0"/>
               </a:spcBef>
@@ -6032,7 +6070,7 @@
               <a:buChar char="○"/>
               <a:defRPr/>
             </a:lvl2pPr>
-            <a:lvl3pPr indent="-298450" lvl="2" marL="1371600">
+            <a:lvl3pPr marL="1371600" lvl="2" indent="-298450">
               <a:spcBef>
                 <a:spcPts val="0"/>
               </a:spcBef>
@@ -6043,7 +6081,7 @@
               <a:buChar char="■"/>
               <a:defRPr/>
             </a:lvl3pPr>
-            <a:lvl4pPr indent="-298450" lvl="3" marL="1828800">
+            <a:lvl4pPr marL="1828800" lvl="3" indent="-298450">
               <a:spcBef>
                 <a:spcPts val="0"/>
               </a:spcBef>
@@ -6054,7 +6092,7 @@
               <a:buChar char="●"/>
               <a:defRPr/>
             </a:lvl4pPr>
-            <a:lvl5pPr indent="-298450" lvl="4" marL="2286000">
+            <a:lvl5pPr marL="2286000" lvl="4" indent="-298450">
               <a:spcBef>
                 <a:spcPts val="0"/>
               </a:spcBef>
@@ -6065,7 +6103,7 @@
               <a:buChar char="○"/>
               <a:defRPr/>
             </a:lvl5pPr>
-            <a:lvl6pPr indent="-298450" lvl="5" marL="2743200">
+            <a:lvl6pPr marL="2743200" lvl="5" indent="-298450">
               <a:spcBef>
                 <a:spcPts val="0"/>
               </a:spcBef>
@@ -6076,7 +6114,7 @@
               <a:buChar char="■"/>
               <a:defRPr/>
             </a:lvl6pPr>
-            <a:lvl7pPr indent="-298450" lvl="6" marL="3200400">
+            <a:lvl7pPr marL="3200400" lvl="6" indent="-298450">
               <a:spcBef>
                 <a:spcPts val="0"/>
               </a:spcBef>
@@ -6087,7 +6125,7 @@
               <a:buChar char="●"/>
               <a:defRPr/>
             </a:lvl7pPr>
-            <a:lvl8pPr indent="-298450" lvl="7" marL="3657600">
+            <a:lvl8pPr marL="3657600" lvl="7" indent="-298450">
               <a:spcBef>
                 <a:spcPts val="0"/>
               </a:spcBef>
@@ -6098,7 +6136,7 @@
               <a:buChar char="○"/>
               <a:defRPr/>
             </a:lvl8pPr>
-            <a:lvl9pPr indent="-298450" lvl="8" marL="4114800">
+            <a:lvl9pPr marL="4114800" lvl="8" indent="-298450">
               <a:spcBef>
                 <a:spcPts val="0"/>
               </a:spcBef>
@@ -6110,15 +6148,19 @@
               <a:defRPr/>
             </a:lvl9pPr>
           </a:lstStyle>
-          <a:p/>
+          <a:p>
+            <a:endParaRPr/>
+          </a:p>
         </p:txBody>
       </p:sp>
       <p:sp>
         <p:nvSpPr>
           <p:cNvPr id="63" name="Google Shape;63;p5"/>
-          <p:cNvSpPr txBox="1"/>
+          <p:cNvSpPr txBox="1">
+            <a:spLocks noGrp="1"/>
+          </p:cNvSpPr>
           <p:nvPr>
-            <p:ph idx="12" type="sldNum"/>
+            <p:ph type="sldNum" idx="12"/>
           </p:nvPr>
         </p:nvSpPr>
         <p:spPr>
@@ -6131,7 +6173,7 @@
           </a:prstGeom>
         </p:spPr>
         <p:txBody>
-          <a:bodyPr anchorCtr="0" anchor="ctr" bIns="91425" lIns="91425" spcFirstLastPara="1" rIns="91425" wrap="square" tIns="91425">
+          <a:bodyPr spcFirstLastPara="1" wrap="square" lIns="91425" tIns="91425" rIns="91425" bIns="91425" anchor="ctr" anchorCtr="0">
             <a:normAutofit/>
           </a:bodyPr>
           <a:lstStyle>
@@ -6173,7 +6215,7 @@
             </a:lvl9pPr>
           </a:lstStyle>
           <a:p>
-            <a:pPr indent="0" lvl="0" marL="0" rtl="0" algn="r">
+            <a:pPr marL="0" lvl="0" indent="0" algn="r" rtl="0">
               <a:spcBef>
                 <a:spcPts val="0"/>
               </a:spcBef>
@@ -6199,18 +6241,19 @@
 </file>
 
 <file path=ppt/slideLayouts/slideLayout5.xml><?xml version="1.0" encoding="utf-8"?>
-<p:sldLayout xmlns:a="http://schemas.openxmlformats.org/drawingml/2006/main" xmlns:r="http://schemas.openxmlformats.org/officeDocument/2006/relationships" xmlns:mc="http://schemas.openxmlformats.org/markup-compatibility/2006" xmlns:mv="urn:schemas-microsoft-com:mac:vml" xmlns:p="http://schemas.openxmlformats.org/presentationml/2006/main" xmlns:c="http://schemas.openxmlformats.org/drawingml/2006/chart" xmlns:dgm="http://schemas.openxmlformats.org/drawingml/2006/diagram" xmlns:o="urn:schemas-microsoft-com:office:office" xmlns:v="urn:schemas-microsoft-com:vml" xmlns:pvml="urn:schemas-microsoft-com:office:powerpoint" xmlns:com="http://schemas.openxmlformats.org/drawingml/2006/compatibility" xmlns:p14="http://schemas.microsoft.com/office/powerpoint/2010/main" xmlns:p15="http://schemas.microsoft.com/office/powerpoint/2012/main" xmlns:ahyp="http://schemas.microsoft.com/office/drawing/2018/hyperlinkcolor" matchingName="Title only" type="titleOnly">
+<p:sldLayout xmlns:a="http://schemas.openxmlformats.org/drawingml/2006/main" xmlns:r="http://schemas.openxmlformats.org/officeDocument/2006/relationships" xmlns:p="http://schemas.openxmlformats.org/presentationml/2006/main" matchingName="Title only" type="titleOnly">
   <p:cSld name="TITLE_ONLY">
     <p:bg>
       <p:bgPr>
         <a:solidFill>
           <a:schemeClr val="dk2"/>
         </a:solidFill>
+        <a:effectLst/>
       </p:bgPr>
     </p:bg>
     <p:spTree>
       <p:nvGrpSpPr>
-        <p:cNvPr id="64" name="Shape 64"/>
+        <p:cNvPr id="1" name="Shape 64"/>
         <p:cNvGrpSpPr/>
         <p:nvPr/>
       </p:nvGrpSpPr>
@@ -6244,12 +6287,12 @@
           </a:ln>
         </p:spPr>
         <p:txBody>
-          <a:bodyPr anchorCtr="0" anchor="ctr" bIns="91425" lIns="91425" spcFirstLastPara="1" rIns="91425" wrap="square" tIns="91425">
+          <a:bodyPr spcFirstLastPara="1" wrap="square" lIns="91425" tIns="91425" rIns="91425" bIns="91425" anchor="ctr" anchorCtr="0">
             <a:noAutofit/>
           </a:bodyPr>
           <a:lstStyle/>
           <a:p>
-            <a:pPr indent="0" lvl="0" marL="0" rtl="0" algn="l">
+            <a:pPr marL="0" lvl="0" indent="0" algn="l" rtl="0">
               <a:spcBef>
                 <a:spcPts val="0"/>
               </a:spcBef>
@@ -6258,9 +6301,6 @@
               </a:spcAft>
               <a:buNone/>
             </a:pPr>
-            <a:r>
-              <a:t/>
-            </a:r>
             <a:endParaRPr/>
           </a:p>
         </p:txBody>
@@ -6287,12 +6327,12 @@
           </a:ln>
         </p:spPr>
         <p:txBody>
-          <a:bodyPr anchorCtr="0" anchor="ctr" bIns="91425" lIns="91425" spcFirstLastPara="1" rIns="91425" wrap="square" tIns="91425">
+          <a:bodyPr spcFirstLastPara="1" wrap="square" lIns="91425" tIns="91425" rIns="91425" bIns="91425" anchor="ctr" anchorCtr="0">
             <a:noAutofit/>
           </a:bodyPr>
           <a:lstStyle/>
           <a:p>
-            <a:pPr indent="0" lvl="0" marL="0" rtl="0" algn="l">
+            <a:pPr marL="0" lvl="0" indent="0" algn="l" rtl="0">
               <a:spcBef>
                 <a:spcPts val="0"/>
               </a:spcBef>
@@ -6301,9 +6341,6 @@
               </a:spcAft>
               <a:buNone/>
             </a:pPr>
-            <a:r>
-              <a:t/>
-            </a:r>
             <a:endParaRPr/>
           </a:p>
         </p:txBody>
@@ -6329,7 +6366,7 @@
             <a:noFill/>
           </a:ln>
           <a:effectLst>
-            <a:outerShdw blurRad="228600" sx="101000" rotWithShape="0" algn="ctr" sy="101000">
+            <a:outerShdw blurRad="228600" sx="101000" sy="101000" algn="ctr" rotWithShape="0">
               <a:srgbClr val="000000">
                 <a:alpha val="40000"/>
               </a:srgbClr>
@@ -6337,12 +6374,12 @@
           </a:effectLst>
         </p:spPr>
         <p:txBody>
-          <a:bodyPr anchorCtr="0" anchor="ctr" bIns="91425" lIns="91425" spcFirstLastPara="1" rIns="91425" wrap="square" tIns="91425">
+          <a:bodyPr spcFirstLastPara="1" wrap="square" lIns="91425" tIns="91425" rIns="91425" bIns="91425" anchor="ctr" anchorCtr="0">
             <a:noAutofit/>
           </a:bodyPr>
           <a:lstStyle/>
           <a:p>
-            <a:pPr indent="0" lvl="0" marL="0" rtl="0" algn="l">
+            <a:pPr marL="0" lvl="0" indent="0" algn="l" rtl="0">
               <a:spcBef>
                 <a:spcPts val="0"/>
               </a:spcBef>
@@ -6351,9 +6388,6 @@
               </a:spcAft>
               <a:buNone/>
             </a:pPr>
-            <a:r>
-              <a:t/>
-            </a:r>
             <a:endParaRPr/>
           </a:p>
         </p:txBody>
@@ -6361,7 +6395,9 @@
       <p:sp>
         <p:nvSpPr>
           <p:cNvPr id="68" name="Google Shape;68;p6"/>
-          <p:cNvSpPr txBox="1"/>
+          <p:cNvSpPr txBox="1">
+            <a:spLocks noGrp="1"/>
+          </p:cNvSpPr>
           <p:nvPr>
             <p:ph type="title"/>
           </p:nvPr>
@@ -6376,7 +6412,7 @@
           </a:prstGeom>
         </p:spPr>
         <p:txBody>
-          <a:bodyPr anchorCtr="0" anchor="t" bIns="91425" lIns="91425" spcFirstLastPara="1" rIns="91425" wrap="square" tIns="91425">
+          <a:bodyPr spcFirstLastPara="1" wrap="square" lIns="91425" tIns="91425" rIns="91425" bIns="91425" anchor="t" anchorCtr="0">
             <a:normAutofit/>
           </a:bodyPr>
           <a:lstStyle>
@@ -6480,15 +6516,19 @@
               <a:defRPr sz="3000"/>
             </a:lvl9pPr>
           </a:lstStyle>
-          <a:p/>
+          <a:p>
+            <a:endParaRPr/>
+          </a:p>
         </p:txBody>
       </p:sp>
       <p:sp>
         <p:nvSpPr>
           <p:cNvPr id="69" name="Google Shape;69;p6"/>
-          <p:cNvSpPr txBox="1"/>
+          <p:cNvSpPr txBox="1">
+            <a:spLocks noGrp="1"/>
+          </p:cNvSpPr>
           <p:nvPr>
-            <p:ph idx="12" type="sldNum"/>
+            <p:ph type="sldNum" idx="12"/>
           </p:nvPr>
         </p:nvSpPr>
         <p:spPr>
@@ -6501,7 +6541,7 @@
           </a:prstGeom>
         </p:spPr>
         <p:txBody>
-          <a:bodyPr anchorCtr="0" anchor="ctr" bIns="91425" lIns="91425" spcFirstLastPara="1" rIns="91425" wrap="square" tIns="91425">
+          <a:bodyPr spcFirstLastPara="1" wrap="square" lIns="91425" tIns="91425" rIns="91425" bIns="91425" anchor="ctr" anchorCtr="0">
             <a:normAutofit/>
           </a:bodyPr>
           <a:lstStyle>
@@ -6543,7 +6583,7 @@
             </a:lvl9pPr>
           </a:lstStyle>
           <a:p>
-            <a:pPr indent="0" lvl="0" marL="0" rtl="0" algn="r">
+            <a:pPr marL="0" lvl="0" indent="0" algn="r" rtl="0">
               <a:spcBef>
                 <a:spcPts val="0"/>
               </a:spcBef>
@@ -6569,18 +6609,19 @@
 </file>
 
 <file path=ppt/slideLayouts/slideLayout6.xml><?xml version="1.0" encoding="utf-8"?>
-<p:sldLayout xmlns:a="http://schemas.openxmlformats.org/drawingml/2006/main" xmlns:r="http://schemas.openxmlformats.org/officeDocument/2006/relationships" xmlns:mc="http://schemas.openxmlformats.org/markup-compatibility/2006" xmlns:mv="urn:schemas-microsoft-com:mac:vml" xmlns:p="http://schemas.openxmlformats.org/presentationml/2006/main" xmlns:c="http://schemas.openxmlformats.org/drawingml/2006/chart" xmlns:dgm="http://schemas.openxmlformats.org/drawingml/2006/diagram" xmlns:o="urn:schemas-microsoft-com:office:office" xmlns:v="urn:schemas-microsoft-com:vml" xmlns:pvml="urn:schemas-microsoft-com:office:powerpoint" xmlns:com="http://schemas.openxmlformats.org/drawingml/2006/compatibility" xmlns:p14="http://schemas.microsoft.com/office/powerpoint/2010/main" xmlns:p15="http://schemas.microsoft.com/office/powerpoint/2012/main" xmlns:ahyp="http://schemas.microsoft.com/office/drawing/2018/hyperlinkcolor" matchingName="One column text">
+<p:sldLayout xmlns:a="http://schemas.openxmlformats.org/drawingml/2006/main" xmlns:r="http://schemas.openxmlformats.org/officeDocument/2006/relationships" xmlns:p="http://schemas.openxmlformats.org/presentationml/2006/main" matchingName="One column text">
   <p:cSld name="ONE_COLUMN_TEXT">
     <p:bg>
       <p:bgPr>
         <a:solidFill>
           <a:schemeClr val="accent3"/>
         </a:solidFill>
+        <a:effectLst/>
       </p:bgPr>
     </p:bg>
     <p:spTree>
       <p:nvGrpSpPr>
-        <p:cNvPr id="70" name="Shape 70"/>
+        <p:cNvPr id="1" name="Shape 70"/>
         <p:cNvGrpSpPr/>
         <p:nvPr/>
       </p:nvGrpSpPr>
@@ -6614,12 +6655,12 @@
           </a:ln>
         </p:spPr>
         <p:txBody>
-          <a:bodyPr anchorCtr="0" anchor="ctr" bIns="91425" lIns="91425" spcFirstLastPara="1" rIns="91425" wrap="square" tIns="91425">
+          <a:bodyPr spcFirstLastPara="1" wrap="square" lIns="91425" tIns="91425" rIns="91425" bIns="91425" anchor="ctr" anchorCtr="0">
             <a:noAutofit/>
           </a:bodyPr>
           <a:lstStyle/>
           <a:p>
-            <a:pPr indent="0" lvl="0" marL="0" rtl="0" algn="l">
+            <a:pPr marL="0" lvl="0" indent="0" algn="l" rtl="0">
               <a:spcBef>
                 <a:spcPts val="0"/>
               </a:spcBef>
@@ -6628,9 +6669,6 @@
               </a:spcAft>
               <a:buNone/>
             </a:pPr>
-            <a:r>
-              <a:t/>
-            </a:r>
             <a:endParaRPr/>
           </a:p>
         </p:txBody>
@@ -6657,12 +6695,12 @@
           </a:ln>
         </p:spPr>
         <p:txBody>
-          <a:bodyPr anchorCtr="0" anchor="ctr" bIns="91425" lIns="91425" spcFirstLastPara="1" rIns="91425" wrap="square" tIns="91425">
+          <a:bodyPr spcFirstLastPara="1" wrap="square" lIns="91425" tIns="91425" rIns="91425" bIns="91425" anchor="ctr" anchorCtr="0">
             <a:noAutofit/>
           </a:bodyPr>
           <a:lstStyle/>
           <a:p>
-            <a:pPr indent="0" lvl="0" marL="0" rtl="0" algn="l">
+            <a:pPr marL="0" lvl="0" indent="0" algn="l" rtl="0">
               <a:spcBef>
                 <a:spcPts val="0"/>
               </a:spcBef>
@@ -6671,9 +6709,6 @@
               </a:spcAft>
               <a:buNone/>
             </a:pPr>
-            <a:r>
-              <a:t/>
-            </a:r>
             <a:endParaRPr/>
           </a:p>
         </p:txBody>
@@ -6699,7 +6734,7 @@
             <a:noFill/>
           </a:ln>
           <a:effectLst>
-            <a:outerShdw blurRad="228600" sx="101000" rotWithShape="0" algn="ctr" sy="101000">
+            <a:outerShdw blurRad="228600" sx="101000" sy="101000" algn="ctr" rotWithShape="0">
               <a:srgbClr val="000000">
                 <a:alpha val="40000"/>
               </a:srgbClr>
@@ -6707,12 +6742,12 @@
           </a:effectLst>
         </p:spPr>
         <p:txBody>
-          <a:bodyPr anchorCtr="0" anchor="ctr" bIns="91425" lIns="91425" spcFirstLastPara="1" rIns="91425" wrap="square" tIns="91425">
+          <a:bodyPr spcFirstLastPara="1" wrap="square" lIns="91425" tIns="91425" rIns="91425" bIns="91425" anchor="ctr" anchorCtr="0">
             <a:noAutofit/>
           </a:bodyPr>
           <a:lstStyle/>
           <a:p>
-            <a:pPr indent="0" lvl="0" marL="0" rtl="0" algn="l">
+            <a:pPr marL="0" lvl="0" indent="0" algn="l" rtl="0">
               <a:spcBef>
                 <a:spcPts val="0"/>
               </a:spcBef>
@@ -6721,9 +6756,6 @@
               </a:spcAft>
               <a:buNone/>
             </a:pPr>
-            <a:r>
-              <a:t/>
-            </a:r>
             <a:endParaRPr/>
           </a:p>
         </p:txBody>
@@ -6731,7 +6763,9 @@
       <p:sp>
         <p:nvSpPr>
           <p:cNvPr id="74" name="Google Shape;74;p7"/>
-          <p:cNvSpPr txBox="1"/>
+          <p:cNvSpPr txBox="1">
+            <a:spLocks noGrp="1"/>
+          </p:cNvSpPr>
           <p:nvPr>
             <p:ph type="title"/>
           </p:nvPr>
@@ -6746,7 +6780,7 @@
           </a:prstGeom>
         </p:spPr>
         <p:txBody>
-          <a:bodyPr anchorCtr="0" anchor="t" bIns="91425" lIns="91425" spcFirstLastPara="1" rIns="91425" wrap="square" tIns="91425">
+          <a:bodyPr spcFirstLastPara="1" wrap="square" lIns="91425" tIns="91425" rIns="91425" bIns="91425" anchor="t" anchorCtr="0">
             <a:normAutofit/>
           </a:bodyPr>
           <a:lstStyle>
@@ -6850,15 +6884,19 @@
               <a:defRPr sz="3000"/>
             </a:lvl9pPr>
           </a:lstStyle>
-          <a:p/>
+          <a:p>
+            <a:endParaRPr/>
+          </a:p>
         </p:txBody>
       </p:sp>
       <p:sp>
         <p:nvSpPr>
           <p:cNvPr id="75" name="Google Shape;75;p7"/>
-          <p:cNvSpPr txBox="1"/>
+          <p:cNvSpPr txBox="1">
+            <a:spLocks noGrp="1"/>
+          </p:cNvSpPr>
           <p:nvPr>
-            <p:ph idx="1" type="body"/>
+            <p:ph type="body" idx="1"/>
           </p:nvPr>
         </p:nvSpPr>
         <p:spPr>
@@ -6871,11 +6909,11 @@
           </a:prstGeom>
         </p:spPr>
         <p:txBody>
-          <a:bodyPr anchorCtr="0" anchor="t" bIns="91425" lIns="91425" spcFirstLastPara="1" rIns="91425" wrap="square" tIns="91425">
+          <a:bodyPr spcFirstLastPara="1" wrap="square" lIns="91425" tIns="91425" rIns="91425" bIns="91425" anchor="t" anchorCtr="0">
             <a:normAutofit/>
           </a:bodyPr>
           <a:lstStyle>
-            <a:lvl1pPr indent="-311150" lvl="0" marL="457200">
+            <a:lvl1pPr marL="457200" lvl="0" indent="-311150">
               <a:spcBef>
                 <a:spcPts val="0"/>
               </a:spcBef>
@@ -6886,7 +6924,7 @@
               <a:buChar char="●"/>
               <a:defRPr/>
             </a:lvl1pPr>
-            <a:lvl2pPr indent="-298450" lvl="1" marL="914400">
+            <a:lvl2pPr marL="914400" lvl="1" indent="-298450">
               <a:spcBef>
                 <a:spcPts val="0"/>
               </a:spcBef>
@@ -6897,7 +6935,7 @@
               <a:buChar char="○"/>
               <a:defRPr/>
             </a:lvl2pPr>
-            <a:lvl3pPr indent="-298450" lvl="2" marL="1371600">
+            <a:lvl3pPr marL="1371600" lvl="2" indent="-298450">
               <a:spcBef>
                 <a:spcPts val="0"/>
               </a:spcBef>
@@ -6908,7 +6946,7 @@
               <a:buChar char="■"/>
               <a:defRPr/>
             </a:lvl3pPr>
-            <a:lvl4pPr indent="-298450" lvl="3" marL="1828800">
+            <a:lvl4pPr marL="1828800" lvl="3" indent="-298450">
               <a:spcBef>
                 <a:spcPts val="0"/>
               </a:spcBef>
@@ -6919,7 +6957,7 @@
               <a:buChar char="●"/>
               <a:defRPr/>
             </a:lvl4pPr>
-            <a:lvl5pPr indent="-298450" lvl="4" marL="2286000">
+            <a:lvl5pPr marL="2286000" lvl="4" indent="-298450">
               <a:spcBef>
                 <a:spcPts val="0"/>
               </a:spcBef>
@@ -6930,7 +6968,7 @@
               <a:buChar char="○"/>
               <a:defRPr/>
             </a:lvl5pPr>
-            <a:lvl6pPr indent="-298450" lvl="5" marL="2743200">
+            <a:lvl6pPr marL="2743200" lvl="5" indent="-298450">
               <a:spcBef>
                 <a:spcPts val="0"/>
               </a:spcBef>
@@ -6941,7 +6979,7 @@
               <a:buChar char="■"/>
               <a:defRPr/>
             </a:lvl6pPr>
-            <a:lvl7pPr indent="-298450" lvl="6" marL="3200400">
+            <a:lvl7pPr marL="3200400" lvl="6" indent="-298450">
               <a:spcBef>
                 <a:spcPts val="0"/>
               </a:spcBef>
@@ -6952,7 +6990,7 @@
               <a:buChar char="●"/>
               <a:defRPr/>
             </a:lvl7pPr>
-            <a:lvl8pPr indent="-298450" lvl="7" marL="3657600">
+            <a:lvl8pPr marL="3657600" lvl="7" indent="-298450">
               <a:spcBef>
                 <a:spcPts val="0"/>
               </a:spcBef>
@@ -6963,7 +7001,7 @@
               <a:buChar char="○"/>
               <a:defRPr/>
             </a:lvl8pPr>
-            <a:lvl9pPr indent="-298450" lvl="8" marL="4114800">
+            <a:lvl9pPr marL="4114800" lvl="8" indent="-298450">
               <a:spcBef>
                 <a:spcPts val="0"/>
               </a:spcBef>
@@ -6975,15 +7013,19 @@
               <a:defRPr/>
             </a:lvl9pPr>
           </a:lstStyle>
-          <a:p/>
+          <a:p>
+            <a:endParaRPr/>
+          </a:p>
         </p:txBody>
       </p:sp>
       <p:sp>
         <p:nvSpPr>
           <p:cNvPr id="76" name="Google Shape;76;p7"/>
-          <p:cNvSpPr txBox="1"/>
+          <p:cNvSpPr txBox="1">
+            <a:spLocks noGrp="1"/>
+          </p:cNvSpPr>
           <p:nvPr>
-            <p:ph idx="12" type="sldNum"/>
+            <p:ph type="sldNum" idx="12"/>
           </p:nvPr>
         </p:nvSpPr>
         <p:spPr>
@@ -6996,7 +7038,7 @@
           </a:prstGeom>
         </p:spPr>
         <p:txBody>
-          <a:bodyPr anchorCtr="0" anchor="ctr" bIns="91425" lIns="91425" spcFirstLastPara="1" rIns="91425" wrap="square" tIns="91425">
+          <a:bodyPr spcFirstLastPara="1" wrap="square" lIns="91425" tIns="91425" rIns="91425" bIns="91425" anchor="ctr" anchorCtr="0">
             <a:normAutofit/>
           </a:bodyPr>
           <a:lstStyle>
@@ -7038,7 +7080,7 @@
             </a:lvl9pPr>
           </a:lstStyle>
           <a:p>
-            <a:pPr indent="0" lvl="0" marL="0" rtl="0" algn="r">
+            <a:pPr marL="0" lvl="0" indent="0" algn="r" rtl="0">
               <a:spcBef>
                 <a:spcPts val="0"/>
               </a:spcBef>
@@ -7064,18 +7106,19 @@
 </file>
 
 <file path=ppt/slideLayouts/slideLayout7.xml><?xml version="1.0" encoding="utf-8"?>
-<p:sldLayout xmlns:a="http://schemas.openxmlformats.org/drawingml/2006/main" xmlns:r="http://schemas.openxmlformats.org/officeDocument/2006/relationships" xmlns:mc="http://schemas.openxmlformats.org/markup-compatibility/2006" xmlns:mv="urn:schemas-microsoft-com:mac:vml" xmlns:p="http://schemas.openxmlformats.org/presentationml/2006/main" xmlns:c="http://schemas.openxmlformats.org/drawingml/2006/chart" xmlns:dgm="http://schemas.openxmlformats.org/drawingml/2006/diagram" xmlns:o="urn:schemas-microsoft-com:office:office" xmlns:v="urn:schemas-microsoft-com:vml" xmlns:pvml="urn:schemas-microsoft-com:office:powerpoint" xmlns:com="http://schemas.openxmlformats.org/drawingml/2006/compatibility" xmlns:p14="http://schemas.microsoft.com/office/powerpoint/2010/main" xmlns:p15="http://schemas.microsoft.com/office/powerpoint/2012/main" xmlns:ahyp="http://schemas.microsoft.com/office/drawing/2018/hyperlinkcolor" matchingName="Main point">
+<p:sldLayout xmlns:a="http://schemas.openxmlformats.org/drawingml/2006/main" xmlns:r="http://schemas.openxmlformats.org/officeDocument/2006/relationships" xmlns:p="http://schemas.openxmlformats.org/presentationml/2006/main" matchingName="Main point">
   <p:cSld name="MAIN_POINT">
     <p:bg>
       <p:bgPr>
         <a:solidFill>
           <a:schemeClr val="accent1"/>
         </a:solidFill>
+        <a:effectLst/>
       </p:bgPr>
     </p:bg>
     <p:spTree>
       <p:nvGrpSpPr>
-        <p:cNvPr id="77" name="Shape 77"/>
+        <p:cNvPr id="1" name="Shape 77"/>
         <p:cNvGrpSpPr/>
         <p:nvPr/>
       </p:nvGrpSpPr>
@@ -7109,12 +7152,12 @@
           </a:ln>
         </p:spPr>
         <p:txBody>
-          <a:bodyPr anchorCtr="0" anchor="ctr" bIns="91425" lIns="91425" spcFirstLastPara="1" rIns="91425" wrap="square" tIns="91425">
+          <a:bodyPr spcFirstLastPara="1" wrap="square" lIns="91425" tIns="91425" rIns="91425" bIns="91425" anchor="ctr" anchorCtr="0">
             <a:noAutofit/>
           </a:bodyPr>
           <a:lstStyle/>
           <a:p>
-            <a:pPr indent="0" lvl="0" marL="0" rtl="0" algn="l">
+            <a:pPr marL="0" lvl="0" indent="0" algn="l" rtl="0">
               <a:spcBef>
                 <a:spcPts val="0"/>
               </a:spcBef>
@@ -7123,9 +7166,6 @@
               </a:spcAft>
               <a:buNone/>
             </a:pPr>
-            <a:r>
-              <a:t/>
-            </a:r>
             <a:endParaRPr/>
           </a:p>
         </p:txBody>
@@ -7152,12 +7192,12 @@
           </a:ln>
         </p:spPr>
         <p:txBody>
-          <a:bodyPr anchorCtr="0" anchor="ctr" bIns="91425" lIns="91425" spcFirstLastPara="1" rIns="91425" wrap="square" tIns="91425">
+          <a:bodyPr spcFirstLastPara="1" wrap="square" lIns="91425" tIns="91425" rIns="91425" bIns="91425" anchor="ctr" anchorCtr="0">
             <a:noAutofit/>
           </a:bodyPr>
           <a:lstStyle/>
           <a:p>
-            <a:pPr indent="0" lvl="0" marL="0" rtl="0" algn="l">
+            <a:pPr marL="0" lvl="0" indent="0" algn="l" rtl="0">
               <a:spcBef>
                 <a:spcPts val="0"/>
               </a:spcBef>
@@ -7166,9 +7206,6 @@
               </a:spcAft>
               <a:buNone/>
             </a:pPr>
-            <a:r>
-              <a:t/>
-            </a:r>
             <a:endParaRPr/>
           </a:p>
         </p:txBody>
@@ -7200,7 +7237,7 @@
             </a:xfrm>
             <a:prstGeom prst="parallelogram">
               <a:avLst>
-                <a:gd fmla="val 153193" name="adj"/>
+                <a:gd name="adj" fmla="val 153193"/>
               </a:avLst>
             </a:prstGeom>
             <a:solidFill>
@@ -7211,12 +7248,12 @@
             </a:ln>
           </p:spPr>
           <p:txBody>
-            <a:bodyPr anchorCtr="0" anchor="ctr" bIns="91425" lIns="91425" spcFirstLastPara="1" rIns="91425" wrap="square" tIns="91425">
+            <a:bodyPr spcFirstLastPara="1" wrap="square" lIns="91425" tIns="91425" rIns="91425" bIns="91425" anchor="ctr" anchorCtr="0">
               <a:noAutofit/>
             </a:bodyPr>
             <a:lstStyle/>
             <a:p>
-              <a:pPr indent="0" lvl="0" marL="0" rtl="0" algn="l">
+              <a:pPr marL="0" lvl="0" indent="0" algn="l" rtl="0">
                 <a:spcBef>
                   <a:spcPts val="0"/>
                 </a:spcBef>
@@ -7225,9 +7262,6 @@
                 </a:spcAft>
                 <a:buNone/>
               </a:pPr>
-              <a:r>
-                <a:t/>
-              </a:r>
               <a:endParaRPr/>
             </a:p>
           </p:txBody>
@@ -7245,7 +7279,7 @@
             </a:xfrm>
             <a:prstGeom prst="parallelogram">
               <a:avLst>
-                <a:gd fmla="val 153193" name="adj"/>
+                <a:gd name="adj" fmla="val 153193"/>
               </a:avLst>
             </a:prstGeom>
             <a:solidFill>
@@ -7256,12 +7290,12 @@
             </a:ln>
           </p:spPr>
           <p:txBody>
-            <a:bodyPr anchorCtr="0" anchor="ctr" bIns="91425" lIns="91425" spcFirstLastPara="1" rIns="91425" wrap="square" tIns="91425">
+            <a:bodyPr spcFirstLastPara="1" wrap="square" lIns="91425" tIns="91425" rIns="91425" bIns="91425" anchor="ctr" anchorCtr="0">
               <a:noAutofit/>
             </a:bodyPr>
             <a:lstStyle/>
             <a:p>
-              <a:pPr indent="0" lvl="0" marL="0" rtl="0" algn="l">
+              <a:pPr marL="0" lvl="0" indent="0" algn="l" rtl="0">
                 <a:spcBef>
                   <a:spcPts val="0"/>
                 </a:spcBef>
@@ -7270,9 +7304,6 @@
                 </a:spcAft>
                 <a:buNone/>
               </a:pPr>
-              <a:r>
-                <a:t/>
-              </a:r>
               <a:endParaRPr/>
             </a:p>
           </p:txBody>
@@ -7290,7 +7321,7 @@
             </a:xfrm>
             <a:prstGeom prst="parallelogram">
               <a:avLst>
-                <a:gd fmla="val 153193" name="adj"/>
+                <a:gd name="adj" fmla="val 153193"/>
               </a:avLst>
             </a:prstGeom>
             <a:solidFill>
@@ -7301,12 +7332,12 @@
             </a:ln>
           </p:spPr>
           <p:txBody>
-            <a:bodyPr anchorCtr="0" anchor="ctr" bIns="91425" lIns="91425" spcFirstLastPara="1" rIns="91425" wrap="square" tIns="91425">
+            <a:bodyPr spcFirstLastPara="1" wrap="square" lIns="91425" tIns="91425" rIns="91425" bIns="91425" anchor="ctr" anchorCtr="0">
               <a:noAutofit/>
             </a:bodyPr>
             <a:lstStyle/>
             <a:p>
-              <a:pPr indent="0" lvl="0" marL="0" rtl="0" algn="l">
+              <a:pPr marL="0" lvl="0" indent="0" algn="l" rtl="0">
                 <a:spcBef>
                   <a:spcPts val="0"/>
                 </a:spcBef>
@@ -7315,9 +7346,6 @@
                 </a:spcAft>
                 <a:buNone/>
               </a:pPr>
-              <a:r>
-                <a:t/>
-              </a:r>
               <a:endParaRPr/>
             </a:p>
           </p:txBody>
@@ -7344,7 +7372,7 @@
             <a:noFill/>
           </a:ln>
           <a:effectLst>
-            <a:outerShdw blurRad="228600" sx="101000" rotWithShape="0" algn="ctr" sy="101000">
+            <a:outerShdw blurRad="228600" sx="101000" sy="101000" algn="ctr" rotWithShape="0">
               <a:srgbClr val="000000">
                 <a:alpha val="40000"/>
               </a:srgbClr>
@@ -7352,12 +7380,12 @@
           </a:effectLst>
         </p:spPr>
         <p:txBody>
-          <a:bodyPr anchorCtr="0" anchor="ctr" bIns="91425" lIns="91425" spcFirstLastPara="1" rIns="91425" wrap="square" tIns="91425">
+          <a:bodyPr spcFirstLastPara="1" wrap="square" lIns="91425" tIns="91425" rIns="91425" bIns="91425" anchor="ctr" anchorCtr="0">
             <a:noAutofit/>
           </a:bodyPr>
           <a:lstStyle/>
           <a:p>
-            <a:pPr indent="0" lvl="0" marL="0" rtl="0" algn="l">
+            <a:pPr marL="0" lvl="0" indent="0" algn="l" rtl="0">
               <a:spcBef>
                 <a:spcPts val="0"/>
               </a:spcBef>
@@ -7366,9 +7394,6 @@
               </a:spcAft>
               <a:buNone/>
             </a:pPr>
-            <a:r>
-              <a:t/>
-            </a:r>
             <a:endParaRPr/>
           </a:p>
         </p:txBody>
@@ -7400,7 +7425,7 @@
             </a:xfrm>
             <a:prstGeom prst="parallelogram">
               <a:avLst>
-                <a:gd fmla="val 158024" name="adj"/>
+                <a:gd name="adj" fmla="val 158024"/>
               </a:avLst>
             </a:prstGeom>
             <a:solidFill>
@@ -7411,12 +7436,12 @@
             </a:ln>
           </p:spPr>
           <p:txBody>
-            <a:bodyPr anchorCtr="0" anchor="ctr" bIns="91425" lIns="91425" spcFirstLastPara="1" rIns="91425" wrap="square" tIns="91425">
+            <a:bodyPr spcFirstLastPara="1" wrap="square" lIns="91425" tIns="91425" rIns="91425" bIns="91425" anchor="ctr" anchorCtr="0">
               <a:noAutofit/>
             </a:bodyPr>
             <a:lstStyle/>
             <a:p>
-              <a:pPr indent="0" lvl="0" marL="0" rtl="0" algn="l">
+              <a:pPr marL="0" lvl="0" indent="0" algn="l" rtl="0">
                 <a:spcBef>
                   <a:spcPts val="0"/>
                 </a:spcBef>
@@ -7425,9 +7450,6 @@
                 </a:spcAft>
                 <a:buNone/>
               </a:pPr>
-              <a:r>
-                <a:t/>
-              </a:r>
               <a:endParaRPr/>
             </a:p>
           </p:txBody>
@@ -7445,7 +7467,7 @@
             </a:xfrm>
             <a:prstGeom prst="parallelogram">
               <a:avLst>
-                <a:gd fmla="val 158024" name="adj"/>
+                <a:gd name="adj" fmla="val 158024"/>
               </a:avLst>
             </a:prstGeom>
             <a:solidFill>
@@ -7456,12 +7478,12 @@
             </a:ln>
           </p:spPr>
           <p:txBody>
-            <a:bodyPr anchorCtr="0" anchor="ctr" bIns="91425" lIns="91425" spcFirstLastPara="1" rIns="91425" wrap="square" tIns="91425">
+            <a:bodyPr spcFirstLastPara="1" wrap="square" lIns="91425" tIns="91425" rIns="91425" bIns="91425" anchor="ctr" anchorCtr="0">
               <a:noAutofit/>
             </a:bodyPr>
             <a:lstStyle/>
             <a:p>
-              <a:pPr indent="0" lvl="0" marL="0" rtl="0" algn="l">
+              <a:pPr marL="0" lvl="0" indent="0" algn="l" rtl="0">
                 <a:spcBef>
                   <a:spcPts val="0"/>
                 </a:spcBef>
@@ -7470,9 +7492,6 @@
                 </a:spcAft>
                 <a:buNone/>
               </a:pPr>
-              <a:r>
-                <a:t/>
-              </a:r>
               <a:endParaRPr/>
             </a:p>
           </p:txBody>
@@ -7490,7 +7509,7 @@
             </a:xfrm>
             <a:prstGeom prst="parallelogram">
               <a:avLst>
-                <a:gd fmla="val 158024" name="adj"/>
+                <a:gd name="adj" fmla="val 158024"/>
               </a:avLst>
             </a:prstGeom>
             <a:solidFill>
@@ -7501,12 +7520,12 @@
             </a:ln>
           </p:spPr>
           <p:txBody>
-            <a:bodyPr anchorCtr="0" anchor="ctr" bIns="91425" lIns="91425" spcFirstLastPara="1" rIns="91425" wrap="square" tIns="91425">
+            <a:bodyPr spcFirstLastPara="1" wrap="square" lIns="91425" tIns="91425" rIns="91425" bIns="91425" anchor="ctr" anchorCtr="0">
               <a:noAutofit/>
             </a:bodyPr>
             <a:lstStyle/>
             <a:p>
-              <a:pPr indent="0" lvl="0" marL="0" rtl="0" algn="l">
+              <a:pPr marL="0" lvl="0" indent="0" algn="l" rtl="0">
                 <a:spcBef>
                   <a:spcPts val="0"/>
                 </a:spcBef>
@@ -7515,9 +7534,6 @@
                 </a:spcAft>
                 <a:buNone/>
               </a:pPr>
-              <a:r>
-                <a:t/>
-              </a:r>
               <a:endParaRPr/>
             </a:p>
           </p:txBody>
@@ -7550,7 +7566,7 @@
             </a:xfrm>
             <a:prstGeom prst="parallelogram">
               <a:avLst>
-                <a:gd fmla="val 158024" name="adj"/>
+                <a:gd name="adj" fmla="val 158024"/>
               </a:avLst>
             </a:prstGeom>
             <a:solidFill>
@@ -7561,12 +7577,12 @@
             </a:ln>
           </p:spPr>
           <p:txBody>
-            <a:bodyPr anchorCtr="0" anchor="ctr" bIns="91425" lIns="91425" spcFirstLastPara="1" rIns="91425" wrap="square" tIns="91425">
+            <a:bodyPr spcFirstLastPara="1" wrap="square" lIns="91425" tIns="91425" rIns="91425" bIns="91425" anchor="ctr" anchorCtr="0">
               <a:noAutofit/>
             </a:bodyPr>
             <a:lstStyle/>
             <a:p>
-              <a:pPr indent="0" lvl="0" marL="0" rtl="0" algn="l">
+              <a:pPr marL="0" lvl="0" indent="0" algn="l" rtl="0">
                 <a:spcBef>
                   <a:spcPts val="0"/>
                 </a:spcBef>
@@ -7575,9 +7591,6 @@
                 </a:spcAft>
                 <a:buNone/>
               </a:pPr>
-              <a:r>
-                <a:t/>
-              </a:r>
               <a:endParaRPr/>
             </a:p>
           </p:txBody>
@@ -7595,7 +7608,7 @@
             </a:xfrm>
             <a:prstGeom prst="parallelogram">
               <a:avLst>
-                <a:gd fmla="val 158024" name="adj"/>
+                <a:gd name="adj" fmla="val 158024"/>
               </a:avLst>
             </a:prstGeom>
             <a:solidFill>
@@ -7606,12 +7619,12 @@
             </a:ln>
           </p:spPr>
           <p:txBody>
-            <a:bodyPr anchorCtr="0" anchor="ctr" bIns="91425" lIns="91425" spcFirstLastPara="1" rIns="91425" wrap="square" tIns="91425">
+            <a:bodyPr spcFirstLastPara="1" wrap="square" lIns="91425" tIns="91425" rIns="91425" bIns="91425" anchor="ctr" anchorCtr="0">
               <a:noAutofit/>
             </a:bodyPr>
             <a:lstStyle/>
             <a:p>
-              <a:pPr indent="0" lvl="0" marL="0" rtl="0" algn="l">
+              <a:pPr marL="0" lvl="0" indent="0" algn="l" rtl="0">
                 <a:spcBef>
                   <a:spcPts val="0"/>
                 </a:spcBef>
@@ -7620,9 +7633,6 @@
                 </a:spcAft>
                 <a:buNone/>
               </a:pPr>
-              <a:r>
-                <a:t/>
-              </a:r>
               <a:endParaRPr/>
             </a:p>
           </p:txBody>
@@ -7640,7 +7650,7 @@
             </a:xfrm>
             <a:prstGeom prst="parallelogram">
               <a:avLst>
-                <a:gd fmla="val 158024" name="adj"/>
+                <a:gd name="adj" fmla="val 158024"/>
               </a:avLst>
             </a:prstGeom>
             <a:solidFill>
@@ -7651,12 +7661,12 @@
             </a:ln>
           </p:spPr>
           <p:txBody>
-            <a:bodyPr anchorCtr="0" anchor="ctr" bIns="91425" lIns="91425" spcFirstLastPara="1" rIns="91425" wrap="square" tIns="91425">
+            <a:bodyPr spcFirstLastPara="1" wrap="square" lIns="91425" tIns="91425" rIns="91425" bIns="91425" anchor="ctr" anchorCtr="0">
               <a:noAutofit/>
             </a:bodyPr>
             <a:lstStyle/>
             <a:p>
-              <a:pPr indent="0" lvl="0" marL="0" rtl="0" algn="l">
+              <a:pPr marL="0" lvl="0" indent="0" algn="l" rtl="0">
                 <a:spcBef>
                   <a:spcPts val="0"/>
                 </a:spcBef>
@@ -7665,9 +7675,6 @@
                 </a:spcAft>
                 <a:buNone/>
               </a:pPr>
-              <a:r>
-                <a:t/>
-              </a:r>
               <a:endParaRPr/>
             </a:p>
           </p:txBody>
@@ -7676,7 +7683,9 @@
       <p:sp>
         <p:nvSpPr>
           <p:cNvPr id="93" name="Google Shape;93;p8"/>
-          <p:cNvSpPr txBox="1"/>
+          <p:cNvSpPr txBox="1">
+            <a:spLocks noGrp="1"/>
+          </p:cNvSpPr>
           <p:nvPr>
             <p:ph type="title"/>
           </p:nvPr>
@@ -7691,7 +7700,7 @@
           </a:prstGeom>
         </p:spPr>
         <p:txBody>
-          <a:bodyPr anchorCtr="0" anchor="ctr" bIns="91425" lIns="91425" spcFirstLastPara="1" rIns="91425" wrap="square" tIns="91425">
+          <a:bodyPr spcFirstLastPara="1" wrap="square" lIns="91425" tIns="91425" rIns="91425" bIns="91425" anchor="ctr" anchorCtr="0">
             <a:normAutofit/>
           </a:bodyPr>
           <a:lstStyle>
@@ -7795,15 +7804,19 @@
               <a:defRPr sz="3200"/>
             </a:lvl9pPr>
           </a:lstStyle>
-          <a:p/>
+          <a:p>
+            <a:endParaRPr/>
+          </a:p>
         </p:txBody>
       </p:sp>
       <p:sp>
         <p:nvSpPr>
           <p:cNvPr id="94" name="Google Shape;94;p8"/>
-          <p:cNvSpPr txBox="1"/>
+          <p:cNvSpPr txBox="1">
+            <a:spLocks noGrp="1"/>
+          </p:cNvSpPr>
           <p:nvPr>
-            <p:ph idx="12" type="sldNum"/>
+            <p:ph type="sldNum" idx="12"/>
           </p:nvPr>
         </p:nvSpPr>
         <p:spPr>
@@ -7816,7 +7829,7 @@
           </a:prstGeom>
         </p:spPr>
         <p:txBody>
-          <a:bodyPr anchorCtr="0" anchor="ctr" bIns="91425" lIns="91425" spcFirstLastPara="1" rIns="91425" wrap="square" tIns="91425">
+          <a:bodyPr spcFirstLastPara="1" wrap="square" lIns="91425" tIns="91425" rIns="91425" bIns="91425" anchor="ctr" anchorCtr="0">
             <a:normAutofit/>
           </a:bodyPr>
           <a:lstStyle>
@@ -7858,7 +7871,7 @@
             </a:lvl9pPr>
           </a:lstStyle>
           <a:p>
-            <a:pPr indent="0" lvl="0" marL="0" rtl="0" algn="r">
+            <a:pPr marL="0" lvl="0" indent="0" algn="r" rtl="0">
               <a:spcBef>
                 <a:spcPts val="0"/>
               </a:spcBef>
@@ -7884,18 +7897,19 @@
 </file>
 
 <file path=ppt/slideLayouts/slideLayout8.xml><?xml version="1.0" encoding="utf-8"?>
-<p:sldLayout xmlns:a="http://schemas.openxmlformats.org/drawingml/2006/main" xmlns:r="http://schemas.openxmlformats.org/officeDocument/2006/relationships" xmlns:mc="http://schemas.openxmlformats.org/markup-compatibility/2006" xmlns:mv="urn:schemas-microsoft-com:mac:vml" xmlns:p="http://schemas.openxmlformats.org/presentationml/2006/main" xmlns:c="http://schemas.openxmlformats.org/drawingml/2006/chart" xmlns:dgm="http://schemas.openxmlformats.org/drawingml/2006/diagram" xmlns:o="urn:schemas-microsoft-com:office:office" xmlns:v="urn:schemas-microsoft-com:vml" xmlns:pvml="urn:schemas-microsoft-com:office:powerpoint" xmlns:com="http://schemas.openxmlformats.org/drawingml/2006/compatibility" xmlns:p14="http://schemas.microsoft.com/office/powerpoint/2010/main" xmlns:p15="http://schemas.microsoft.com/office/powerpoint/2012/main" xmlns:ahyp="http://schemas.microsoft.com/office/drawing/2018/hyperlinkcolor" matchingName="Section title and description">
+<p:sldLayout xmlns:a="http://schemas.openxmlformats.org/drawingml/2006/main" xmlns:r="http://schemas.openxmlformats.org/officeDocument/2006/relationships" xmlns:p="http://schemas.openxmlformats.org/presentationml/2006/main" matchingName="Section title and description">
   <p:cSld name="SECTION_TITLE_AND_DESCRIPTION">
     <p:bg>
       <p:bgPr>
         <a:solidFill>
           <a:schemeClr val="dk2"/>
         </a:solidFill>
+        <a:effectLst/>
       </p:bgPr>
     </p:bg>
     <p:spTree>
       <p:nvGrpSpPr>
-        <p:cNvPr id="95" name="Shape 95"/>
+        <p:cNvPr id="1" name="Shape 95"/>
         <p:cNvGrpSpPr/>
         <p:nvPr/>
       </p:nvGrpSpPr>
@@ -7929,12 +7943,12 @@
           </a:ln>
         </p:spPr>
         <p:txBody>
-          <a:bodyPr anchorCtr="0" anchor="ctr" bIns="91425" lIns="91425" spcFirstLastPara="1" rIns="91425" wrap="square" tIns="91425">
+          <a:bodyPr spcFirstLastPara="1" wrap="square" lIns="91425" tIns="91425" rIns="91425" bIns="91425" anchor="ctr" anchorCtr="0">
             <a:noAutofit/>
           </a:bodyPr>
           <a:lstStyle/>
           <a:p>
-            <a:pPr indent="0" lvl="0" marL="0" rtl="0" algn="l">
+            <a:pPr marL="0" lvl="0" indent="0" algn="l" rtl="0">
               <a:spcBef>
                 <a:spcPts val="0"/>
               </a:spcBef>
@@ -7943,9 +7957,6 @@
               </a:spcAft>
               <a:buNone/>
             </a:pPr>
-            <a:r>
-              <a:t/>
-            </a:r>
             <a:endParaRPr/>
           </a:p>
         </p:txBody>
@@ -7972,12 +7983,12 @@
           </a:ln>
         </p:spPr>
         <p:txBody>
-          <a:bodyPr anchorCtr="0" anchor="ctr" bIns="91425" lIns="91425" spcFirstLastPara="1" rIns="91425" wrap="square" tIns="91425">
+          <a:bodyPr spcFirstLastPara="1" wrap="square" lIns="91425" tIns="91425" rIns="91425" bIns="91425" anchor="ctr" anchorCtr="0">
             <a:noAutofit/>
           </a:bodyPr>
           <a:lstStyle/>
           <a:p>
-            <a:pPr indent="0" lvl="0" marL="0" rtl="0" algn="l">
+            <a:pPr marL="0" lvl="0" indent="0" algn="l" rtl="0">
               <a:spcBef>
                 <a:spcPts val="0"/>
               </a:spcBef>
@@ -7986,9 +7997,6 @@
               </a:spcAft>
               <a:buNone/>
             </a:pPr>
-            <a:r>
-              <a:t/>
-            </a:r>
             <a:endParaRPr/>
           </a:p>
         </p:txBody>
@@ -8014,7 +8022,7 @@
             <a:noFill/>
           </a:ln>
           <a:effectLst>
-            <a:outerShdw blurRad="228600" sx="101000" rotWithShape="0" algn="ctr" sy="101000">
+            <a:outerShdw blurRad="228600" sx="101000" sy="101000" algn="ctr" rotWithShape="0">
               <a:srgbClr val="000000">
                 <a:alpha val="40000"/>
               </a:srgbClr>
@@ -8022,12 +8030,12 @@
           </a:effectLst>
         </p:spPr>
         <p:txBody>
-          <a:bodyPr anchorCtr="0" anchor="ctr" bIns="91425" lIns="91425" spcFirstLastPara="1" rIns="91425" wrap="square" tIns="91425">
+          <a:bodyPr spcFirstLastPara="1" wrap="square" lIns="91425" tIns="91425" rIns="91425" bIns="91425" anchor="ctr" anchorCtr="0">
             <a:noAutofit/>
           </a:bodyPr>
           <a:lstStyle/>
           <a:p>
-            <a:pPr indent="0" lvl="0" marL="0" rtl="0" algn="l">
+            <a:pPr marL="0" lvl="0" indent="0" algn="l" rtl="0">
               <a:spcBef>
                 <a:spcPts val="0"/>
               </a:spcBef>
@@ -8036,9 +8044,6 @@
               </a:spcAft>
               <a:buNone/>
             </a:pPr>
-            <a:r>
-              <a:t/>
-            </a:r>
             <a:endParaRPr/>
           </a:p>
         </p:txBody>
@@ -8046,7 +8051,9 @@
       <p:sp>
         <p:nvSpPr>
           <p:cNvPr id="99" name="Google Shape;99;p9"/>
-          <p:cNvSpPr txBox="1"/>
+          <p:cNvSpPr txBox="1">
+            <a:spLocks noGrp="1"/>
+          </p:cNvSpPr>
           <p:nvPr>
             <p:ph type="title"/>
           </p:nvPr>
@@ -8061,7 +8068,7 @@
           </a:prstGeom>
         </p:spPr>
         <p:txBody>
-          <a:bodyPr anchorCtr="0" anchor="t" bIns="91425" lIns="91425" spcFirstLastPara="1" rIns="91425" wrap="square" tIns="91425">
+          <a:bodyPr spcFirstLastPara="1" wrap="square" lIns="91425" tIns="91425" rIns="91425" bIns="91425" anchor="t" anchorCtr="0">
             <a:normAutofit/>
           </a:bodyPr>
           <a:lstStyle>
@@ -8165,15 +8172,19 @@
               <a:defRPr sz="3000"/>
             </a:lvl9pPr>
           </a:lstStyle>
-          <a:p/>
+          <a:p>
+            <a:endParaRPr/>
+          </a:p>
         </p:txBody>
       </p:sp>
       <p:sp>
         <p:nvSpPr>
           <p:cNvPr id="100" name="Google Shape;100;p9"/>
-          <p:cNvSpPr txBox="1"/>
+          <p:cNvSpPr txBox="1">
+            <a:spLocks noGrp="1"/>
+          </p:cNvSpPr>
           <p:nvPr>
-            <p:ph idx="1" type="subTitle"/>
+            <p:ph type="subTitle" idx="1"/>
           </p:nvPr>
         </p:nvSpPr>
         <p:spPr>
@@ -8186,7 +8197,7 @@
           </a:prstGeom>
         </p:spPr>
         <p:txBody>
-          <a:bodyPr anchorCtr="0" anchor="t" bIns="91425" lIns="91425" spcFirstLastPara="1" rIns="91425" wrap="square" tIns="91425">
+          <a:bodyPr spcFirstLastPara="1" wrap="square" lIns="91425" tIns="91425" rIns="91425" bIns="91425" anchor="t" anchorCtr="0">
             <a:normAutofit/>
           </a:bodyPr>
           <a:lstStyle>
@@ -8380,15 +8391,19 @@
               </a:defRPr>
             </a:lvl9pPr>
           </a:lstStyle>
-          <a:p/>
+          <a:p>
+            <a:endParaRPr/>
+          </a:p>
         </p:txBody>
       </p:sp>
       <p:sp>
         <p:nvSpPr>
           <p:cNvPr id="101" name="Google Shape;101;p9"/>
-          <p:cNvSpPr txBox="1"/>
+          <p:cNvSpPr txBox="1">
+            <a:spLocks noGrp="1"/>
+          </p:cNvSpPr>
           <p:nvPr>
-            <p:ph idx="2" type="body"/>
+            <p:ph type="body" idx="2"/>
           </p:nvPr>
         </p:nvSpPr>
         <p:spPr>
@@ -8401,11 +8416,11 @@
           </a:prstGeom>
         </p:spPr>
         <p:txBody>
-          <a:bodyPr anchorCtr="0" anchor="t" bIns="91425" lIns="91425" spcFirstLastPara="1" rIns="91425" wrap="square" tIns="91425">
+          <a:bodyPr spcFirstLastPara="1" wrap="square" lIns="91425" tIns="91425" rIns="91425" bIns="91425" anchor="t" anchorCtr="0">
             <a:normAutofit/>
           </a:bodyPr>
           <a:lstStyle>
-            <a:lvl1pPr indent="-311150" lvl="0" marL="457200">
+            <a:lvl1pPr marL="457200" lvl="0" indent="-311150">
               <a:spcBef>
                 <a:spcPts val="0"/>
               </a:spcBef>
@@ -8416,7 +8431,7 @@
               <a:buChar char="●"/>
               <a:defRPr/>
             </a:lvl1pPr>
-            <a:lvl2pPr indent="-298450" lvl="1" marL="914400">
+            <a:lvl2pPr marL="914400" lvl="1" indent="-298450">
               <a:spcBef>
                 <a:spcPts val="0"/>
               </a:spcBef>
@@ -8427,7 +8442,7 @@
               <a:buChar char="○"/>
               <a:defRPr/>
             </a:lvl2pPr>
-            <a:lvl3pPr indent="-298450" lvl="2" marL="1371600">
+            <a:lvl3pPr marL="1371600" lvl="2" indent="-298450">
               <a:spcBef>
                 <a:spcPts val="0"/>
               </a:spcBef>
@@ -8438,7 +8453,7 @@
               <a:buChar char="■"/>
               <a:defRPr/>
             </a:lvl3pPr>
-            <a:lvl4pPr indent="-298450" lvl="3" marL="1828800">
+            <a:lvl4pPr marL="1828800" lvl="3" indent="-298450">
               <a:spcBef>
                 <a:spcPts val="0"/>
               </a:spcBef>
@@ -8449,7 +8464,7 @@
               <a:buChar char="●"/>
               <a:defRPr/>
             </a:lvl4pPr>
-            <a:lvl5pPr indent="-298450" lvl="4" marL="2286000">
+            <a:lvl5pPr marL="2286000" lvl="4" indent="-298450">
               <a:spcBef>
                 <a:spcPts val="0"/>
               </a:spcBef>
@@ -8460,7 +8475,7 @@
               <a:buChar char="○"/>
               <a:defRPr/>
             </a:lvl5pPr>
-            <a:lvl6pPr indent="-298450" lvl="5" marL="2743200">
+            <a:lvl6pPr marL="2743200" lvl="5" indent="-298450">
               <a:spcBef>
                 <a:spcPts val="0"/>
               </a:spcBef>
@@ -8471,7 +8486,7 @@
               <a:buChar char="■"/>
               <a:defRPr/>
             </a:lvl6pPr>
-            <a:lvl7pPr indent="-298450" lvl="6" marL="3200400">
+            <a:lvl7pPr marL="3200400" lvl="6" indent="-298450">
               <a:spcBef>
                 <a:spcPts val="0"/>
               </a:spcBef>
@@ -8482,7 +8497,7 @@
               <a:buChar char="●"/>
               <a:defRPr/>
             </a:lvl7pPr>
-            <a:lvl8pPr indent="-298450" lvl="7" marL="3657600">
+            <a:lvl8pPr marL="3657600" lvl="7" indent="-298450">
               <a:spcBef>
                 <a:spcPts val="0"/>
               </a:spcBef>
@@ -8493,7 +8508,7 @@
               <a:buChar char="○"/>
               <a:defRPr/>
             </a:lvl8pPr>
-            <a:lvl9pPr indent="-298450" lvl="8" marL="4114800">
+            <a:lvl9pPr marL="4114800" lvl="8" indent="-298450">
               <a:spcBef>
                 <a:spcPts val="0"/>
               </a:spcBef>
@@ -8505,15 +8520,19 @@
               <a:defRPr/>
             </a:lvl9pPr>
           </a:lstStyle>
-          <a:p/>
+          <a:p>
+            <a:endParaRPr/>
+          </a:p>
         </p:txBody>
       </p:sp>
       <p:sp>
         <p:nvSpPr>
           <p:cNvPr id="102" name="Google Shape;102;p9"/>
-          <p:cNvSpPr txBox="1"/>
+          <p:cNvSpPr txBox="1">
+            <a:spLocks noGrp="1"/>
+          </p:cNvSpPr>
           <p:nvPr>
-            <p:ph idx="12" type="sldNum"/>
+            <p:ph type="sldNum" idx="12"/>
           </p:nvPr>
         </p:nvSpPr>
         <p:spPr>
@@ -8526,7 +8545,7 @@
           </a:prstGeom>
         </p:spPr>
         <p:txBody>
-          <a:bodyPr anchorCtr="0" anchor="ctr" bIns="91425" lIns="91425" spcFirstLastPara="1" rIns="91425" wrap="square" tIns="91425">
+          <a:bodyPr spcFirstLastPara="1" wrap="square" lIns="91425" tIns="91425" rIns="91425" bIns="91425" anchor="ctr" anchorCtr="0">
             <a:normAutofit/>
           </a:bodyPr>
           <a:lstStyle>
@@ -8568,7 +8587,7 @@
             </a:lvl9pPr>
           </a:lstStyle>
           <a:p>
-            <a:pPr indent="0" lvl="0" marL="0" rtl="0" algn="r">
+            <a:pPr marL="0" lvl="0" indent="0" algn="r" rtl="0">
               <a:spcBef>
                 <a:spcPts val="0"/>
               </a:spcBef>
@@ -8594,18 +8613,19 @@
 </file>
 
 <file path=ppt/slideLayouts/slideLayout9.xml><?xml version="1.0" encoding="utf-8"?>
-<p:sldLayout xmlns:a="http://schemas.openxmlformats.org/drawingml/2006/main" xmlns:r="http://schemas.openxmlformats.org/officeDocument/2006/relationships" xmlns:mc="http://schemas.openxmlformats.org/markup-compatibility/2006" xmlns:mv="urn:schemas-microsoft-com:mac:vml" xmlns:p="http://schemas.openxmlformats.org/presentationml/2006/main" xmlns:c="http://schemas.openxmlformats.org/drawingml/2006/chart" xmlns:dgm="http://schemas.openxmlformats.org/drawingml/2006/diagram" xmlns:o="urn:schemas-microsoft-com:office:office" xmlns:v="urn:schemas-microsoft-com:vml" xmlns:pvml="urn:schemas-microsoft-com:office:powerpoint" xmlns:com="http://schemas.openxmlformats.org/drawingml/2006/compatibility" xmlns:p14="http://schemas.microsoft.com/office/powerpoint/2010/main" xmlns:p15="http://schemas.microsoft.com/office/powerpoint/2012/main" xmlns:ahyp="http://schemas.microsoft.com/office/drawing/2018/hyperlinkcolor" matchingName="Caption">
+<p:sldLayout xmlns:a="http://schemas.openxmlformats.org/drawingml/2006/main" xmlns:r="http://schemas.openxmlformats.org/officeDocument/2006/relationships" xmlns:p="http://schemas.openxmlformats.org/presentationml/2006/main" matchingName="Caption">
   <p:cSld name="CAPTION_ONLY">
     <p:bg>
       <p:bgPr>
         <a:solidFill>
           <a:schemeClr val="accent1"/>
         </a:solidFill>
+        <a:effectLst/>
       </p:bgPr>
     </p:bg>
     <p:spTree>
       <p:nvGrpSpPr>
-        <p:cNvPr id="103" name="Shape 103"/>
+        <p:cNvPr id="1" name="Shape 103"/>
         <p:cNvGrpSpPr/>
         <p:nvPr/>
       </p:nvGrpSpPr>
@@ -8639,12 +8659,12 @@
           </a:ln>
         </p:spPr>
         <p:txBody>
-          <a:bodyPr anchorCtr="0" anchor="ctr" bIns="91425" lIns="91425" spcFirstLastPara="1" rIns="91425" wrap="square" tIns="91425">
+          <a:bodyPr spcFirstLastPara="1" wrap="square" lIns="91425" tIns="91425" rIns="91425" bIns="91425" anchor="ctr" anchorCtr="0">
             <a:noAutofit/>
           </a:bodyPr>
           <a:lstStyle/>
           <a:p>
-            <a:pPr indent="0" lvl="0" marL="0" rtl="0" algn="l">
+            <a:pPr marL="0" lvl="0" indent="0" algn="l" rtl="0">
               <a:spcBef>
                 <a:spcPts val="0"/>
               </a:spcBef>
@@ -8653,9 +8673,6 @@
               </a:spcAft>
               <a:buNone/>
             </a:pPr>
-            <a:r>
-              <a:t/>
-            </a:r>
             <a:endParaRPr/>
           </a:p>
         </p:txBody>
@@ -8682,12 +8699,12 @@
           </a:ln>
         </p:spPr>
         <p:txBody>
-          <a:bodyPr anchorCtr="0" anchor="ctr" bIns="91425" lIns="91425" spcFirstLastPara="1" rIns="91425" wrap="square" tIns="91425">
+          <a:bodyPr spcFirstLastPara="1" wrap="square" lIns="91425" tIns="91425" rIns="91425" bIns="91425" anchor="ctr" anchorCtr="0">
             <a:noAutofit/>
           </a:bodyPr>
           <a:lstStyle/>
           <a:p>
-            <a:pPr indent="0" lvl="0" marL="0" rtl="0" algn="l">
+            <a:pPr marL="0" lvl="0" indent="0" algn="l" rtl="0">
               <a:spcBef>
                 <a:spcPts val="0"/>
               </a:spcBef>
@@ -8696,9 +8713,6 @@
               </a:spcAft>
               <a:buNone/>
             </a:pPr>
-            <a:r>
-              <a:t/>
-            </a:r>
             <a:endParaRPr/>
           </a:p>
         </p:txBody>
@@ -8724,7 +8738,7 @@
             <a:noFill/>
           </a:ln>
           <a:effectLst>
-            <a:outerShdw blurRad="228600" sx="101000" rotWithShape="0" algn="ctr" sy="101000">
+            <a:outerShdw blurRad="228600" sx="101000" sy="101000" algn="ctr" rotWithShape="0">
               <a:srgbClr val="000000">
                 <a:alpha val="40000"/>
               </a:srgbClr>
@@ -8732,12 +8746,12 @@
           </a:effectLst>
         </p:spPr>
         <p:txBody>
-          <a:bodyPr anchorCtr="0" anchor="ctr" bIns="91425" lIns="91425" spcFirstLastPara="1" rIns="91425" wrap="square" tIns="91425">
+          <a:bodyPr spcFirstLastPara="1" wrap="square" lIns="91425" tIns="91425" rIns="91425" bIns="91425" anchor="ctr" anchorCtr="0">
             <a:noAutofit/>
           </a:bodyPr>
           <a:lstStyle/>
           <a:p>
-            <a:pPr indent="0" lvl="0" marL="0" rtl="0" algn="l">
+            <a:pPr marL="0" lvl="0" indent="0" algn="l" rtl="0">
               <a:spcBef>
                 <a:spcPts val="0"/>
               </a:spcBef>
@@ -8746,9 +8760,6 @@
               </a:spcAft>
               <a:buNone/>
             </a:pPr>
-            <a:r>
-              <a:t/>
-            </a:r>
             <a:endParaRPr/>
           </a:p>
         </p:txBody>
@@ -8756,9 +8767,11 @@
       <p:sp>
         <p:nvSpPr>
           <p:cNvPr id="107" name="Google Shape;107;p10"/>
-          <p:cNvSpPr txBox="1"/>
+          <p:cNvSpPr txBox="1">
+            <a:spLocks noGrp="1"/>
+          </p:cNvSpPr>
           <p:nvPr>
-            <p:ph idx="1" type="body"/>
+            <p:ph type="body" idx="1"/>
           </p:nvPr>
         </p:nvSpPr>
         <p:spPr>
@@ -8771,11 +8784,11 @@
           </a:prstGeom>
         </p:spPr>
         <p:txBody>
-          <a:bodyPr anchorCtr="0" anchor="b" bIns="91425" lIns="91425" spcFirstLastPara="1" rIns="91425" wrap="square" tIns="91425">
+          <a:bodyPr spcFirstLastPara="1" wrap="square" lIns="91425" tIns="91425" rIns="91425" bIns="91425" anchor="b" anchorCtr="0">
             <a:normAutofit/>
           </a:bodyPr>
           <a:lstStyle>
-            <a:lvl1pPr indent="-228600" lvl="0" marL="457200">
+            <a:lvl1pPr marL="457200" lvl="0" indent="-228600">
               <a:lnSpc>
                 <a:spcPct val="100000"/>
               </a:lnSpc>
@@ -8790,15 +8803,19 @@
               <a:defRPr/>
             </a:lvl1pPr>
           </a:lstStyle>
-          <a:p/>
+          <a:p>
+            <a:endParaRPr/>
+          </a:p>
         </p:txBody>
       </p:sp>
       <p:sp>
         <p:nvSpPr>
           <p:cNvPr id="108" name="Google Shape;108;p10"/>
-          <p:cNvSpPr txBox="1"/>
+          <p:cNvSpPr txBox="1">
+            <a:spLocks noGrp="1"/>
+          </p:cNvSpPr>
           <p:nvPr>
-            <p:ph idx="12" type="sldNum"/>
+            <p:ph type="sldNum" idx="12"/>
           </p:nvPr>
         </p:nvSpPr>
         <p:spPr>
@@ -8811,7 +8828,7 @@
           </a:prstGeom>
         </p:spPr>
         <p:txBody>
-          <a:bodyPr anchorCtr="0" anchor="ctr" bIns="91425" lIns="91425" spcFirstLastPara="1" rIns="91425" wrap="square" tIns="91425">
+          <a:bodyPr spcFirstLastPara="1" wrap="square" lIns="91425" tIns="91425" rIns="91425" bIns="91425" anchor="ctr" anchorCtr="0">
             <a:normAutofit/>
           </a:bodyPr>
           <a:lstStyle>
@@ -8853,7 +8870,7 @@
             </a:lvl9pPr>
           </a:lstStyle>
           <a:p>
-            <a:pPr indent="0" lvl="0" marL="0" rtl="0" algn="r">
+            <a:pPr marL="0" lvl="0" indent="0" algn="r" rtl="0">
               <a:spcBef>
                 <a:spcPts val="0"/>
               </a:spcBef>
@@ -8879,18 +8896,19 @@
 </file>
 
 <file path=ppt/slideMasters/slideMaster1.xml><?xml version="1.0" encoding="utf-8"?>
-<p:sldMaster xmlns:a="http://schemas.openxmlformats.org/drawingml/2006/main" xmlns:r="http://schemas.openxmlformats.org/officeDocument/2006/relationships" xmlns:mc="http://schemas.openxmlformats.org/markup-compatibility/2006" xmlns:mv="urn:schemas-microsoft-com:mac:vml" xmlns:p="http://schemas.openxmlformats.org/presentationml/2006/main" xmlns:c="http://schemas.openxmlformats.org/drawingml/2006/chart" xmlns:dgm="http://schemas.openxmlformats.org/drawingml/2006/diagram" xmlns:o="urn:schemas-microsoft-com:office:office" xmlns:v="urn:schemas-microsoft-com:vml" xmlns:pvml="urn:schemas-microsoft-com:office:powerpoint" xmlns:com="http://schemas.openxmlformats.org/drawingml/2006/compatibility" xmlns:p14="http://schemas.microsoft.com/office/powerpoint/2010/main" xmlns:p15="http://schemas.microsoft.com/office/powerpoint/2012/main" xmlns:ahyp="http://schemas.microsoft.com/office/drawing/2018/hyperlinkcolor">
+<p:sldMaster xmlns:a="http://schemas.openxmlformats.org/drawingml/2006/main" xmlns:r="http://schemas.openxmlformats.org/officeDocument/2006/relationships" xmlns:p="http://schemas.openxmlformats.org/presentationml/2006/main">
   <p:cSld name="shift">
     <p:bg>
       <p:bgPr>
         <a:solidFill>
           <a:schemeClr val="dk1"/>
         </a:solidFill>
+        <a:effectLst/>
       </p:bgPr>
     </p:bg>
     <p:spTree>
       <p:nvGrpSpPr>
-        <p:cNvPr id="5" name="Shape 5"/>
+        <p:cNvPr id="1" name="Shape 5"/>
         <p:cNvGrpSpPr/>
         <p:nvPr/>
       </p:nvGrpSpPr>
@@ -8905,7 +8923,9 @@
       <p:sp>
         <p:nvSpPr>
           <p:cNvPr id="6" name="Google Shape;6;p1"/>
-          <p:cNvSpPr txBox="1"/>
+          <p:cNvSpPr txBox="1">
+            <a:spLocks noGrp="1"/>
+          </p:cNvSpPr>
           <p:nvPr>
             <p:ph type="title"/>
           </p:nvPr>
@@ -8924,7 +8944,7 @@
           </a:ln>
         </p:spPr>
         <p:txBody>
-          <a:bodyPr anchorCtr="0" anchor="t" bIns="91425" lIns="91425" spcFirstLastPara="1" rIns="91425" wrap="square" tIns="91425">
+          <a:bodyPr spcFirstLastPara="1" wrap="square" lIns="91425" tIns="91425" rIns="91425" bIns="91425" anchor="t" anchorCtr="0">
             <a:normAutofit/>
           </a:bodyPr>
           <a:lstStyle>
@@ -9136,15 +9156,19 @@
               </a:defRPr>
             </a:lvl9pPr>
           </a:lstStyle>
-          <a:p/>
+          <a:p>
+            <a:endParaRPr/>
+          </a:p>
         </p:txBody>
       </p:sp>
       <p:sp>
         <p:nvSpPr>
           <p:cNvPr id="7" name="Google Shape;7;p1"/>
-          <p:cNvSpPr txBox="1"/>
+          <p:cNvSpPr txBox="1">
+            <a:spLocks noGrp="1"/>
+          </p:cNvSpPr>
           <p:nvPr>
-            <p:ph idx="1" type="body"/>
+            <p:ph type="body" idx="1"/>
           </p:nvPr>
         </p:nvSpPr>
         <p:spPr>
@@ -9161,11 +9185,11 @@
           </a:ln>
         </p:spPr>
         <p:txBody>
-          <a:bodyPr anchorCtr="0" anchor="t" bIns="91425" lIns="91425" spcFirstLastPara="1" rIns="91425" wrap="square" tIns="91425">
+          <a:bodyPr spcFirstLastPara="1" wrap="square" lIns="91425" tIns="91425" rIns="91425" bIns="91425" anchor="t" anchorCtr="0">
             <a:normAutofit/>
           </a:bodyPr>
           <a:lstStyle>
-            <a:lvl1pPr indent="-311150" lvl="0" marL="457200">
+            <a:lvl1pPr marL="457200" lvl="0" indent="-311150">
               <a:lnSpc>
                 <a:spcPct val="115000"/>
               </a:lnSpc>
@@ -9191,7 +9215,7 @@
                 <a:sym typeface="Calibri"/>
               </a:defRPr>
             </a:lvl1pPr>
-            <a:lvl2pPr indent="-298450" lvl="1" marL="914400">
+            <a:lvl2pPr marL="914400" lvl="1" indent="-298450">
               <a:lnSpc>
                 <a:spcPct val="115000"/>
               </a:lnSpc>
@@ -9217,7 +9241,7 @@
                 <a:sym typeface="Calibri"/>
               </a:defRPr>
             </a:lvl2pPr>
-            <a:lvl3pPr indent="-298450" lvl="2" marL="1371600">
+            <a:lvl3pPr marL="1371600" lvl="2" indent="-298450">
               <a:lnSpc>
                 <a:spcPct val="115000"/>
               </a:lnSpc>
@@ -9243,7 +9267,7 @@
                 <a:sym typeface="Calibri"/>
               </a:defRPr>
             </a:lvl3pPr>
-            <a:lvl4pPr indent="-298450" lvl="3" marL="1828800">
+            <a:lvl4pPr marL="1828800" lvl="3" indent="-298450">
               <a:lnSpc>
                 <a:spcPct val="115000"/>
               </a:lnSpc>
@@ -9269,7 +9293,7 @@
                 <a:sym typeface="Calibri"/>
               </a:defRPr>
             </a:lvl4pPr>
-            <a:lvl5pPr indent="-298450" lvl="4" marL="2286000">
+            <a:lvl5pPr marL="2286000" lvl="4" indent="-298450">
               <a:lnSpc>
                 <a:spcPct val="115000"/>
               </a:lnSpc>
@@ -9295,7 +9319,7 @@
                 <a:sym typeface="Calibri"/>
               </a:defRPr>
             </a:lvl5pPr>
-            <a:lvl6pPr indent="-298450" lvl="5" marL="2743200">
+            <a:lvl6pPr marL="2743200" lvl="5" indent="-298450">
               <a:lnSpc>
                 <a:spcPct val="115000"/>
               </a:lnSpc>
@@ -9321,7 +9345,7 @@
                 <a:sym typeface="Calibri"/>
               </a:defRPr>
             </a:lvl6pPr>
-            <a:lvl7pPr indent="-298450" lvl="6" marL="3200400">
+            <a:lvl7pPr marL="3200400" lvl="6" indent="-298450">
               <a:lnSpc>
                 <a:spcPct val="115000"/>
               </a:lnSpc>
@@ -9347,7 +9371,7 @@
                 <a:sym typeface="Calibri"/>
               </a:defRPr>
             </a:lvl7pPr>
-            <a:lvl8pPr indent="-298450" lvl="7" marL="3657600">
+            <a:lvl8pPr marL="3657600" lvl="7" indent="-298450">
               <a:lnSpc>
                 <a:spcPct val="115000"/>
               </a:lnSpc>
@@ -9373,7 +9397,7 @@
                 <a:sym typeface="Calibri"/>
               </a:defRPr>
             </a:lvl8pPr>
-            <a:lvl9pPr indent="-298450" lvl="8" marL="4114800">
+            <a:lvl9pPr marL="4114800" lvl="8" indent="-298450">
               <a:lnSpc>
                 <a:spcPct val="115000"/>
               </a:lnSpc>
@@ -9400,15 +9424,19 @@
               </a:defRPr>
             </a:lvl9pPr>
           </a:lstStyle>
-          <a:p/>
+          <a:p>
+            <a:endParaRPr/>
+          </a:p>
         </p:txBody>
       </p:sp>
       <p:sp>
         <p:nvSpPr>
           <p:cNvPr id="8" name="Google Shape;8;p1"/>
-          <p:cNvSpPr txBox="1"/>
+          <p:cNvSpPr txBox="1">
+            <a:spLocks noGrp="1"/>
+          </p:cNvSpPr>
           <p:nvPr>
-            <p:ph idx="12" type="sldNum"/>
+            <p:ph type="sldNum" idx="12"/>
           </p:nvPr>
         </p:nvSpPr>
         <p:spPr>
@@ -9425,7 +9453,7 @@
           </a:ln>
         </p:spPr>
         <p:txBody>
-          <a:bodyPr anchorCtr="0" anchor="ctr" bIns="91425" lIns="91425" spcFirstLastPara="1" rIns="91425" wrap="square" tIns="91425">
+          <a:bodyPr spcFirstLastPara="1" wrap="square" lIns="91425" tIns="91425" rIns="91425" bIns="91425" anchor="ctr" anchorCtr="0">
             <a:normAutofit/>
           </a:bodyPr>
           <a:lstStyle>
@@ -9539,7 +9567,7 @@
             </a:lvl9pPr>
           </a:lstStyle>
           <a:p>
-            <a:pPr indent="0" lvl="0" marL="0" rtl="0" algn="r">
+            <a:pPr marL="0" lvl="0" indent="0" algn="r" rtl="0">
               <a:spcBef>
                 <a:spcPts val="0"/>
               </a:spcBef>
@@ -9558,7 +9586,7 @@
       </p:sp>
     </p:spTree>
   </p:cSld>
-  <p:clrMap accent1="accent1" accent2="accent2" accent3="accent3" accent4="accent4" accent5="accent5" accent6="accent6" bg1="lt1" bg2="dk2" tx1="dk1" tx2="lt2" folHlink="folHlink" hlink="hlink"/>
+  <p:clrMap bg1="lt1" tx1="dk1" bg2="dk2" tx2="lt2" accent1="accent1" accent2="accent2" accent3="accent3" accent4="accent4" accent5="accent5" accent6="accent6" hlink="hlink" folHlink="folHlink"/>
   <p:sldLayoutIdLst>
     <p:sldLayoutId id="2147483648" r:id="rId1"/>
     <p:sldLayoutId id="2147483649" r:id="rId2"/>
@@ -9572,10 +9600,10 @@
     <p:sldLayoutId id="2147483657" r:id="rId10"/>
     <p:sldLayoutId id="2147483658" r:id="rId11"/>
   </p:sldLayoutIdLst>
-  <p:hf dt="0" ftr="0" hdr="0" sldNum="0"/>
+  <p:hf sldNum="0" hdr="0" ftr="0" dt="0"/>
   <p:txStyles>
     <p:titleStyle>
-      <a:defPPr lvl="0" marR="0" rtl="0" algn="l">
+      <a:defPPr marR="0" lvl="0" algn="l" rtl="0">
         <a:lnSpc>
           <a:spcPct val="100000"/>
         </a:lnSpc>
@@ -9586,7 +9614,7 @@
           <a:spcPts val="0"/>
         </a:spcAft>
       </a:defPPr>
-      <a:lvl1pPr lvl="0" marR="0" rtl="0" algn="l">
+      <a:lvl1pPr marR="0" lvl="0" algn="l" rtl="0">
         <a:lnSpc>
           <a:spcPct val="100000"/>
         </a:lnSpc>
@@ -9600,7 +9628,7 @@
           <a:srgbClr val="000000"/>
         </a:buClr>
         <a:buFont typeface="Arial"/>
-        <a:defRPr b="0" i="0" sz="1400" u="none" cap="none" strike="noStrike">
+        <a:defRPr sz="1400" b="0" i="0" u="none" strike="noStrike" cap="none">
           <a:solidFill>
             <a:srgbClr val="000000"/>
           </a:solidFill>
@@ -9610,7 +9638,7 @@
           <a:sym typeface="Arial"/>
         </a:defRPr>
       </a:lvl1pPr>
-      <a:lvl2pPr lvl="1" marR="0" rtl="0" algn="l">
+      <a:lvl2pPr marR="0" lvl="1" algn="l" rtl="0">
         <a:lnSpc>
           <a:spcPct val="100000"/>
         </a:lnSpc>
@@ -9624,7 +9652,7 @@
           <a:srgbClr val="000000"/>
         </a:buClr>
         <a:buFont typeface="Arial"/>
-        <a:defRPr b="0" i="0" sz="1400" u="none" cap="none" strike="noStrike">
+        <a:defRPr sz="1400" b="0" i="0" u="none" strike="noStrike" cap="none">
           <a:solidFill>
             <a:srgbClr val="000000"/>
           </a:solidFill>
@@ -9634,7 +9662,7 @@
           <a:sym typeface="Arial"/>
         </a:defRPr>
       </a:lvl2pPr>
-      <a:lvl3pPr lvl="2" marR="0" rtl="0" algn="l">
+      <a:lvl3pPr marR="0" lvl="2" algn="l" rtl="0">
         <a:lnSpc>
           <a:spcPct val="100000"/>
         </a:lnSpc>
@@ -9648,7 +9676,7 @@
           <a:srgbClr val="000000"/>
         </a:buClr>
         <a:buFont typeface="Arial"/>
-        <a:defRPr b="0" i="0" sz="1400" u="none" cap="none" strike="noStrike">
+        <a:defRPr sz="1400" b="0" i="0" u="none" strike="noStrike" cap="none">
           <a:solidFill>
             <a:srgbClr val="000000"/>
           </a:solidFill>
@@ -9658,7 +9686,7 @@
           <a:sym typeface="Arial"/>
         </a:defRPr>
       </a:lvl3pPr>
-      <a:lvl4pPr lvl="3" marR="0" rtl="0" algn="l">
+      <a:lvl4pPr marR="0" lvl="3" algn="l" rtl="0">
         <a:lnSpc>
           <a:spcPct val="100000"/>
         </a:lnSpc>
@@ -9672,7 +9700,7 @@
           <a:srgbClr val="000000"/>
         </a:buClr>
         <a:buFont typeface="Arial"/>
-        <a:defRPr b="0" i="0" sz="1400" u="none" cap="none" strike="noStrike">
+        <a:defRPr sz="1400" b="0" i="0" u="none" strike="noStrike" cap="none">
           <a:solidFill>
             <a:srgbClr val="000000"/>
           </a:solidFill>
@@ -9682,7 +9710,7 @@
           <a:sym typeface="Arial"/>
         </a:defRPr>
       </a:lvl4pPr>
-      <a:lvl5pPr lvl="4" marR="0" rtl="0" algn="l">
+      <a:lvl5pPr marR="0" lvl="4" algn="l" rtl="0">
         <a:lnSpc>
           <a:spcPct val="100000"/>
         </a:lnSpc>
@@ -9696,7 +9724,7 @@
           <a:srgbClr val="000000"/>
         </a:buClr>
         <a:buFont typeface="Arial"/>
-        <a:defRPr b="0" i="0" sz="1400" u="none" cap="none" strike="noStrike">
+        <a:defRPr sz="1400" b="0" i="0" u="none" strike="noStrike" cap="none">
           <a:solidFill>
             <a:srgbClr val="000000"/>
           </a:solidFill>
@@ -9706,7 +9734,7 @@
           <a:sym typeface="Arial"/>
         </a:defRPr>
       </a:lvl5pPr>
-      <a:lvl6pPr lvl="5" marR="0" rtl="0" algn="l">
+      <a:lvl6pPr marR="0" lvl="5" algn="l" rtl="0">
         <a:lnSpc>
           <a:spcPct val="100000"/>
         </a:lnSpc>
@@ -9720,7 +9748,7 @@
           <a:srgbClr val="000000"/>
         </a:buClr>
         <a:buFont typeface="Arial"/>
-        <a:defRPr b="0" i="0" sz="1400" u="none" cap="none" strike="noStrike">
+        <a:defRPr sz="1400" b="0" i="0" u="none" strike="noStrike" cap="none">
           <a:solidFill>
             <a:srgbClr val="000000"/>
           </a:solidFill>
@@ -9730,7 +9758,7 @@
           <a:sym typeface="Arial"/>
         </a:defRPr>
       </a:lvl6pPr>
-      <a:lvl7pPr lvl="6" marR="0" rtl="0" algn="l">
+      <a:lvl7pPr marR="0" lvl="6" algn="l" rtl="0">
         <a:lnSpc>
           <a:spcPct val="100000"/>
         </a:lnSpc>
@@ -9744,7 +9772,7 @@
           <a:srgbClr val="000000"/>
         </a:buClr>
         <a:buFont typeface="Arial"/>
-        <a:defRPr b="0" i="0" sz="1400" u="none" cap="none" strike="noStrike">
+        <a:defRPr sz="1400" b="0" i="0" u="none" strike="noStrike" cap="none">
           <a:solidFill>
             <a:srgbClr val="000000"/>
           </a:solidFill>
@@ -9754,7 +9782,7 @@
           <a:sym typeface="Arial"/>
         </a:defRPr>
       </a:lvl7pPr>
-      <a:lvl8pPr lvl="7" marR="0" rtl="0" algn="l">
+      <a:lvl8pPr marR="0" lvl="7" algn="l" rtl="0">
         <a:lnSpc>
           <a:spcPct val="100000"/>
         </a:lnSpc>
@@ -9768,7 +9796,7 @@
           <a:srgbClr val="000000"/>
         </a:buClr>
         <a:buFont typeface="Arial"/>
-        <a:defRPr b="0" i="0" sz="1400" u="none" cap="none" strike="noStrike">
+        <a:defRPr sz="1400" b="0" i="0" u="none" strike="noStrike" cap="none">
           <a:solidFill>
             <a:srgbClr val="000000"/>
           </a:solidFill>
@@ -9778,7 +9806,7 @@
           <a:sym typeface="Arial"/>
         </a:defRPr>
       </a:lvl8pPr>
-      <a:lvl9pPr lvl="8" marR="0" rtl="0" algn="l">
+      <a:lvl9pPr marR="0" lvl="8" algn="l" rtl="0">
         <a:lnSpc>
           <a:spcPct val="100000"/>
         </a:lnSpc>
@@ -9792,7 +9820,7 @@
           <a:srgbClr val="000000"/>
         </a:buClr>
         <a:buFont typeface="Arial"/>
-        <a:defRPr b="0" i="0" sz="1400" u="none" cap="none" strike="noStrike">
+        <a:defRPr sz="1400" b="0" i="0" u="none" strike="noStrike" cap="none">
           <a:solidFill>
             <a:srgbClr val="000000"/>
           </a:solidFill>
@@ -9804,7 +9832,7 @@
       </a:lvl9pPr>
     </p:titleStyle>
     <p:bodyStyle>
-      <a:defPPr lvl="0" marR="0" rtl="0" algn="l">
+      <a:defPPr marR="0" lvl="0" algn="l" rtl="0">
         <a:lnSpc>
           <a:spcPct val="100000"/>
         </a:lnSpc>
@@ -9815,7 +9843,7 @@
           <a:spcPts val="0"/>
         </a:spcAft>
       </a:defPPr>
-      <a:lvl1pPr lvl="0" marR="0" rtl="0" algn="l">
+      <a:lvl1pPr marR="0" lvl="0" algn="l" rtl="0">
         <a:lnSpc>
           <a:spcPct val="100000"/>
         </a:lnSpc>
@@ -9829,7 +9857,7 @@
           <a:srgbClr val="000000"/>
         </a:buClr>
         <a:buFont typeface="Arial"/>
-        <a:defRPr b="0" i="0" sz="1400" u="none" cap="none" strike="noStrike">
+        <a:defRPr sz="1400" b="0" i="0" u="none" strike="noStrike" cap="none">
           <a:solidFill>
             <a:srgbClr val="000000"/>
           </a:solidFill>
@@ -9839,7 +9867,7 @@
           <a:sym typeface="Arial"/>
         </a:defRPr>
       </a:lvl1pPr>
-      <a:lvl2pPr lvl="1" marR="0" rtl="0" algn="l">
+      <a:lvl2pPr marR="0" lvl="1" algn="l" rtl="0">
         <a:lnSpc>
           <a:spcPct val="100000"/>
         </a:lnSpc>
@@ -9853,7 +9881,7 @@
           <a:srgbClr val="000000"/>
         </a:buClr>
         <a:buFont typeface="Arial"/>
-        <a:defRPr b="0" i="0" sz="1400" u="none" cap="none" strike="noStrike">
+        <a:defRPr sz="1400" b="0" i="0" u="none" strike="noStrike" cap="none">
           <a:solidFill>
             <a:srgbClr val="000000"/>
           </a:solidFill>
@@ -9863,7 +9891,7 @@
           <a:sym typeface="Arial"/>
         </a:defRPr>
       </a:lvl2pPr>
-      <a:lvl3pPr lvl="2" marR="0" rtl="0" algn="l">
+      <a:lvl3pPr marR="0" lvl="2" algn="l" rtl="0">
         <a:lnSpc>
           <a:spcPct val="100000"/>
         </a:lnSpc>
@@ -9877,7 +9905,7 @@
           <a:srgbClr val="000000"/>
         </a:buClr>
         <a:buFont typeface="Arial"/>
-        <a:defRPr b="0" i="0" sz="1400" u="none" cap="none" strike="noStrike">
+        <a:defRPr sz="1400" b="0" i="0" u="none" strike="noStrike" cap="none">
           <a:solidFill>
             <a:srgbClr val="000000"/>
           </a:solidFill>
@@ -9887,7 +9915,7 @@
           <a:sym typeface="Arial"/>
         </a:defRPr>
       </a:lvl3pPr>
-      <a:lvl4pPr lvl="3" marR="0" rtl="0" algn="l">
+      <a:lvl4pPr marR="0" lvl="3" algn="l" rtl="0">
         <a:lnSpc>
           <a:spcPct val="100000"/>
         </a:lnSpc>
@@ -9901,7 +9929,7 @@
           <a:srgbClr val="000000"/>
         </a:buClr>
         <a:buFont typeface="Arial"/>
-        <a:defRPr b="0" i="0" sz="1400" u="none" cap="none" strike="noStrike">
+        <a:defRPr sz="1400" b="0" i="0" u="none" strike="noStrike" cap="none">
           <a:solidFill>
             <a:srgbClr val="000000"/>
           </a:solidFill>
@@ -9911,7 +9939,7 @@
           <a:sym typeface="Arial"/>
         </a:defRPr>
       </a:lvl4pPr>
-      <a:lvl5pPr lvl="4" marR="0" rtl="0" algn="l">
+      <a:lvl5pPr marR="0" lvl="4" algn="l" rtl="0">
         <a:lnSpc>
           <a:spcPct val="100000"/>
         </a:lnSpc>
@@ -9925,7 +9953,7 @@
           <a:srgbClr val="000000"/>
         </a:buClr>
         <a:buFont typeface="Arial"/>
-        <a:defRPr b="0" i="0" sz="1400" u="none" cap="none" strike="noStrike">
+        <a:defRPr sz="1400" b="0" i="0" u="none" strike="noStrike" cap="none">
           <a:solidFill>
             <a:srgbClr val="000000"/>
           </a:solidFill>
@@ -9935,7 +9963,7 @@
           <a:sym typeface="Arial"/>
         </a:defRPr>
       </a:lvl5pPr>
-      <a:lvl6pPr lvl="5" marR="0" rtl="0" algn="l">
+      <a:lvl6pPr marR="0" lvl="5" algn="l" rtl="0">
         <a:lnSpc>
           <a:spcPct val="100000"/>
         </a:lnSpc>
@@ -9949,7 +9977,7 @@
           <a:srgbClr val="000000"/>
         </a:buClr>
         <a:buFont typeface="Arial"/>
-        <a:defRPr b="0" i="0" sz="1400" u="none" cap="none" strike="noStrike">
+        <a:defRPr sz="1400" b="0" i="0" u="none" strike="noStrike" cap="none">
           <a:solidFill>
             <a:srgbClr val="000000"/>
           </a:solidFill>
@@ -9959,7 +9987,7 @@
           <a:sym typeface="Arial"/>
         </a:defRPr>
       </a:lvl6pPr>
-      <a:lvl7pPr lvl="6" marR="0" rtl="0" algn="l">
+      <a:lvl7pPr marR="0" lvl="6" algn="l" rtl="0">
         <a:lnSpc>
           <a:spcPct val="100000"/>
         </a:lnSpc>
@@ -9973,7 +10001,7 @@
           <a:srgbClr val="000000"/>
         </a:buClr>
         <a:buFont typeface="Arial"/>
-        <a:defRPr b="0" i="0" sz="1400" u="none" cap="none" strike="noStrike">
+        <a:defRPr sz="1400" b="0" i="0" u="none" strike="noStrike" cap="none">
           <a:solidFill>
             <a:srgbClr val="000000"/>
           </a:solidFill>
@@ -9983,7 +10011,7 @@
           <a:sym typeface="Arial"/>
         </a:defRPr>
       </a:lvl7pPr>
-      <a:lvl8pPr lvl="7" marR="0" rtl="0" algn="l">
+      <a:lvl8pPr marR="0" lvl="7" algn="l" rtl="0">
         <a:lnSpc>
           <a:spcPct val="100000"/>
         </a:lnSpc>
@@ -9997,7 +10025,7 @@
           <a:srgbClr val="000000"/>
         </a:buClr>
         <a:buFont typeface="Arial"/>
-        <a:defRPr b="0" i="0" sz="1400" u="none" cap="none" strike="noStrike">
+        <a:defRPr sz="1400" b="0" i="0" u="none" strike="noStrike" cap="none">
           <a:solidFill>
             <a:srgbClr val="000000"/>
           </a:solidFill>
@@ -10007,7 +10035,7 @@
           <a:sym typeface="Arial"/>
         </a:defRPr>
       </a:lvl8pPr>
-      <a:lvl9pPr lvl="8" marR="0" rtl="0" algn="l">
+      <a:lvl9pPr marR="0" lvl="8" algn="l" rtl="0">
         <a:lnSpc>
           <a:spcPct val="100000"/>
         </a:lnSpc>
@@ -10021,7 +10049,7 @@
           <a:srgbClr val="000000"/>
         </a:buClr>
         <a:buFont typeface="Arial"/>
-        <a:defRPr b="0" i="0" sz="1400" u="none" cap="none" strike="noStrike">
+        <a:defRPr sz="1400" b="0" i="0" u="none" strike="noStrike" cap="none">
           <a:solidFill>
             <a:srgbClr val="000000"/>
           </a:solidFill>
@@ -10033,7 +10061,7 @@
       </a:lvl9pPr>
     </p:bodyStyle>
     <p:otherStyle>
-      <a:defPPr lvl="0" marR="0" rtl="0" algn="l">
+      <a:defPPr marR="0" lvl="0" algn="l" rtl="0">
         <a:lnSpc>
           <a:spcPct val="100000"/>
         </a:lnSpc>
@@ -10044,7 +10072,7 @@
           <a:spcPts val="0"/>
         </a:spcAft>
       </a:defPPr>
-      <a:lvl1pPr lvl="0" marR="0" rtl="0" algn="l">
+      <a:lvl1pPr marR="0" lvl="0" algn="l" rtl="0">
         <a:lnSpc>
           <a:spcPct val="100000"/>
         </a:lnSpc>
@@ -10058,7 +10086,7 @@
           <a:srgbClr val="000000"/>
         </a:buClr>
         <a:buFont typeface="Arial"/>
-        <a:defRPr b="0" i="0" sz="1400" u="none" cap="none" strike="noStrike">
+        <a:defRPr sz="1400" b="0" i="0" u="none" strike="noStrike" cap="none">
           <a:solidFill>
             <a:srgbClr val="000000"/>
           </a:solidFill>
@@ -10068,7 +10096,7 @@
           <a:sym typeface="Arial"/>
         </a:defRPr>
       </a:lvl1pPr>
-      <a:lvl2pPr lvl="1" marR="0" rtl="0" algn="l">
+      <a:lvl2pPr marR="0" lvl="1" algn="l" rtl="0">
         <a:lnSpc>
           <a:spcPct val="100000"/>
         </a:lnSpc>
@@ -10082,7 +10110,7 @@
           <a:srgbClr val="000000"/>
         </a:buClr>
         <a:buFont typeface="Arial"/>
-        <a:defRPr b="0" i="0" sz="1400" u="none" cap="none" strike="noStrike">
+        <a:defRPr sz="1400" b="0" i="0" u="none" strike="noStrike" cap="none">
           <a:solidFill>
             <a:srgbClr val="000000"/>
           </a:solidFill>
@@ -10092,7 +10120,7 @@
           <a:sym typeface="Arial"/>
         </a:defRPr>
       </a:lvl2pPr>
-      <a:lvl3pPr lvl="2" marR="0" rtl="0" algn="l">
+      <a:lvl3pPr marR="0" lvl="2" algn="l" rtl="0">
         <a:lnSpc>
           <a:spcPct val="100000"/>
         </a:lnSpc>
@@ -10106,7 +10134,7 @@
           <a:srgbClr val="000000"/>
         </a:buClr>
         <a:buFont typeface="Arial"/>
-        <a:defRPr b="0" i="0" sz="1400" u="none" cap="none" strike="noStrike">
+        <a:defRPr sz="1400" b="0" i="0" u="none" strike="noStrike" cap="none">
           <a:solidFill>
             <a:srgbClr val="000000"/>
           </a:solidFill>
@@ -10116,7 +10144,7 @@
           <a:sym typeface="Arial"/>
         </a:defRPr>
       </a:lvl3pPr>
-      <a:lvl4pPr lvl="3" marR="0" rtl="0" algn="l">
+      <a:lvl4pPr marR="0" lvl="3" algn="l" rtl="0">
         <a:lnSpc>
           <a:spcPct val="100000"/>
         </a:lnSpc>
@@ -10130,7 +10158,7 @@
           <a:srgbClr val="000000"/>
         </a:buClr>
         <a:buFont typeface="Arial"/>
-        <a:defRPr b="0" i="0" sz="1400" u="none" cap="none" strike="noStrike">
+        <a:defRPr sz="1400" b="0" i="0" u="none" strike="noStrike" cap="none">
           <a:solidFill>
             <a:srgbClr val="000000"/>
           </a:solidFill>
@@ -10140,7 +10168,7 @@
           <a:sym typeface="Arial"/>
         </a:defRPr>
       </a:lvl4pPr>
-      <a:lvl5pPr lvl="4" marR="0" rtl="0" algn="l">
+      <a:lvl5pPr marR="0" lvl="4" algn="l" rtl="0">
         <a:lnSpc>
           <a:spcPct val="100000"/>
         </a:lnSpc>
@@ -10154,7 +10182,7 @@
           <a:srgbClr val="000000"/>
         </a:buClr>
         <a:buFont typeface="Arial"/>
-        <a:defRPr b="0" i="0" sz="1400" u="none" cap="none" strike="noStrike">
+        <a:defRPr sz="1400" b="0" i="0" u="none" strike="noStrike" cap="none">
           <a:solidFill>
             <a:srgbClr val="000000"/>
           </a:solidFill>
@@ -10164,7 +10192,7 @@
           <a:sym typeface="Arial"/>
         </a:defRPr>
       </a:lvl5pPr>
-      <a:lvl6pPr lvl="5" marR="0" rtl="0" algn="l">
+      <a:lvl6pPr marR="0" lvl="5" algn="l" rtl="0">
         <a:lnSpc>
           <a:spcPct val="100000"/>
         </a:lnSpc>
@@ -10178,7 +10206,7 @@
           <a:srgbClr val="000000"/>
         </a:buClr>
         <a:buFont typeface="Arial"/>
-        <a:defRPr b="0" i="0" sz="1400" u="none" cap="none" strike="noStrike">
+        <a:defRPr sz="1400" b="0" i="0" u="none" strike="noStrike" cap="none">
           <a:solidFill>
             <a:srgbClr val="000000"/>
           </a:solidFill>
@@ -10188,7 +10216,7 @@
           <a:sym typeface="Arial"/>
         </a:defRPr>
       </a:lvl6pPr>
-      <a:lvl7pPr lvl="6" marR="0" rtl="0" algn="l">
+      <a:lvl7pPr marR="0" lvl="6" algn="l" rtl="0">
         <a:lnSpc>
           <a:spcPct val="100000"/>
         </a:lnSpc>
@@ -10202,7 +10230,7 @@
           <a:srgbClr val="000000"/>
         </a:buClr>
         <a:buFont typeface="Arial"/>
-        <a:defRPr b="0" i="0" sz="1400" u="none" cap="none" strike="noStrike">
+        <a:defRPr sz="1400" b="0" i="0" u="none" strike="noStrike" cap="none">
           <a:solidFill>
             <a:srgbClr val="000000"/>
           </a:solidFill>
@@ -10212,7 +10240,7 @@
           <a:sym typeface="Arial"/>
         </a:defRPr>
       </a:lvl7pPr>
-      <a:lvl8pPr lvl="7" marR="0" rtl="0" algn="l">
+      <a:lvl8pPr marR="0" lvl="7" algn="l" rtl="0">
         <a:lnSpc>
           <a:spcPct val="100000"/>
         </a:lnSpc>
@@ -10226,7 +10254,7 @@
           <a:srgbClr val="000000"/>
         </a:buClr>
         <a:buFont typeface="Arial"/>
-        <a:defRPr b="0" i="0" sz="1400" u="none" cap="none" strike="noStrike">
+        <a:defRPr sz="1400" b="0" i="0" u="none" strike="noStrike" cap="none">
           <a:solidFill>
             <a:srgbClr val="000000"/>
           </a:solidFill>
@@ -10236,7 +10264,7 @@
           <a:sym typeface="Arial"/>
         </a:defRPr>
       </a:lvl8pPr>
-      <a:lvl9pPr lvl="8" marR="0" rtl="0" algn="l">
+      <a:lvl9pPr marR="0" lvl="8" algn="l" rtl="0">
         <a:lnSpc>
           <a:spcPct val="100000"/>
         </a:lnSpc>
@@ -10250,7 +10278,7 @@
           <a:srgbClr val="000000"/>
         </a:buClr>
         <a:buFont typeface="Arial"/>
-        <a:defRPr b="0" i="0" sz="1400" u="none" cap="none" strike="noStrike">
+        <a:defRPr sz="1400" b="0" i="0" u="none" strike="noStrike" cap="none">
           <a:solidFill>
             <a:srgbClr val="000000"/>
           </a:solidFill>
@@ -10266,11 +10294,11 @@
 </file>
 
 <file path=ppt/slides/slide1.xml><?xml version="1.0" encoding="utf-8"?>
-<p:sld xmlns:a="http://schemas.openxmlformats.org/drawingml/2006/main" xmlns:r="http://schemas.openxmlformats.org/officeDocument/2006/relationships" xmlns:mc="http://schemas.openxmlformats.org/markup-compatibility/2006" xmlns:mv="urn:schemas-microsoft-com:mac:vml" xmlns:p="http://schemas.openxmlformats.org/presentationml/2006/main" xmlns:c="http://schemas.openxmlformats.org/drawingml/2006/chart" xmlns:dgm="http://schemas.openxmlformats.org/drawingml/2006/diagram" xmlns:o="urn:schemas-microsoft-com:office:office" xmlns:v="urn:schemas-microsoft-com:vml" xmlns:pvml="urn:schemas-microsoft-com:office:powerpoint" xmlns:com="http://schemas.openxmlformats.org/drawingml/2006/compatibility" xmlns:p14="http://schemas.microsoft.com/office/powerpoint/2010/main" xmlns:p15="http://schemas.microsoft.com/office/powerpoint/2012/main" xmlns:ahyp="http://schemas.microsoft.com/office/drawing/2018/hyperlinkcolor">
+<p:sld xmlns:a="http://schemas.openxmlformats.org/drawingml/2006/main" xmlns:r="http://schemas.openxmlformats.org/officeDocument/2006/relationships" xmlns:p="http://schemas.openxmlformats.org/presentationml/2006/main">
   <p:cSld>
     <p:spTree>
       <p:nvGrpSpPr>
-        <p:cNvPr id="127" name="Shape 127"/>
+        <p:cNvPr id="1" name="Shape 127"/>
         <p:cNvGrpSpPr/>
         <p:nvPr/>
       </p:nvGrpSpPr>
@@ -10285,7 +10313,9 @@
       <p:sp>
         <p:nvSpPr>
           <p:cNvPr id="128" name="Google Shape;128;p13"/>
-          <p:cNvSpPr txBox="1"/>
+          <p:cNvSpPr txBox="1">
+            <a:spLocks noGrp="1"/>
+          </p:cNvSpPr>
           <p:nvPr>
             <p:ph type="ctrTitle"/>
           </p:nvPr>
@@ -10300,12 +10330,12 @@
           </a:prstGeom>
         </p:spPr>
         <p:txBody>
-          <a:bodyPr anchorCtr="0" anchor="ctr" bIns="91425" lIns="91425" spcFirstLastPara="1" rIns="91425" wrap="square" tIns="91425">
+          <a:bodyPr spcFirstLastPara="1" wrap="square" lIns="91425" tIns="91425" rIns="91425" bIns="91425" anchor="ctr" anchorCtr="0">
             <a:normAutofit/>
           </a:bodyPr>
           <a:lstStyle/>
           <a:p>
-            <a:pPr indent="0" lvl="0" marL="0" rtl="0" algn="ctr">
+            <a:pPr marL="0" lvl="0" indent="0" algn="ctr" rtl="0">
               <a:spcBef>
                 <a:spcPts val="0"/>
               </a:spcBef>
@@ -10325,9 +10355,11 @@
       <p:sp>
         <p:nvSpPr>
           <p:cNvPr id="129" name="Google Shape;129;p13"/>
-          <p:cNvSpPr txBox="1"/>
+          <p:cNvSpPr txBox="1">
+            <a:spLocks noGrp="1"/>
+          </p:cNvSpPr>
           <p:nvPr>
-            <p:ph idx="1" type="subTitle"/>
+            <p:ph type="subTitle" idx="1"/>
           </p:nvPr>
         </p:nvSpPr>
         <p:spPr>
@@ -10340,12 +10372,12 @@
           </a:prstGeom>
         </p:spPr>
         <p:txBody>
-          <a:bodyPr anchorCtr="0" anchor="t" bIns="91425" lIns="91425" spcFirstLastPara="1" rIns="91425" wrap="square" tIns="91425">
+          <a:bodyPr spcFirstLastPara="1" wrap="square" lIns="91425" tIns="91425" rIns="91425" bIns="91425" anchor="t" anchorCtr="0">
             <a:normAutofit/>
           </a:bodyPr>
           <a:lstStyle/>
           <a:p>
-            <a:pPr indent="0" lvl="0" marL="0" rtl="0" algn="ctr">
+            <a:pPr marL="0" lvl="0" indent="0" algn="ctr" rtl="0">
               <a:spcBef>
                 <a:spcPts val="0"/>
               </a:spcBef>
@@ -10371,11 +10403,11 @@
 </file>
 
 <file path=ppt/slides/slide10.xml><?xml version="1.0" encoding="utf-8"?>
-<p:sld xmlns:a="http://schemas.openxmlformats.org/drawingml/2006/main" xmlns:r="http://schemas.openxmlformats.org/officeDocument/2006/relationships" xmlns:mc="http://schemas.openxmlformats.org/markup-compatibility/2006" xmlns:mv="urn:schemas-microsoft-com:mac:vml" xmlns:p="http://schemas.openxmlformats.org/presentationml/2006/main" xmlns:c="http://schemas.openxmlformats.org/drawingml/2006/chart" xmlns:dgm="http://schemas.openxmlformats.org/drawingml/2006/diagram" xmlns:o="urn:schemas-microsoft-com:office:office" xmlns:v="urn:schemas-microsoft-com:vml" xmlns:pvml="urn:schemas-microsoft-com:office:powerpoint" xmlns:com="http://schemas.openxmlformats.org/drawingml/2006/compatibility" xmlns:p14="http://schemas.microsoft.com/office/powerpoint/2010/main" xmlns:p15="http://schemas.microsoft.com/office/powerpoint/2012/main" xmlns:ahyp="http://schemas.microsoft.com/office/drawing/2018/hyperlinkcolor">
+<p:sld xmlns:a="http://schemas.openxmlformats.org/drawingml/2006/main" xmlns:r="http://schemas.openxmlformats.org/officeDocument/2006/relationships" xmlns:p="http://schemas.openxmlformats.org/presentationml/2006/main">
   <p:cSld>
     <p:spTree>
       <p:nvGrpSpPr>
-        <p:cNvPr id="190" name="Shape 190"/>
+        <p:cNvPr id="1" name="Shape 190"/>
         <p:cNvGrpSpPr/>
         <p:nvPr/>
       </p:nvGrpSpPr>
@@ -10390,7 +10422,9 @@
       <p:sp>
         <p:nvSpPr>
           <p:cNvPr id="191" name="Google Shape;191;p22"/>
-          <p:cNvSpPr txBox="1"/>
+          <p:cNvSpPr txBox="1">
+            <a:spLocks noGrp="1"/>
+          </p:cNvSpPr>
           <p:nvPr>
             <p:ph type="title"/>
           </p:nvPr>
@@ -10405,12 +10439,12 @@
           </a:prstGeom>
         </p:spPr>
         <p:txBody>
-          <a:bodyPr anchorCtr="0" anchor="t" bIns="91425" lIns="91425" spcFirstLastPara="1" rIns="91425" wrap="square" tIns="91425">
+          <a:bodyPr spcFirstLastPara="1" wrap="square" lIns="91425" tIns="91425" rIns="91425" bIns="91425" anchor="t" anchorCtr="0">
             <a:normAutofit/>
           </a:bodyPr>
           <a:lstStyle/>
           <a:p>
-            <a:pPr indent="0" lvl="0" marL="0" rtl="0" algn="l">
+            <a:pPr marL="0" lvl="0" indent="0" algn="l" rtl="0">
               <a:spcBef>
                 <a:spcPts val="0"/>
               </a:spcBef>
@@ -10419,9 +10453,6 @@
               </a:spcAft>
               <a:buNone/>
             </a:pPr>
-            <a:r>
-              <a:t/>
-            </a:r>
             <a:endParaRPr/>
           </a:p>
         </p:txBody>
@@ -10429,9 +10460,11 @@
       <p:sp>
         <p:nvSpPr>
           <p:cNvPr id="192" name="Google Shape;192;p22"/>
-          <p:cNvSpPr txBox="1"/>
+          <p:cNvSpPr txBox="1">
+            <a:spLocks noGrp="1"/>
+          </p:cNvSpPr>
           <p:nvPr>
-            <p:ph idx="1" type="body"/>
+            <p:ph type="body" idx="1"/>
           </p:nvPr>
         </p:nvSpPr>
         <p:spPr>
@@ -10444,12 +10477,12 @@
           </a:prstGeom>
         </p:spPr>
         <p:txBody>
-          <a:bodyPr anchorCtr="0" anchor="t" bIns="91425" lIns="91425" spcFirstLastPara="1" rIns="91425" wrap="square" tIns="91425">
+          <a:bodyPr spcFirstLastPara="1" wrap="square" lIns="91425" tIns="91425" rIns="91425" bIns="91425" anchor="t" anchorCtr="0">
             <a:normAutofit/>
           </a:bodyPr>
           <a:lstStyle/>
           <a:p>
-            <a:pPr indent="0" lvl="0" marL="0" rtl="0" algn="l">
+            <a:pPr marL="0" lvl="0" indent="0" algn="l" rtl="0">
               <a:spcBef>
                 <a:spcPts val="0"/>
               </a:spcBef>
@@ -10458,9 +10491,6 @@
               </a:spcAft>
               <a:buNone/>
             </a:pPr>
-            <a:r>
-              <a:t/>
-            </a:r>
             <a:endParaRPr/>
           </a:p>
         </p:txBody>
@@ -10502,11 +10532,11 @@
 </file>
 
 <file path=ppt/slides/slide11.xml><?xml version="1.0" encoding="utf-8"?>
-<p:sld xmlns:a="http://schemas.openxmlformats.org/drawingml/2006/main" xmlns:r="http://schemas.openxmlformats.org/officeDocument/2006/relationships" xmlns:mc="http://schemas.openxmlformats.org/markup-compatibility/2006" xmlns:mv="urn:schemas-microsoft-com:mac:vml" xmlns:p="http://schemas.openxmlformats.org/presentationml/2006/main" xmlns:c="http://schemas.openxmlformats.org/drawingml/2006/chart" xmlns:dgm="http://schemas.openxmlformats.org/drawingml/2006/diagram" xmlns:o="urn:schemas-microsoft-com:office:office" xmlns:v="urn:schemas-microsoft-com:vml" xmlns:pvml="urn:schemas-microsoft-com:office:powerpoint" xmlns:com="http://schemas.openxmlformats.org/drawingml/2006/compatibility" xmlns:p14="http://schemas.microsoft.com/office/powerpoint/2010/main" xmlns:p15="http://schemas.microsoft.com/office/powerpoint/2012/main" xmlns:ahyp="http://schemas.microsoft.com/office/drawing/2018/hyperlinkcolor">
+<p:sld xmlns:a="http://schemas.openxmlformats.org/drawingml/2006/main" xmlns:r="http://schemas.openxmlformats.org/officeDocument/2006/relationships" xmlns:p="http://schemas.openxmlformats.org/presentationml/2006/main">
   <p:cSld>
     <p:spTree>
       <p:nvGrpSpPr>
-        <p:cNvPr id="197" name="Shape 197"/>
+        <p:cNvPr id="1" name="Shape 197"/>
         <p:cNvGrpSpPr/>
         <p:nvPr/>
       </p:nvGrpSpPr>
@@ -10521,7 +10551,9 @@
       <p:sp>
         <p:nvSpPr>
           <p:cNvPr id="198" name="Google Shape;198;p23"/>
-          <p:cNvSpPr txBox="1"/>
+          <p:cNvSpPr txBox="1">
+            <a:spLocks noGrp="1"/>
+          </p:cNvSpPr>
           <p:nvPr>
             <p:ph type="title"/>
           </p:nvPr>
@@ -10536,12 +10568,12 @@
           </a:prstGeom>
         </p:spPr>
         <p:txBody>
-          <a:bodyPr anchorCtr="0" anchor="t" bIns="91425" lIns="91425" spcFirstLastPara="1" rIns="91425" wrap="square" tIns="91425">
+          <a:bodyPr spcFirstLastPara="1" wrap="square" lIns="91425" tIns="91425" rIns="91425" bIns="91425" anchor="t" anchorCtr="0">
             <a:normAutofit/>
           </a:bodyPr>
           <a:lstStyle/>
           <a:p>
-            <a:pPr indent="0" lvl="0" marL="0" rtl="0" algn="l">
+            <a:pPr marL="0" lvl="0" indent="0" algn="l" rtl="0">
               <a:spcBef>
                 <a:spcPts val="0"/>
               </a:spcBef>
@@ -10550,9 +10582,6 @@
               </a:spcAft>
               <a:buNone/>
             </a:pPr>
-            <a:r>
-              <a:t/>
-            </a:r>
             <a:endParaRPr/>
           </a:p>
         </p:txBody>
@@ -10560,9 +10589,11 @@
       <p:sp>
         <p:nvSpPr>
           <p:cNvPr id="199" name="Google Shape;199;p23"/>
-          <p:cNvSpPr txBox="1"/>
+          <p:cNvSpPr txBox="1">
+            <a:spLocks noGrp="1"/>
+          </p:cNvSpPr>
           <p:nvPr>
-            <p:ph idx="1" type="body"/>
+            <p:ph type="body" idx="1"/>
           </p:nvPr>
         </p:nvSpPr>
         <p:spPr>
@@ -10575,12 +10606,12 @@
           </a:prstGeom>
         </p:spPr>
         <p:txBody>
-          <a:bodyPr anchorCtr="0" anchor="t" bIns="91425" lIns="91425" spcFirstLastPara="1" rIns="91425" wrap="square" tIns="91425">
+          <a:bodyPr spcFirstLastPara="1" wrap="square" lIns="91425" tIns="91425" rIns="91425" bIns="91425" anchor="t" anchorCtr="0">
             <a:normAutofit/>
           </a:bodyPr>
           <a:lstStyle/>
           <a:p>
-            <a:pPr indent="0" lvl="0" marL="0" rtl="0" algn="l">
+            <a:pPr marL="0" lvl="0" indent="0" algn="l" rtl="0">
               <a:spcBef>
                 <a:spcPts val="0"/>
               </a:spcBef>
@@ -10589,9 +10620,6 @@
               </a:spcAft>
               <a:buNone/>
             </a:pPr>
-            <a:r>
-              <a:t/>
-            </a:r>
             <a:endParaRPr/>
           </a:p>
         </p:txBody>
@@ -10633,11 +10661,11 @@
 </file>
 
 <file path=ppt/slides/slide12.xml><?xml version="1.0" encoding="utf-8"?>
-<p:sld xmlns:a="http://schemas.openxmlformats.org/drawingml/2006/main" xmlns:r="http://schemas.openxmlformats.org/officeDocument/2006/relationships" xmlns:mc="http://schemas.openxmlformats.org/markup-compatibility/2006" xmlns:mv="urn:schemas-microsoft-com:mac:vml" xmlns:p="http://schemas.openxmlformats.org/presentationml/2006/main" xmlns:c="http://schemas.openxmlformats.org/drawingml/2006/chart" xmlns:dgm="http://schemas.openxmlformats.org/drawingml/2006/diagram" xmlns:o="urn:schemas-microsoft-com:office:office" xmlns:v="urn:schemas-microsoft-com:vml" xmlns:pvml="urn:schemas-microsoft-com:office:powerpoint" xmlns:com="http://schemas.openxmlformats.org/drawingml/2006/compatibility" xmlns:p14="http://schemas.microsoft.com/office/powerpoint/2010/main" xmlns:p15="http://schemas.microsoft.com/office/powerpoint/2012/main" xmlns:ahyp="http://schemas.microsoft.com/office/drawing/2018/hyperlinkcolor">
+<p:sld xmlns:a="http://schemas.openxmlformats.org/drawingml/2006/main" xmlns:r="http://schemas.openxmlformats.org/officeDocument/2006/relationships" xmlns:p="http://schemas.openxmlformats.org/presentationml/2006/main">
   <p:cSld>
     <p:spTree>
       <p:nvGrpSpPr>
-        <p:cNvPr id="204" name="Shape 204"/>
+        <p:cNvPr id="1" name="Shape 204"/>
         <p:cNvGrpSpPr/>
         <p:nvPr/>
       </p:nvGrpSpPr>
@@ -10652,7 +10680,9 @@
       <p:sp>
         <p:nvSpPr>
           <p:cNvPr id="205" name="Google Shape;205;p24"/>
-          <p:cNvSpPr txBox="1"/>
+          <p:cNvSpPr txBox="1">
+            <a:spLocks noGrp="1"/>
+          </p:cNvSpPr>
           <p:nvPr>
             <p:ph type="title"/>
           </p:nvPr>
@@ -10667,12 +10697,12 @@
           </a:prstGeom>
         </p:spPr>
         <p:txBody>
-          <a:bodyPr anchorCtr="0" anchor="t" bIns="91425" lIns="91425" spcFirstLastPara="1" rIns="91425" wrap="square" tIns="91425">
+          <a:bodyPr spcFirstLastPara="1" wrap="square" lIns="91425" tIns="91425" rIns="91425" bIns="91425" anchor="t" anchorCtr="0">
             <a:normAutofit/>
           </a:bodyPr>
           <a:lstStyle/>
           <a:p>
-            <a:pPr indent="0" lvl="0" marL="0" rtl="0" algn="l">
+            <a:pPr marL="0" lvl="0" indent="0" algn="l" rtl="0">
               <a:spcBef>
                 <a:spcPts val="0"/>
               </a:spcBef>
@@ -10681,9 +10711,6 @@
               </a:spcAft>
               <a:buNone/>
             </a:pPr>
-            <a:r>
-              <a:t/>
-            </a:r>
             <a:endParaRPr/>
           </a:p>
         </p:txBody>
@@ -10691,9 +10718,11 @@
       <p:sp>
         <p:nvSpPr>
           <p:cNvPr id="206" name="Google Shape;206;p24"/>
-          <p:cNvSpPr txBox="1"/>
+          <p:cNvSpPr txBox="1">
+            <a:spLocks noGrp="1"/>
+          </p:cNvSpPr>
           <p:nvPr>
-            <p:ph idx="1" type="body"/>
+            <p:ph type="body" idx="1"/>
           </p:nvPr>
         </p:nvSpPr>
         <p:spPr>
@@ -10706,12 +10735,12 @@
           </a:prstGeom>
         </p:spPr>
         <p:txBody>
-          <a:bodyPr anchorCtr="0" anchor="t" bIns="91425" lIns="91425" spcFirstLastPara="1" rIns="91425" wrap="square" tIns="91425">
+          <a:bodyPr spcFirstLastPara="1" wrap="square" lIns="91425" tIns="91425" rIns="91425" bIns="91425" anchor="t" anchorCtr="0">
             <a:normAutofit/>
           </a:bodyPr>
           <a:lstStyle/>
           <a:p>
-            <a:pPr indent="0" lvl="0" marL="0" rtl="0" algn="l">
+            <a:pPr marL="0" lvl="0" indent="0" algn="l" rtl="0">
               <a:spcBef>
                 <a:spcPts val="0"/>
               </a:spcBef>
@@ -10720,9 +10749,6 @@
               </a:spcAft>
               <a:buNone/>
             </a:pPr>
-            <a:r>
-              <a:t/>
-            </a:r>
             <a:endParaRPr/>
           </a:p>
         </p:txBody>
@@ -10764,11 +10790,11 @@
 </file>
 
 <file path=ppt/slides/slide13.xml><?xml version="1.0" encoding="utf-8"?>
-<p:sld xmlns:a="http://schemas.openxmlformats.org/drawingml/2006/main" xmlns:r="http://schemas.openxmlformats.org/officeDocument/2006/relationships" xmlns:mc="http://schemas.openxmlformats.org/markup-compatibility/2006" xmlns:mv="urn:schemas-microsoft-com:mac:vml" xmlns:p="http://schemas.openxmlformats.org/presentationml/2006/main" xmlns:c="http://schemas.openxmlformats.org/drawingml/2006/chart" xmlns:dgm="http://schemas.openxmlformats.org/drawingml/2006/diagram" xmlns:o="urn:schemas-microsoft-com:office:office" xmlns:v="urn:schemas-microsoft-com:vml" xmlns:pvml="urn:schemas-microsoft-com:office:powerpoint" xmlns:com="http://schemas.openxmlformats.org/drawingml/2006/compatibility" xmlns:p14="http://schemas.microsoft.com/office/powerpoint/2010/main" xmlns:p15="http://schemas.microsoft.com/office/powerpoint/2012/main" xmlns:ahyp="http://schemas.microsoft.com/office/drawing/2018/hyperlinkcolor">
+<p:sld xmlns:a="http://schemas.openxmlformats.org/drawingml/2006/main" xmlns:r="http://schemas.openxmlformats.org/officeDocument/2006/relationships" xmlns:p="http://schemas.openxmlformats.org/presentationml/2006/main">
   <p:cSld>
     <p:spTree>
       <p:nvGrpSpPr>
-        <p:cNvPr id="211" name="Shape 211"/>
+        <p:cNvPr id="1" name="Shape 211"/>
         <p:cNvGrpSpPr/>
         <p:nvPr/>
       </p:nvGrpSpPr>
@@ -10783,7 +10809,9 @@
       <p:sp>
         <p:nvSpPr>
           <p:cNvPr id="212" name="Google Shape;212;p25"/>
-          <p:cNvSpPr txBox="1"/>
+          <p:cNvSpPr txBox="1">
+            <a:spLocks noGrp="1"/>
+          </p:cNvSpPr>
           <p:nvPr>
             <p:ph type="title"/>
           </p:nvPr>
@@ -10798,12 +10826,12 @@
           </a:prstGeom>
         </p:spPr>
         <p:txBody>
-          <a:bodyPr anchorCtr="0" anchor="t" bIns="91425" lIns="91425" spcFirstLastPara="1" rIns="91425" wrap="square" tIns="91425">
+          <a:bodyPr spcFirstLastPara="1" wrap="square" lIns="91425" tIns="91425" rIns="91425" bIns="91425" anchor="t" anchorCtr="0">
             <a:normAutofit/>
           </a:bodyPr>
           <a:lstStyle/>
           <a:p>
-            <a:pPr indent="0" lvl="0" marL="0" rtl="0" algn="l">
+            <a:pPr marL="0" lvl="0" indent="0" algn="l" rtl="0">
               <a:spcBef>
                 <a:spcPts val="0"/>
               </a:spcBef>
@@ -10812,9 +10840,6 @@
               </a:spcAft>
               <a:buNone/>
             </a:pPr>
-            <a:r>
-              <a:t/>
-            </a:r>
             <a:endParaRPr/>
           </a:p>
         </p:txBody>
@@ -10822,9 +10847,11 @@
       <p:sp>
         <p:nvSpPr>
           <p:cNvPr id="213" name="Google Shape;213;p25"/>
-          <p:cNvSpPr txBox="1"/>
+          <p:cNvSpPr txBox="1">
+            <a:spLocks noGrp="1"/>
+          </p:cNvSpPr>
           <p:nvPr>
-            <p:ph idx="1" type="body"/>
+            <p:ph type="body" idx="1"/>
           </p:nvPr>
         </p:nvSpPr>
         <p:spPr>
@@ -10837,12 +10864,12 @@
           </a:prstGeom>
         </p:spPr>
         <p:txBody>
-          <a:bodyPr anchorCtr="0" anchor="t" bIns="91425" lIns="91425" spcFirstLastPara="1" rIns="91425" wrap="square" tIns="91425">
+          <a:bodyPr spcFirstLastPara="1" wrap="square" lIns="91425" tIns="91425" rIns="91425" bIns="91425" anchor="t" anchorCtr="0">
             <a:normAutofit/>
           </a:bodyPr>
           <a:lstStyle/>
           <a:p>
-            <a:pPr indent="0" lvl="0" marL="0" rtl="0" algn="l">
+            <a:pPr marL="0" lvl="0" indent="0" algn="l" rtl="0">
               <a:spcBef>
                 <a:spcPts val="0"/>
               </a:spcBef>
@@ -10851,9 +10878,6 @@
               </a:spcAft>
               <a:buNone/>
             </a:pPr>
-            <a:r>
-              <a:t/>
-            </a:r>
             <a:endParaRPr/>
           </a:p>
         </p:txBody>
@@ -10895,11 +10919,11 @@
 </file>
 
 <file path=ppt/slides/slide14.xml><?xml version="1.0" encoding="utf-8"?>
-<p:sld xmlns:a="http://schemas.openxmlformats.org/drawingml/2006/main" xmlns:r="http://schemas.openxmlformats.org/officeDocument/2006/relationships" xmlns:mc="http://schemas.openxmlformats.org/markup-compatibility/2006" xmlns:mv="urn:schemas-microsoft-com:mac:vml" xmlns:p="http://schemas.openxmlformats.org/presentationml/2006/main" xmlns:c="http://schemas.openxmlformats.org/drawingml/2006/chart" xmlns:dgm="http://schemas.openxmlformats.org/drawingml/2006/diagram" xmlns:o="urn:schemas-microsoft-com:office:office" xmlns:v="urn:schemas-microsoft-com:vml" xmlns:pvml="urn:schemas-microsoft-com:office:powerpoint" xmlns:com="http://schemas.openxmlformats.org/drawingml/2006/compatibility" xmlns:p14="http://schemas.microsoft.com/office/powerpoint/2010/main" xmlns:p15="http://schemas.microsoft.com/office/powerpoint/2012/main" xmlns:ahyp="http://schemas.microsoft.com/office/drawing/2018/hyperlinkcolor">
+<p:sld xmlns:a="http://schemas.openxmlformats.org/drawingml/2006/main" xmlns:r="http://schemas.openxmlformats.org/officeDocument/2006/relationships" xmlns:p="http://schemas.openxmlformats.org/presentationml/2006/main">
   <p:cSld>
     <p:spTree>
       <p:nvGrpSpPr>
-        <p:cNvPr id="218" name="Shape 218"/>
+        <p:cNvPr id="1" name="Shape 218"/>
         <p:cNvGrpSpPr/>
         <p:nvPr/>
       </p:nvGrpSpPr>
@@ -10914,7 +10938,9 @@
       <p:sp>
         <p:nvSpPr>
           <p:cNvPr id="219" name="Google Shape;219;p26"/>
-          <p:cNvSpPr txBox="1"/>
+          <p:cNvSpPr txBox="1">
+            <a:spLocks noGrp="1"/>
+          </p:cNvSpPr>
           <p:nvPr>
             <p:ph type="title"/>
           </p:nvPr>
@@ -10929,12 +10955,12 @@
           </a:prstGeom>
         </p:spPr>
         <p:txBody>
-          <a:bodyPr anchorCtr="0" anchor="t" bIns="91425" lIns="91425" spcFirstLastPara="1" rIns="91425" wrap="square" tIns="91425">
+          <a:bodyPr spcFirstLastPara="1" wrap="square" lIns="91425" tIns="91425" rIns="91425" bIns="91425" anchor="t" anchorCtr="0">
             <a:normAutofit/>
           </a:bodyPr>
           <a:lstStyle/>
           <a:p>
-            <a:pPr indent="0" lvl="0" marL="0" rtl="0" algn="l">
+            <a:pPr marL="0" lvl="0" indent="0" algn="l" rtl="0">
               <a:spcBef>
                 <a:spcPts val="0"/>
               </a:spcBef>
@@ -10943,9 +10969,6 @@
               </a:spcAft>
               <a:buNone/>
             </a:pPr>
-            <a:r>
-              <a:t/>
-            </a:r>
             <a:endParaRPr/>
           </a:p>
         </p:txBody>
@@ -10953,9 +10976,11 @@
       <p:sp>
         <p:nvSpPr>
           <p:cNvPr id="220" name="Google Shape;220;p26"/>
-          <p:cNvSpPr txBox="1"/>
+          <p:cNvSpPr txBox="1">
+            <a:spLocks noGrp="1"/>
+          </p:cNvSpPr>
           <p:nvPr>
-            <p:ph idx="1" type="body"/>
+            <p:ph type="body" idx="1"/>
           </p:nvPr>
         </p:nvSpPr>
         <p:spPr>
@@ -10968,12 +10993,12 @@
           </a:prstGeom>
         </p:spPr>
         <p:txBody>
-          <a:bodyPr anchorCtr="0" anchor="t" bIns="91425" lIns="91425" spcFirstLastPara="1" rIns="91425" wrap="square" tIns="91425">
+          <a:bodyPr spcFirstLastPara="1" wrap="square" lIns="91425" tIns="91425" rIns="91425" bIns="91425" anchor="t" anchorCtr="0">
             <a:normAutofit/>
           </a:bodyPr>
           <a:lstStyle/>
           <a:p>
-            <a:pPr indent="0" lvl="0" marL="0" rtl="0" algn="l">
+            <a:pPr marL="0" lvl="0" indent="0" algn="l" rtl="0">
               <a:spcBef>
                 <a:spcPts val="0"/>
               </a:spcBef>
@@ -10982,9 +11007,6 @@
               </a:spcAft>
               <a:buNone/>
             </a:pPr>
-            <a:r>
-              <a:t/>
-            </a:r>
             <a:endParaRPr/>
           </a:p>
         </p:txBody>
@@ -11026,11 +11048,11 @@
 </file>
 
 <file path=ppt/slides/slide15.xml><?xml version="1.0" encoding="utf-8"?>
-<p:sld xmlns:a="http://schemas.openxmlformats.org/drawingml/2006/main" xmlns:r="http://schemas.openxmlformats.org/officeDocument/2006/relationships" xmlns:mc="http://schemas.openxmlformats.org/markup-compatibility/2006" xmlns:mv="urn:schemas-microsoft-com:mac:vml" xmlns:p="http://schemas.openxmlformats.org/presentationml/2006/main" xmlns:c="http://schemas.openxmlformats.org/drawingml/2006/chart" xmlns:dgm="http://schemas.openxmlformats.org/drawingml/2006/diagram" xmlns:o="urn:schemas-microsoft-com:office:office" xmlns:v="urn:schemas-microsoft-com:vml" xmlns:pvml="urn:schemas-microsoft-com:office:powerpoint" xmlns:com="http://schemas.openxmlformats.org/drawingml/2006/compatibility" xmlns:p14="http://schemas.microsoft.com/office/powerpoint/2010/main" xmlns:p15="http://schemas.microsoft.com/office/powerpoint/2012/main" xmlns:ahyp="http://schemas.microsoft.com/office/drawing/2018/hyperlinkcolor">
+<p:sld xmlns:a="http://schemas.openxmlformats.org/drawingml/2006/main" xmlns:r="http://schemas.openxmlformats.org/officeDocument/2006/relationships" xmlns:p="http://schemas.openxmlformats.org/presentationml/2006/main">
   <p:cSld>
     <p:spTree>
       <p:nvGrpSpPr>
-        <p:cNvPr id="225" name="Shape 225"/>
+        <p:cNvPr id="1" name="Shape 225"/>
         <p:cNvGrpSpPr/>
         <p:nvPr/>
       </p:nvGrpSpPr>
@@ -11045,7 +11067,9 @@
       <p:sp>
         <p:nvSpPr>
           <p:cNvPr id="226" name="Google Shape;226;p27"/>
-          <p:cNvSpPr txBox="1"/>
+          <p:cNvSpPr txBox="1">
+            <a:spLocks noGrp="1"/>
+          </p:cNvSpPr>
           <p:nvPr>
             <p:ph type="title"/>
           </p:nvPr>
@@ -11060,12 +11084,12 @@
           </a:prstGeom>
         </p:spPr>
         <p:txBody>
-          <a:bodyPr anchorCtr="0" anchor="t" bIns="91425" lIns="91425" spcFirstLastPara="1" rIns="91425" wrap="square" tIns="91425">
+          <a:bodyPr spcFirstLastPara="1" wrap="square" lIns="91425" tIns="91425" rIns="91425" bIns="91425" anchor="t" anchorCtr="0">
             <a:normAutofit/>
           </a:bodyPr>
           <a:lstStyle/>
           <a:p>
-            <a:pPr indent="0" lvl="0" marL="0" rtl="0" algn="l">
+            <a:pPr marL="0" lvl="0" indent="0" algn="l" rtl="0">
               <a:spcBef>
                 <a:spcPts val="0"/>
               </a:spcBef>
@@ -11085,9 +11109,11 @@
       <p:sp>
         <p:nvSpPr>
           <p:cNvPr id="227" name="Google Shape;227;p27"/>
-          <p:cNvSpPr txBox="1"/>
+          <p:cNvSpPr txBox="1">
+            <a:spLocks noGrp="1"/>
+          </p:cNvSpPr>
           <p:nvPr>
-            <p:ph idx="1" type="body"/>
+            <p:ph type="body" idx="1"/>
           </p:nvPr>
         </p:nvSpPr>
         <p:spPr>
@@ -11100,12 +11126,12 @@
           </a:prstGeom>
         </p:spPr>
         <p:txBody>
-          <a:bodyPr anchorCtr="0" anchor="t" bIns="91425" lIns="91425" spcFirstLastPara="1" rIns="91425" wrap="square" tIns="91425">
+          <a:bodyPr spcFirstLastPara="1" wrap="square" lIns="91425" tIns="91425" rIns="91425" bIns="91425" anchor="t" anchorCtr="0">
             <a:normAutofit/>
           </a:bodyPr>
           <a:lstStyle/>
           <a:p>
-            <a:pPr indent="-311150" lvl="0" marL="457200" rtl="0" algn="l">
+            <a:pPr marL="457200" lvl="0" indent="-311150" algn="l" rtl="0">
               <a:spcBef>
                 <a:spcPts val="0"/>
               </a:spcBef>
@@ -11122,7 +11148,7 @@
             <a:endParaRPr/>
           </a:p>
           <a:p>
-            <a:pPr indent="-311150" lvl="0" marL="457200" rtl="0" algn="l">
+            <a:pPr marL="457200" lvl="0" indent="-311150" algn="l" rtl="0">
               <a:spcBef>
                 <a:spcPts val="0"/>
               </a:spcBef>
@@ -11149,11 +11175,11 @@
 </file>
 
 <file path=ppt/slides/slide2.xml><?xml version="1.0" encoding="utf-8"?>
-<p:sld xmlns:a="http://schemas.openxmlformats.org/drawingml/2006/main" xmlns:r="http://schemas.openxmlformats.org/officeDocument/2006/relationships" xmlns:mc="http://schemas.openxmlformats.org/markup-compatibility/2006" xmlns:mv="urn:schemas-microsoft-com:mac:vml" xmlns:p="http://schemas.openxmlformats.org/presentationml/2006/main" xmlns:c="http://schemas.openxmlformats.org/drawingml/2006/chart" xmlns:dgm="http://schemas.openxmlformats.org/drawingml/2006/diagram" xmlns:o="urn:schemas-microsoft-com:office:office" xmlns:v="urn:schemas-microsoft-com:vml" xmlns:pvml="urn:schemas-microsoft-com:office:powerpoint" xmlns:com="http://schemas.openxmlformats.org/drawingml/2006/compatibility" xmlns:p14="http://schemas.microsoft.com/office/powerpoint/2010/main" xmlns:p15="http://schemas.microsoft.com/office/powerpoint/2012/main" xmlns:ahyp="http://schemas.microsoft.com/office/drawing/2018/hyperlinkcolor">
+<p:sld xmlns:a="http://schemas.openxmlformats.org/drawingml/2006/main" xmlns:r="http://schemas.openxmlformats.org/officeDocument/2006/relationships" xmlns:p="http://schemas.openxmlformats.org/presentationml/2006/main">
   <p:cSld>
     <p:spTree>
       <p:nvGrpSpPr>
-        <p:cNvPr id="133" name="Shape 133"/>
+        <p:cNvPr id="1" name="Shape 133"/>
         <p:cNvGrpSpPr/>
         <p:nvPr/>
       </p:nvGrpSpPr>
@@ -11168,9 +11194,11 @@
       <p:sp>
         <p:nvSpPr>
           <p:cNvPr id="134" name="Google Shape;134;p14"/>
-          <p:cNvSpPr txBox="1"/>
+          <p:cNvSpPr txBox="1">
+            <a:spLocks noGrp="1"/>
+          </p:cNvSpPr>
           <p:nvPr>
-            <p:ph idx="1" type="body"/>
+            <p:ph type="body" idx="1"/>
           </p:nvPr>
         </p:nvSpPr>
         <p:spPr>
@@ -11183,12 +11211,12 @@
           </a:prstGeom>
         </p:spPr>
         <p:txBody>
-          <a:bodyPr anchorCtr="0" anchor="t" bIns="91425" lIns="91425" spcFirstLastPara="1" rIns="91425" wrap="square" tIns="91425">
-            <a:normAutofit lnSpcReduction="10000"/>
+          <a:bodyPr spcFirstLastPara="1" wrap="square" lIns="91425" tIns="91425" rIns="91425" bIns="91425" anchor="t" anchorCtr="0">
+            <a:normAutofit fontScale="77500" lnSpcReduction="20000"/>
           </a:bodyPr>
           <a:lstStyle/>
           <a:p>
-            <a:pPr indent="0" lvl="0" marL="0" rtl="0" algn="l">
+            <a:pPr marL="0" lvl="0" indent="0" algn="l" rtl="0">
               <a:lnSpc>
                 <a:spcPct val="100000"/>
               </a:lnSpc>
@@ -11201,7 +11229,7 @@
               <a:buNone/>
             </a:pPr>
             <a:r>
-              <a:rPr lang="en" sz="1500">
+              <a:rPr lang="en" sz="1500" dirty="0">
                 <a:solidFill>
                   <a:srgbClr val="404040"/>
                 </a:solidFill>
@@ -11209,9 +11237,31 @@
                   <a:srgbClr val="FFFFFF"/>
                 </a:highlight>
               </a:rPr>
-              <a:t>Eclat algorithm was introduced to deal with the weakness of the Apriori algorithm. Between these two algorithms, we have significant differences:</a:t>
+              <a:t>Eclat algorithm was introduced to deal with the weakness of the </a:t>
             </a:r>
-            <a:endParaRPr sz="1500">
+            <a:r>
+              <a:rPr lang="en" sz="1500" dirty="0" err="1">
+                <a:solidFill>
+                  <a:srgbClr val="404040"/>
+                </a:solidFill>
+                <a:highlight>
+                  <a:srgbClr val="FFFFFF"/>
+                </a:highlight>
+              </a:rPr>
+              <a:t>Apriori</a:t>
+            </a:r>
+            <a:r>
+              <a:rPr lang="en" sz="1500" dirty="0">
+                <a:solidFill>
+                  <a:srgbClr val="404040"/>
+                </a:solidFill>
+                <a:highlight>
+                  <a:srgbClr val="FFFFFF"/>
+                </a:highlight>
+              </a:rPr>
+              <a:t> algorithm. Between these two algorithms, we have significant differences:</a:t>
+            </a:r>
+            <a:endParaRPr sz="1500" dirty="0">
               <a:solidFill>
                 <a:srgbClr val="404040"/>
               </a:solidFill>
@@ -11221,9 +11271,9 @@
             </a:endParaRPr>
           </a:p>
           <a:p>
-            <a:pPr indent="-323850" lvl="0" marL="457200" rtl="0" algn="l">
+            <a:pPr marL="457200" lvl="0" indent="-323850" algn="l" rtl="0">
               <a:lnSpc>
-                <a:spcPct val="100000"/>
+                <a:spcPct val="160000"/>
               </a:lnSpc>
               <a:spcBef>
                 <a:spcPts val="1200"/>
@@ -11239,7 +11289,7 @@
               <a:buChar char="●"/>
             </a:pPr>
             <a:r>
-              <a:rPr lang="en" sz="1500">
+              <a:rPr lang="en" sz="1500" dirty="0">
                 <a:solidFill>
                   <a:srgbClr val="404040"/>
                 </a:solidFill>
@@ -11250,7 +11300,7 @@
               <a:t>Eclat algorithm is applicable only with a dataset in </a:t>
             </a:r>
             <a:r>
-              <a:rPr i="1" lang="en" sz="1500">
+              <a:rPr lang="en" sz="1500" i="1" dirty="0">
                 <a:solidFill>
                   <a:srgbClr val="404040"/>
                 </a:solidFill>
@@ -11261,7 +11311,7 @@
               <a:t>vertical dataset</a:t>
             </a:r>
             <a:r>
-              <a:rPr lang="en" sz="1500">
+              <a:rPr lang="en" sz="1500" dirty="0">
                 <a:solidFill>
                   <a:srgbClr val="404040"/>
                 </a:solidFill>
@@ -11271,7 +11321,37 @@
               </a:rPr>
               <a:t> format.</a:t>
             </a:r>
-            <a:endParaRPr sz="1500">
+          </a:p>
+          <a:p>
+            <a:pPr marL="457200" lvl="0" indent="-323850" algn="l" rtl="0">
+              <a:lnSpc>
+                <a:spcPct val="160000"/>
+              </a:lnSpc>
+              <a:spcBef>
+                <a:spcPts val="1200"/>
+              </a:spcBef>
+              <a:spcAft>
+                <a:spcPts val="0"/>
+              </a:spcAft>
+              <a:buClr>
+                <a:srgbClr val="404040"/>
+              </a:buClr>
+              <a:buSzPts val="1500"/>
+              <a:buFont typeface="Calibri"/>
+              <a:buChar char="●"/>
+            </a:pPr>
+            <a:r>
+              <a:rPr lang="en-US" sz="1500" dirty="0">
+                <a:solidFill>
+                  <a:srgbClr val="404040"/>
+                </a:solidFill>
+                <a:highlight>
+                  <a:srgbClr val="FFFFFF"/>
+                </a:highlight>
+              </a:rPr>
+              <a:t>Associative Rule Mining</a:t>
+            </a:r>
+            <a:endParaRPr sz="1500" dirty="0">
               <a:solidFill>
                 <a:srgbClr val="404040"/>
               </a:solidFill>
@@ -11281,9 +11361,9 @@
             </a:endParaRPr>
           </a:p>
           <a:p>
-            <a:pPr indent="-323850" lvl="0" marL="457200" rtl="0" algn="l">
+            <a:pPr marL="457200" lvl="0" indent="-323850" algn="l" rtl="0">
               <a:lnSpc>
-                <a:spcPct val="100000"/>
+                <a:spcPct val="160000"/>
               </a:lnSpc>
               <a:spcBef>
                 <a:spcPts val="0"/>
@@ -11299,7 +11379,7 @@
               <a:buChar char="●"/>
             </a:pPr>
             <a:r>
-              <a:rPr lang="en" sz="1500">
+              <a:rPr lang="en" sz="1500" dirty="0">
                 <a:solidFill>
                   <a:srgbClr val="404040"/>
                 </a:solidFill>
@@ -11310,7 +11390,7 @@
               <a:t>In the Eclat algorithm, only the </a:t>
             </a:r>
             <a:r>
-              <a:rPr i="1" lang="en" sz="1500">
+              <a:rPr lang="en" sz="1500" i="1" dirty="0">
                 <a:solidFill>
                   <a:srgbClr val="404040"/>
                 </a:solidFill>
@@ -11321,7 +11401,7 @@
               <a:t>support</a:t>
             </a:r>
             <a:r>
-              <a:rPr lang="en" sz="1500">
+              <a:rPr lang="en" sz="1500" dirty="0">
                 <a:solidFill>
                   <a:srgbClr val="404040"/>
                 </a:solidFill>
@@ -11329,10 +11409,32 @@
                   <a:srgbClr val="FFFFFF"/>
                 </a:highlight>
               </a:rPr>
-              <a:t> and confidence is counted as confidence. As in the case of Apriori, it is not computed. Here, the </a:t>
+              <a:t> and confidence is counted as confidence. As in the case of </a:t>
             </a:r>
             <a:r>
-              <a:rPr i="1" lang="en" sz="1500">
+              <a:rPr lang="en" sz="1500" dirty="0" err="1">
+                <a:solidFill>
+                  <a:srgbClr val="404040"/>
+                </a:solidFill>
+                <a:highlight>
+                  <a:srgbClr val="FFFFFF"/>
+                </a:highlight>
+              </a:rPr>
+              <a:t>Apriori</a:t>
+            </a:r>
+            <a:r>
+              <a:rPr lang="en" sz="1500" dirty="0">
+                <a:solidFill>
+                  <a:srgbClr val="404040"/>
+                </a:solidFill>
+                <a:highlight>
+                  <a:srgbClr val="FFFFFF"/>
+                </a:highlight>
+              </a:rPr>
+              <a:t>, it is not computed. Here, the </a:t>
+            </a:r>
+            <a:r>
+              <a:rPr lang="en" sz="1500" i="1" dirty="0">
                 <a:solidFill>
                   <a:srgbClr val="404040"/>
                 </a:solidFill>
@@ -11343,7 +11445,7 @@
               <a:t>Support</a:t>
             </a:r>
             <a:r>
-              <a:rPr lang="en" sz="1500">
+              <a:rPr lang="en" sz="1500" dirty="0">
                 <a:solidFill>
                   <a:srgbClr val="404040"/>
                 </a:solidFill>
@@ -11353,7 +11455,7 @@
               </a:rPr>
               <a:t> is nothing but the number of times an item is in a database.</a:t>
             </a:r>
-            <a:endParaRPr sz="1500">
+            <a:endParaRPr sz="1500" dirty="0">
               <a:solidFill>
                 <a:srgbClr val="404040"/>
               </a:solidFill>
@@ -11363,9 +11465,9 @@
             </a:endParaRPr>
           </a:p>
           <a:p>
-            <a:pPr indent="-323850" lvl="0" marL="457200" rtl="0" algn="l">
+            <a:pPr marL="457200" lvl="0" indent="-323850" algn="l" rtl="0">
               <a:lnSpc>
-                <a:spcPct val="100000"/>
+                <a:spcPct val="160000"/>
               </a:lnSpc>
               <a:spcBef>
                 <a:spcPts val="0"/>
@@ -11381,7 +11483,7 @@
               <a:buChar char="●"/>
             </a:pPr>
             <a:r>
-              <a:rPr lang="en" sz="1500">
+              <a:rPr lang="en" sz="1500" dirty="0">
                 <a:solidFill>
                   <a:srgbClr val="404040"/>
                 </a:solidFill>
@@ -11389,9 +11491,31 @@
                   <a:srgbClr val="FFFFFF"/>
                 </a:highlight>
               </a:rPr>
-              <a:t>Eclat scans over the database once, it is much faster than the Apriori algorithm.</a:t>
+              <a:t>Eclat scans over the database once, it is much faster than the </a:t>
             </a:r>
-            <a:endParaRPr sz="1500">
+            <a:r>
+              <a:rPr lang="en" sz="1500" dirty="0" err="1">
+                <a:solidFill>
+                  <a:srgbClr val="404040"/>
+                </a:solidFill>
+                <a:highlight>
+                  <a:srgbClr val="FFFFFF"/>
+                </a:highlight>
+              </a:rPr>
+              <a:t>Apriori</a:t>
+            </a:r>
+            <a:r>
+              <a:rPr lang="en" sz="1500" dirty="0">
+                <a:solidFill>
+                  <a:srgbClr val="404040"/>
+                </a:solidFill>
+                <a:highlight>
+                  <a:srgbClr val="FFFFFF"/>
+                </a:highlight>
+              </a:rPr>
+              <a:t> algorithm.</a:t>
+            </a:r>
+            <a:endParaRPr sz="1500" dirty="0">
               <a:solidFill>
                 <a:srgbClr val="404040"/>
               </a:solidFill>
@@ -11401,9 +11525,9 @@
             </a:endParaRPr>
           </a:p>
           <a:p>
-            <a:pPr indent="-323850" lvl="0" marL="457200" rtl="0" algn="l">
+            <a:pPr marL="457200" lvl="0" indent="-323850" algn="l" rtl="0">
               <a:lnSpc>
-                <a:spcPct val="100000"/>
+                <a:spcPct val="160000"/>
               </a:lnSpc>
               <a:spcBef>
                 <a:spcPts val="0"/>
@@ -11419,7 +11543,7 @@
               <a:buChar char="●"/>
             </a:pPr>
             <a:r>
-              <a:rPr lang="en" sz="1500">
+              <a:rPr lang="en" sz="1500" dirty="0">
                 <a:solidFill>
                   <a:srgbClr val="404040"/>
                 </a:solidFill>
@@ -11427,9 +11551,53 @@
                   <a:srgbClr val="FFFFFF"/>
                 </a:highlight>
               </a:rPr>
-              <a:t>On the contrary, Apriori is better for larger datasets, whereas, Eclat is better for smaller ones</a:t>
+              <a:t>On the contrary, </a:t>
             </a:r>
-            <a:endParaRPr sz="1500">
+            <a:r>
+              <a:rPr lang="en" sz="1500" dirty="0" err="1">
+                <a:solidFill>
+                  <a:srgbClr val="404040"/>
+                </a:solidFill>
+                <a:highlight>
+                  <a:srgbClr val="FFFFFF"/>
+                </a:highlight>
+              </a:rPr>
+              <a:t>Apriori</a:t>
+            </a:r>
+            <a:r>
+              <a:rPr lang="en" sz="1500" dirty="0">
+                <a:solidFill>
+                  <a:srgbClr val="404040"/>
+                </a:solidFill>
+                <a:highlight>
+                  <a:srgbClr val="FFFFFF"/>
+                </a:highlight>
+              </a:rPr>
+              <a:t> is better for larger datasets, </a:t>
+            </a:r>
+            <a:r>
+              <a:rPr lang="en-US" sz="1500" dirty="0">
+                <a:solidFill>
+                  <a:srgbClr val="404040"/>
+                </a:solidFill>
+                <a:highlight>
+                  <a:srgbClr val="FFFFFF"/>
+                </a:highlight>
+              </a:rPr>
+              <a:t>whereas</a:t>
+            </a:r>
+            <a:r>
+              <a:rPr lang="en" sz="1500" dirty="0">
+                <a:solidFill>
+                  <a:srgbClr val="404040"/>
+                </a:solidFill>
+                <a:highlight>
+                  <a:srgbClr val="FFFFFF"/>
+                </a:highlight>
+              </a:rPr>
+              <a:t> Eclat is better for smaller ones</a:t>
+            </a:r>
+            <a:endParaRPr sz="1500" dirty="0">
               <a:solidFill>
                 <a:srgbClr val="404040"/>
               </a:solidFill>
@@ -11439,9 +11607,9 @@
             </a:endParaRPr>
           </a:p>
           <a:p>
-            <a:pPr indent="-323850" lvl="0" marL="457200" rtl="0" algn="l">
+            <a:pPr marL="457200" lvl="0" indent="-323850" algn="l" rtl="0">
               <a:lnSpc>
-                <a:spcPct val="100000"/>
+                <a:spcPct val="160000"/>
               </a:lnSpc>
               <a:spcBef>
                 <a:spcPts val="0"/>
@@ -11457,7 +11625,7 @@
               <a:buChar char="●"/>
             </a:pPr>
             <a:r>
-              <a:rPr lang="en" sz="1500">
+              <a:rPr lang="en" sz="1500" dirty="0">
                 <a:solidFill>
                   <a:srgbClr val="404040"/>
                 </a:solidFill>
@@ -11467,7 +11635,7 @@
               </a:rPr>
               <a:t>Mostly used for recommendation systems</a:t>
             </a:r>
-            <a:endParaRPr sz="1500">
+            <a:endParaRPr sz="1500" dirty="0">
               <a:solidFill>
                 <a:srgbClr val="404040"/>
               </a:solidFill>
@@ -11477,9 +11645,9 @@
             </a:endParaRPr>
           </a:p>
           <a:p>
-            <a:pPr indent="-323850" lvl="1" marL="914400" rtl="0" algn="l">
+            <a:pPr marL="914400" lvl="1" indent="-323850" algn="l" rtl="0">
               <a:lnSpc>
-                <a:spcPct val="100000"/>
+                <a:spcPct val="160000"/>
               </a:lnSpc>
               <a:spcBef>
                 <a:spcPts val="0"/>
@@ -11495,7 +11663,7 @@
               <a:buAutoNum type="alphaLcPeriod"/>
             </a:pPr>
             <a:r>
-              <a:rPr lang="en" sz="1500">
+              <a:rPr lang="en" sz="1500" dirty="0">
                 <a:solidFill>
                   <a:srgbClr val="404040"/>
                 </a:solidFill>
@@ -11505,7 +11673,7 @@
               </a:rPr>
               <a:t>Can be used as insights for grocery stores to know where to put items that are frequently bought together</a:t>
             </a:r>
-            <a:endParaRPr sz="1500">
+            <a:endParaRPr sz="1500" dirty="0">
               <a:solidFill>
                 <a:srgbClr val="404040"/>
               </a:solidFill>
@@ -11515,7 +11683,7 @@
             </a:endParaRPr>
           </a:p>
           <a:p>
-            <a:pPr indent="0" lvl="0" marL="0" rtl="0" algn="l">
+            <a:pPr marL="0" lvl="0" indent="0" algn="l" rtl="0">
               <a:spcBef>
                 <a:spcPts val="1500"/>
               </a:spcBef>
@@ -11524,10 +11692,7 @@
               </a:spcAft>
               <a:buNone/>
             </a:pPr>
-            <a:r>
-              <a:t/>
-            </a:r>
-            <a:endParaRPr sz="1500">
+            <a:endParaRPr sz="1500" dirty="0">
               <a:solidFill>
                 <a:srgbClr val="404040"/>
               </a:solidFill>
@@ -11551,11 +11716,11 @@
 </file>
 
 <file path=ppt/slides/slide3.xml><?xml version="1.0" encoding="utf-8"?>
-<p:sld xmlns:a="http://schemas.openxmlformats.org/drawingml/2006/main" xmlns:r="http://schemas.openxmlformats.org/officeDocument/2006/relationships" xmlns:mc="http://schemas.openxmlformats.org/markup-compatibility/2006" xmlns:mv="urn:schemas-microsoft-com:mac:vml" xmlns:p="http://schemas.openxmlformats.org/presentationml/2006/main" xmlns:c="http://schemas.openxmlformats.org/drawingml/2006/chart" xmlns:dgm="http://schemas.openxmlformats.org/drawingml/2006/diagram" xmlns:o="urn:schemas-microsoft-com:office:office" xmlns:v="urn:schemas-microsoft-com:vml" xmlns:pvml="urn:schemas-microsoft-com:office:powerpoint" xmlns:com="http://schemas.openxmlformats.org/drawingml/2006/compatibility" xmlns:p14="http://schemas.microsoft.com/office/powerpoint/2010/main" xmlns:p15="http://schemas.microsoft.com/office/powerpoint/2012/main" xmlns:ahyp="http://schemas.microsoft.com/office/drawing/2018/hyperlinkcolor">
+<p:sld xmlns:a="http://schemas.openxmlformats.org/drawingml/2006/main" xmlns:r="http://schemas.openxmlformats.org/officeDocument/2006/relationships" xmlns:p="http://schemas.openxmlformats.org/presentationml/2006/main">
   <p:cSld>
     <p:spTree>
       <p:nvGrpSpPr>
-        <p:cNvPr id="138" name="Shape 138"/>
+        <p:cNvPr id="1" name="Shape 138"/>
         <p:cNvGrpSpPr/>
         <p:nvPr/>
       </p:nvGrpSpPr>
@@ -11570,7 +11735,9 @@
       <p:sp>
         <p:nvSpPr>
           <p:cNvPr id="139" name="Google Shape;139;p15"/>
-          <p:cNvSpPr txBox="1"/>
+          <p:cNvSpPr txBox="1">
+            <a:spLocks noGrp="1"/>
+          </p:cNvSpPr>
           <p:nvPr>
             <p:ph type="title"/>
           </p:nvPr>
@@ -11585,12 +11752,12 @@
           </a:prstGeom>
         </p:spPr>
         <p:txBody>
-          <a:bodyPr anchorCtr="0" anchor="t" bIns="91425" lIns="91425" spcFirstLastPara="1" rIns="91425" wrap="square" tIns="91425">
+          <a:bodyPr spcFirstLastPara="1" wrap="square" lIns="91425" tIns="91425" rIns="91425" bIns="91425" anchor="t" anchorCtr="0">
             <a:normAutofit/>
           </a:bodyPr>
           <a:lstStyle/>
           <a:p>
-            <a:pPr indent="0" lvl="0" marL="0" rtl="0" algn="l">
+            <a:pPr marL="0" lvl="0" indent="0" algn="l" rtl="0">
               <a:spcBef>
                 <a:spcPts val="0"/>
               </a:spcBef>
@@ -11610,9 +11777,11 @@
       <p:sp>
         <p:nvSpPr>
           <p:cNvPr id="140" name="Google Shape;140;p15"/>
-          <p:cNvSpPr txBox="1"/>
+          <p:cNvSpPr txBox="1">
+            <a:spLocks noGrp="1"/>
+          </p:cNvSpPr>
           <p:nvPr>
-            <p:ph idx="1" type="body"/>
+            <p:ph type="body" idx="1"/>
           </p:nvPr>
         </p:nvSpPr>
         <p:spPr>
@@ -11625,12 +11794,15 @@
           </a:prstGeom>
         </p:spPr>
         <p:txBody>
-          <a:bodyPr anchorCtr="0" anchor="t" bIns="91425" lIns="91425" spcFirstLastPara="1" rIns="91425" wrap="square" tIns="91425">
+          <a:bodyPr spcFirstLastPara="1" wrap="square" lIns="91425" tIns="91425" rIns="91425" bIns="91425" anchor="t" anchorCtr="0">
             <a:normAutofit/>
           </a:bodyPr>
           <a:lstStyle/>
           <a:p>
-            <a:pPr indent="-311150" lvl="0" marL="457200" rtl="0" algn="l">
+            <a:pPr marL="457200" lvl="0" indent="-311150" algn="l" rtl="0">
+              <a:lnSpc>
+                <a:spcPct val="150000"/>
+              </a:lnSpc>
               <a:spcBef>
                 <a:spcPts val="0"/>
               </a:spcBef>
@@ -11641,13 +11813,16 @@
               <a:buChar char="●"/>
             </a:pPr>
             <a:r>
-              <a:rPr lang="en"/>
+              <a:rPr lang="en" dirty="0"/>
               <a:t>We originally had a dataset that was too big</a:t>
             </a:r>
-            <a:endParaRPr/>
+            <a:endParaRPr dirty="0"/>
           </a:p>
           <a:p>
-            <a:pPr indent="-298450" lvl="1" marL="914400" rtl="0" algn="l">
+            <a:pPr marL="914400" lvl="1" indent="-298450" algn="l" rtl="0">
+              <a:lnSpc>
+                <a:spcPct val="150000"/>
+              </a:lnSpc>
               <a:spcBef>
                 <a:spcPts val="0"/>
               </a:spcBef>
@@ -11658,13 +11833,16 @@
               <a:buChar char="○"/>
             </a:pPr>
             <a:r>
-              <a:rPr lang="en"/>
+              <a:rPr lang="en" dirty="0"/>
               <a:t>Caused the model to run for over an hour </a:t>
             </a:r>
-            <a:endParaRPr/>
+            <a:endParaRPr dirty="0"/>
           </a:p>
           <a:p>
-            <a:pPr indent="-311150" lvl="0" marL="457200" rtl="0" algn="l">
+            <a:pPr marL="457200" lvl="0" indent="-311150" algn="l" rtl="0">
+              <a:lnSpc>
+                <a:spcPct val="150000"/>
+              </a:lnSpc>
               <a:spcBef>
                 <a:spcPts val="0"/>
               </a:spcBef>
@@ -11675,10 +11853,10 @@
               <a:buChar char="●"/>
             </a:pPr>
             <a:r>
-              <a:rPr lang="en"/>
+              <a:rPr lang="en" dirty="0"/>
               <a:t>Another cause for why the model took a long time to run is due to the minimum support (correlation)</a:t>
             </a:r>
-            <a:endParaRPr/>
+            <a:endParaRPr dirty="0"/>
           </a:p>
         </p:txBody>
       </p:sp>
@@ -11691,11 +11869,11 @@
 </file>
 
 <file path=ppt/slides/slide4.xml><?xml version="1.0" encoding="utf-8"?>
-<p:sld xmlns:a="http://schemas.openxmlformats.org/drawingml/2006/main" xmlns:r="http://schemas.openxmlformats.org/officeDocument/2006/relationships" xmlns:mc="http://schemas.openxmlformats.org/markup-compatibility/2006" xmlns:mv="urn:schemas-microsoft-com:mac:vml" xmlns:p="http://schemas.openxmlformats.org/presentationml/2006/main" xmlns:c="http://schemas.openxmlformats.org/drawingml/2006/chart" xmlns:dgm="http://schemas.openxmlformats.org/drawingml/2006/diagram" xmlns:o="urn:schemas-microsoft-com:office:office" xmlns:v="urn:schemas-microsoft-com:vml" xmlns:pvml="urn:schemas-microsoft-com:office:powerpoint" xmlns:com="http://schemas.openxmlformats.org/drawingml/2006/compatibility" xmlns:p14="http://schemas.microsoft.com/office/powerpoint/2010/main" xmlns:p15="http://schemas.microsoft.com/office/powerpoint/2012/main" xmlns:ahyp="http://schemas.microsoft.com/office/drawing/2018/hyperlinkcolor">
+<p:sld xmlns:a="http://schemas.openxmlformats.org/drawingml/2006/main" xmlns:r="http://schemas.openxmlformats.org/officeDocument/2006/relationships" xmlns:p="http://schemas.openxmlformats.org/presentationml/2006/main">
   <p:cSld>
     <p:spTree>
       <p:nvGrpSpPr>
-        <p:cNvPr id="144" name="Shape 144"/>
+        <p:cNvPr id="1" name="Shape 144"/>
         <p:cNvGrpSpPr/>
         <p:nvPr/>
       </p:nvGrpSpPr>
@@ -11710,7 +11888,9 @@
       <p:sp>
         <p:nvSpPr>
           <p:cNvPr id="145" name="Google Shape;145;p16"/>
-          <p:cNvSpPr txBox="1"/>
+          <p:cNvSpPr txBox="1">
+            <a:spLocks noGrp="1"/>
+          </p:cNvSpPr>
           <p:nvPr>
             <p:ph type="title"/>
           </p:nvPr>
@@ -11725,12 +11905,12 @@
           </a:prstGeom>
         </p:spPr>
         <p:txBody>
-          <a:bodyPr anchorCtr="0" anchor="t" bIns="91425" lIns="91425" spcFirstLastPara="1" rIns="91425" wrap="square" tIns="91425">
+          <a:bodyPr spcFirstLastPara="1" wrap="square" lIns="91425" tIns="91425" rIns="91425" bIns="91425" anchor="t" anchorCtr="0">
             <a:normAutofit fontScale="90000"/>
           </a:bodyPr>
           <a:lstStyle/>
           <a:p>
-            <a:pPr indent="0" lvl="0" marL="0" rtl="0" algn="l">
+            <a:pPr marL="0" lvl="0" indent="0" algn="l" rtl="0">
               <a:spcBef>
                 <a:spcPts val="0"/>
               </a:spcBef>
@@ -11743,7 +11923,7 @@
               <a:rPr lang="en" sz="2666"/>
               <a:t>Step 1: List the Transaction ID set of each product</a:t>
             </a:r>
-            <a:endParaRPr b="1" sz="1166">
+            <a:endParaRPr sz="1166" b="1">
               <a:solidFill>
                 <a:srgbClr val="292929"/>
               </a:solidFill>
@@ -11757,7 +11937,7 @@
             </a:endParaRPr>
           </a:p>
           <a:p>
-            <a:pPr indent="0" lvl="0" marL="0" rtl="0" algn="l">
+            <a:pPr marL="0" lvl="0" indent="0" algn="l" rtl="0">
               <a:spcBef>
                 <a:spcPts val="0"/>
               </a:spcBef>
@@ -11766,9 +11946,6 @@
               </a:spcAft>
               <a:buNone/>
             </a:pPr>
-            <a:r>
-              <a:t/>
-            </a:r>
             <a:endParaRPr/>
           </a:p>
         </p:txBody>
@@ -11842,30 +12019,30 @@
           </a:xfrm>
           <a:prstGeom prst="rightArrow">
             <a:avLst>
-              <a:gd fmla="val 50000" name="adj1"/>
-              <a:gd fmla="val 50000" name="adj2"/>
+              <a:gd name="adj1" fmla="val 50000"/>
+              <a:gd name="adj2" fmla="val 50000"/>
             </a:avLst>
           </a:prstGeom>
           <a:solidFill>
             <a:schemeClr val="lt2"/>
           </a:solidFill>
-          <a:ln cap="flat" cmpd="sng" w="9525">
+          <a:ln w="9525" cap="flat" cmpd="sng">
             <a:solidFill>
               <a:schemeClr val="dk2"/>
             </a:solidFill>
             <a:prstDash val="solid"/>
             <a:round/>
-            <a:headEnd len="sm" w="sm" type="none"/>
-            <a:tailEnd len="sm" w="sm" type="none"/>
+            <a:headEnd type="none" w="sm" len="sm"/>
+            <a:tailEnd type="none" w="sm" len="sm"/>
           </a:ln>
         </p:spPr>
         <p:txBody>
-          <a:bodyPr anchorCtr="0" anchor="ctr" bIns="91425" lIns="91425" spcFirstLastPara="1" rIns="91425" wrap="square" tIns="91425">
+          <a:bodyPr spcFirstLastPara="1" wrap="square" lIns="91425" tIns="91425" rIns="91425" bIns="91425" anchor="ctr" anchorCtr="0">
             <a:noAutofit/>
           </a:bodyPr>
           <a:lstStyle/>
           <a:p>
-            <a:pPr indent="0" lvl="0" marL="0" rtl="0" algn="l">
+            <a:pPr marL="0" lvl="0" indent="0" algn="l" rtl="0">
               <a:spcBef>
                 <a:spcPts val="0"/>
               </a:spcBef>
@@ -11874,9 +12051,6 @@
               </a:spcAft>
               <a:buNone/>
             </a:pPr>
-            <a:r>
-              <a:t/>
-            </a:r>
             <a:endParaRPr/>
           </a:p>
         </p:txBody>
@@ -11890,11 +12064,11 @@
 </file>
 
 <file path=ppt/slides/slide5.xml><?xml version="1.0" encoding="utf-8"?>
-<p:sld xmlns:a="http://schemas.openxmlformats.org/drawingml/2006/main" xmlns:r="http://schemas.openxmlformats.org/officeDocument/2006/relationships" xmlns:mc="http://schemas.openxmlformats.org/markup-compatibility/2006" xmlns:mv="urn:schemas-microsoft-com:mac:vml" xmlns:p="http://schemas.openxmlformats.org/presentationml/2006/main" xmlns:c="http://schemas.openxmlformats.org/drawingml/2006/chart" xmlns:dgm="http://schemas.openxmlformats.org/drawingml/2006/diagram" xmlns:o="urn:schemas-microsoft-com:office:office" xmlns:v="urn:schemas-microsoft-com:vml" xmlns:pvml="urn:schemas-microsoft-com:office:powerpoint" xmlns:com="http://schemas.openxmlformats.org/drawingml/2006/compatibility" xmlns:p14="http://schemas.microsoft.com/office/powerpoint/2010/main" xmlns:p15="http://schemas.microsoft.com/office/powerpoint/2012/main" xmlns:ahyp="http://schemas.microsoft.com/office/drawing/2018/hyperlinkcolor">
+<p:sld xmlns:a="http://schemas.openxmlformats.org/drawingml/2006/main" xmlns:r="http://schemas.openxmlformats.org/officeDocument/2006/relationships" xmlns:p="http://schemas.openxmlformats.org/presentationml/2006/main">
   <p:cSld>
     <p:spTree>
       <p:nvGrpSpPr>
-        <p:cNvPr id="152" name="Shape 152"/>
+        <p:cNvPr id="1" name="Shape 152"/>
         <p:cNvGrpSpPr/>
         <p:nvPr/>
       </p:nvGrpSpPr>
@@ -11909,7 +12083,9 @@
       <p:sp>
         <p:nvSpPr>
           <p:cNvPr id="153" name="Google Shape;153;p17"/>
-          <p:cNvSpPr txBox="1"/>
+          <p:cNvSpPr txBox="1">
+            <a:spLocks noGrp="1"/>
+          </p:cNvSpPr>
           <p:nvPr>
             <p:ph type="title"/>
           </p:nvPr>
@@ -11924,12 +12100,12 @@
           </a:prstGeom>
         </p:spPr>
         <p:txBody>
-          <a:bodyPr anchorCtr="0" anchor="t" bIns="91425" lIns="91425" spcFirstLastPara="1" rIns="91425" wrap="square" tIns="91425">
+          <a:bodyPr spcFirstLastPara="1" wrap="square" lIns="91425" tIns="91425" rIns="91425" bIns="91425" anchor="t" anchorCtr="0">
             <a:normAutofit/>
           </a:bodyPr>
           <a:lstStyle/>
           <a:p>
-            <a:pPr indent="0" lvl="0" marL="0" rtl="0" algn="l">
+            <a:pPr marL="0" lvl="0" indent="0" algn="l" rtl="0">
               <a:spcBef>
                 <a:spcPts val="0"/>
               </a:spcBef>
@@ -11949,9 +12125,11 @@
       <p:sp>
         <p:nvSpPr>
           <p:cNvPr id="154" name="Google Shape;154;p17"/>
-          <p:cNvSpPr txBox="1"/>
+          <p:cNvSpPr txBox="1">
+            <a:spLocks noGrp="1"/>
+          </p:cNvSpPr>
           <p:nvPr>
-            <p:ph idx="1" type="body"/>
+            <p:ph type="body" idx="1"/>
           </p:nvPr>
         </p:nvSpPr>
         <p:spPr>
@@ -11964,12 +12142,12 @@
           </a:prstGeom>
         </p:spPr>
         <p:txBody>
-          <a:bodyPr anchorCtr="0" anchor="t" bIns="91425" lIns="91425" spcFirstLastPara="1" rIns="91425" wrap="square" tIns="91425">
+          <a:bodyPr spcFirstLastPara="1" wrap="square" lIns="91425" tIns="91425" rIns="91425" bIns="91425" anchor="t" anchorCtr="0">
             <a:normAutofit fontScale="92500"/>
           </a:bodyPr>
           <a:lstStyle/>
           <a:p>
-            <a:pPr indent="0" lvl="0" marL="0" rtl="0" algn="l">
+            <a:pPr marL="0" lvl="0" indent="0" algn="l" rtl="0">
               <a:spcBef>
                 <a:spcPts val="0"/>
               </a:spcBef>
@@ -12023,11 +12201,11 @@
 </file>
 
 <file path=ppt/slides/slide6.xml><?xml version="1.0" encoding="utf-8"?>
-<p:sld xmlns:a="http://schemas.openxmlformats.org/drawingml/2006/main" xmlns:r="http://schemas.openxmlformats.org/officeDocument/2006/relationships" xmlns:mc="http://schemas.openxmlformats.org/markup-compatibility/2006" xmlns:mv="urn:schemas-microsoft-com:mac:vml" xmlns:p="http://schemas.openxmlformats.org/presentationml/2006/main" xmlns:c="http://schemas.openxmlformats.org/drawingml/2006/chart" xmlns:dgm="http://schemas.openxmlformats.org/drawingml/2006/diagram" xmlns:o="urn:schemas-microsoft-com:office:office" xmlns:v="urn:schemas-microsoft-com:vml" xmlns:pvml="urn:schemas-microsoft-com:office:powerpoint" xmlns:com="http://schemas.openxmlformats.org/drawingml/2006/compatibility" xmlns:p14="http://schemas.microsoft.com/office/powerpoint/2010/main" xmlns:p15="http://schemas.microsoft.com/office/powerpoint/2012/main" xmlns:ahyp="http://schemas.microsoft.com/office/drawing/2018/hyperlinkcolor">
+<p:sld xmlns:a="http://schemas.openxmlformats.org/drawingml/2006/main" xmlns:r="http://schemas.openxmlformats.org/officeDocument/2006/relationships" xmlns:p="http://schemas.openxmlformats.org/presentationml/2006/main">
   <p:cSld>
     <p:spTree>
       <p:nvGrpSpPr>
-        <p:cNvPr id="159" name="Shape 159"/>
+        <p:cNvPr id="1" name="Shape 159"/>
         <p:cNvGrpSpPr/>
         <p:nvPr/>
       </p:nvGrpSpPr>
@@ -12042,7 +12220,9 @@
       <p:sp>
         <p:nvSpPr>
           <p:cNvPr id="160" name="Google Shape;160;p18"/>
-          <p:cNvSpPr txBox="1"/>
+          <p:cNvSpPr txBox="1">
+            <a:spLocks noGrp="1"/>
+          </p:cNvSpPr>
           <p:nvPr>
             <p:ph type="title"/>
           </p:nvPr>
@@ -12057,12 +12237,12 @@
           </a:prstGeom>
         </p:spPr>
         <p:txBody>
-          <a:bodyPr anchorCtr="0" anchor="t" bIns="91425" lIns="91425" spcFirstLastPara="1" rIns="91425" wrap="square" tIns="91425">
+          <a:bodyPr spcFirstLastPara="1" wrap="square" lIns="91425" tIns="91425" rIns="91425" bIns="91425" anchor="t" anchorCtr="0">
             <a:normAutofit/>
           </a:bodyPr>
           <a:lstStyle/>
           <a:p>
-            <a:pPr indent="0" lvl="0" marL="0" rtl="0" algn="l">
+            <a:pPr marL="0" lvl="0" indent="0" algn="l" rtl="0">
               <a:spcBef>
                 <a:spcPts val="0"/>
               </a:spcBef>
@@ -12083,9 +12263,11 @@
       <p:sp>
         <p:nvSpPr>
           <p:cNvPr id="161" name="Google Shape;161;p18"/>
-          <p:cNvSpPr txBox="1"/>
+          <p:cNvSpPr txBox="1">
+            <a:spLocks noGrp="1"/>
+          </p:cNvSpPr>
           <p:nvPr>
-            <p:ph idx="1" type="body"/>
+            <p:ph type="body" idx="1"/>
           </p:nvPr>
         </p:nvSpPr>
         <p:spPr>
@@ -12098,12 +12280,12 @@
           </a:prstGeom>
         </p:spPr>
         <p:txBody>
-          <a:bodyPr anchorCtr="0" anchor="t" bIns="91425" lIns="91425" spcFirstLastPara="1" rIns="91425" wrap="square" tIns="91425">
+          <a:bodyPr spcFirstLastPara="1" wrap="square" lIns="91425" tIns="91425" rIns="91425" bIns="91425" anchor="t" anchorCtr="0">
             <a:noAutofit/>
           </a:bodyPr>
           <a:lstStyle/>
           <a:p>
-            <a:pPr indent="0" lvl="0" marL="0" rtl="0" algn="l">
+            <a:pPr marL="0" lvl="0" indent="0" algn="l" rtl="0">
               <a:spcBef>
                 <a:spcPts val="0"/>
               </a:spcBef>
@@ -12191,38 +12373,38 @@
           <p:nvPr/>
         </p:nvSpPr>
         <p:spPr>
-          <a:xfrm flipH="1" rot="10800000">
+          <a:xfrm rot="10800000" flipH="1">
             <a:off x="2643275" y="2342213"/>
             <a:ext cx="755100" cy="836700"/>
           </a:xfrm>
           <a:prstGeom prst="bentArrow">
             <a:avLst>
-              <a:gd fmla="val 26392" name="adj1"/>
-              <a:gd fmla="val 26387" name="adj2"/>
-              <a:gd fmla="val 25000" name="adj3"/>
-              <a:gd fmla="val 44450" name="adj4"/>
+              <a:gd name="adj1" fmla="val 26392"/>
+              <a:gd name="adj2" fmla="val 26387"/>
+              <a:gd name="adj3" fmla="val 25000"/>
+              <a:gd name="adj4" fmla="val 44450"/>
             </a:avLst>
           </a:prstGeom>
           <a:solidFill>
             <a:schemeClr val="lt2"/>
           </a:solidFill>
-          <a:ln cap="flat" cmpd="sng" w="9525">
+          <a:ln w="9525" cap="flat" cmpd="sng">
             <a:solidFill>
               <a:schemeClr val="dk2"/>
             </a:solidFill>
             <a:prstDash val="solid"/>
             <a:round/>
-            <a:headEnd len="sm" w="sm" type="none"/>
-            <a:tailEnd len="sm" w="sm" type="none"/>
+            <a:headEnd type="none" w="sm" len="sm"/>
+            <a:tailEnd type="none" w="sm" len="sm"/>
           </a:ln>
         </p:spPr>
         <p:txBody>
-          <a:bodyPr anchorCtr="0" anchor="ctr" bIns="91425" lIns="91425" spcFirstLastPara="1" rIns="91425" wrap="square" tIns="91425">
+          <a:bodyPr spcFirstLastPara="1" wrap="square" lIns="91425" tIns="91425" rIns="91425" bIns="91425" anchor="ctr" anchorCtr="0">
             <a:noAutofit/>
           </a:bodyPr>
           <a:lstStyle/>
           <a:p>
-            <a:pPr indent="0" lvl="0" marL="0" rtl="0" algn="l">
+            <a:pPr marL="0" lvl="0" indent="0" algn="l" rtl="0">
               <a:spcBef>
                 <a:spcPts val="0"/>
               </a:spcBef>
@@ -12231,9 +12413,6 @@
               </a:spcAft>
               <a:buNone/>
             </a:pPr>
-            <a:r>
-              <a:t/>
-            </a:r>
             <a:endParaRPr/>
           </a:p>
         </p:txBody>
@@ -12247,11 +12426,11 @@
 </file>
 
 <file path=ppt/slides/slide7.xml><?xml version="1.0" encoding="utf-8"?>
-<p:sld xmlns:a="http://schemas.openxmlformats.org/drawingml/2006/main" xmlns:r="http://schemas.openxmlformats.org/officeDocument/2006/relationships" xmlns:mc="http://schemas.openxmlformats.org/markup-compatibility/2006" xmlns:mv="urn:schemas-microsoft-com:mac:vml" xmlns:p="http://schemas.openxmlformats.org/presentationml/2006/main" xmlns:c="http://schemas.openxmlformats.org/drawingml/2006/chart" xmlns:dgm="http://schemas.openxmlformats.org/drawingml/2006/diagram" xmlns:o="urn:schemas-microsoft-com:office:office" xmlns:v="urn:schemas-microsoft-com:vml" xmlns:pvml="urn:schemas-microsoft-com:office:powerpoint" xmlns:com="http://schemas.openxmlformats.org/drawingml/2006/compatibility" xmlns:p14="http://schemas.microsoft.com/office/powerpoint/2010/main" xmlns:p15="http://schemas.microsoft.com/office/powerpoint/2012/main" xmlns:ahyp="http://schemas.microsoft.com/office/drawing/2018/hyperlinkcolor">
+<p:sld xmlns:a="http://schemas.openxmlformats.org/drawingml/2006/main" xmlns:r="http://schemas.openxmlformats.org/officeDocument/2006/relationships" xmlns:p="http://schemas.openxmlformats.org/presentationml/2006/main">
   <p:cSld>
     <p:spTree>
       <p:nvGrpSpPr>
-        <p:cNvPr id="168" name="Shape 168"/>
+        <p:cNvPr id="1" name="Shape 168"/>
         <p:cNvGrpSpPr/>
         <p:nvPr/>
       </p:nvGrpSpPr>
@@ -12266,7 +12445,9 @@
       <p:sp>
         <p:nvSpPr>
           <p:cNvPr id="169" name="Google Shape;169;p19"/>
-          <p:cNvSpPr txBox="1"/>
+          <p:cNvSpPr txBox="1">
+            <a:spLocks noGrp="1"/>
+          </p:cNvSpPr>
           <p:nvPr>
             <p:ph type="title"/>
           </p:nvPr>
@@ -12281,12 +12462,12 @@
           </a:prstGeom>
         </p:spPr>
         <p:txBody>
-          <a:bodyPr anchorCtr="0" anchor="t" bIns="91425" lIns="91425" spcFirstLastPara="1" rIns="91425" wrap="square" tIns="91425">
+          <a:bodyPr spcFirstLastPara="1" wrap="square" lIns="91425" tIns="91425" rIns="91425" bIns="91425" anchor="t" anchorCtr="0">
             <a:noAutofit/>
           </a:bodyPr>
           <a:lstStyle/>
           <a:p>
-            <a:pPr indent="0" lvl="0" marL="0" rtl="0" algn="l">
+            <a:pPr marL="0" lvl="0" indent="0" algn="l" rtl="0">
               <a:spcBef>
                 <a:spcPts val="0"/>
               </a:spcBef>
@@ -12307,9 +12488,11 @@
       <p:sp>
         <p:nvSpPr>
           <p:cNvPr id="170" name="Google Shape;170;p19"/>
-          <p:cNvSpPr txBox="1"/>
+          <p:cNvSpPr txBox="1">
+            <a:spLocks noGrp="1"/>
+          </p:cNvSpPr>
           <p:nvPr>
-            <p:ph idx="1" type="body"/>
+            <p:ph type="body" idx="1"/>
           </p:nvPr>
         </p:nvSpPr>
         <p:spPr>
@@ -12322,12 +12505,12 @@
           </a:prstGeom>
         </p:spPr>
         <p:txBody>
-          <a:bodyPr anchorCtr="0" anchor="t" bIns="91425" lIns="91425" spcFirstLastPara="1" rIns="91425" wrap="square" tIns="91425">
+          <a:bodyPr spcFirstLastPara="1" wrap="square" lIns="91425" tIns="91425" rIns="91425" bIns="91425" anchor="t" anchorCtr="0">
             <a:normAutofit fontScale="77500"/>
           </a:bodyPr>
           <a:lstStyle/>
           <a:p>
-            <a:pPr indent="0" lvl="0" marL="0" rtl="0" algn="l">
+            <a:pPr marL="0" lvl="0" indent="0" algn="l" rtl="0">
               <a:spcBef>
                 <a:spcPts val="0"/>
               </a:spcBef>
@@ -12403,12 +12586,12 @@
           </a:ln>
         </p:spPr>
         <p:txBody>
-          <a:bodyPr anchorCtr="0" anchor="t" bIns="91425" lIns="91425" spcFirstLastPara="1" rIns="91425" wrap="square" tIns="91425">
+          <a:bodyPr spcFirstLastPara="1" wrap="square" lIns="91425" tIns="91425" rIns="91425" bIns="91425" anchor="t" anchorCtr="0">
             <a:spAutoFit/>
           </a:bodyPr>
           <a:lstStyle/>
           <a:p>
-            <a:pPr indent="0" lvl="0" marL="0" rtl="0" algn="l">
+            <a:pPr marL="0" lvl="0" indent="0" algn="l" rtl="0">
               <a:spcBef>
                 <a:spcPts val="0"/>
               </a:spcBef>
@@ -12442,11 +12625,11 @@
 </file>
 
 <file path=ppt/slides/slide8.xml><?xml version="1.0" encoding="utf-8"?>
-<p:sld xmlns:a="http://schemas.openxmlformats.org/drawingml/2006/main" xmlns:r="http://schemas.openxmlformats.org/officeDocument/2006/relationships" xmlns:mc="http://schemas.openxmlformats.org/markup-compatibility/2006" xmlns:mv="urn:schemas-microsoft-com:mac:vml" xmlns:p="http://schemas.openxmlformats.org/presentationml/2006/main" xmlns:c="http://schemas.openxmlformats.org/drawingml/2006/chart" xmlns:dgm="http://schemas.openxmlformats.org/drawingml/2006/diagram" xmlns:o="urn:schemas-microsoft-com:office:office" xmlns:v="urn:schemas-microsoft-com:vml" xmlns:pvml="urn:schemas-microsoft-com:office:powerpoint" xmlns:com="http://schemas.openxmlformats.org/drawingml/2006/compatibility" xmlns:p14="http://schemas.microsoft.com/office/powerpoint/2010/main" xmlns:p15="http://schemas.microsoft.com/office/powerpoint/2012/main" xmlns:ahyp="http://schemas.microsoft.com/office/drawing/2018/hyperlinkcolor">
+<p:sld xmlns:a="http://schemas.openxmlformats.org/drawingml/2006/main" xmlns:r="http://schemas.openxmlformats.org/officeDocument/2006/relationships" xmlns:p="http://schemas.openxmlformats.org/presentationml/2006/main">
   <p:cSld>
     <p:spTree>
       <p:nvGrpSpPr>
-        <p:cNvPr id="176" name="Shape 176"/>
+        <p:cNvPr id="1" name="Shape 176"/>
         <p:cNvGrpSpPr/>
         <p:nvPr/>
       </p:nvGrpSpPr>
@@ -12461,7 +12644,9 @@
       <p:sp>
         <p:nvSpPr>
           <p:cNvPr id="177" name="Google Shape;177;p20"/>
-          <p:cNvSpPr txBox="1"/>
+          <p:cNvSpPr txBox="1">
+            <a:spLocks noGrp="1"/>
+          </p:cNvSpPr>
           <p:nvPr>
             <p:ph type="title"/>
           </p:nvPr>
@@ -12476,12 +12661,12 @@
           </a:prstGeom>
         </p:spPr>
         <p:txBody>
-          <a:bodyPr anchorCtr="0" anchor="t" bIns="91425" lIns="91425" spcFirstLastPara="1" rIns="91425" wrap="square" tIns="91425">
+          <a:bodyPr spcFirstLastPara="1" wrap="square" lIns="91425" tIns="91425" rIns="91425" bIns="91425" anchor="t" anchorCtr="0">
             <a:normAutofit/>
           </a:bodyPr>
           <a:lstStyle/>
           <a:p>
-            <a:pPr indent="0" lvl="0" marL="0" rtl="0" algn="l">
+            <a:pPr marL="0" lvl="0" indent="0" algn="l" rtl="0">
               <a:spcBef>
                 <a:spcPts val="0"/>
               </a:spcBef>
@@ -12501,9 +12686,11 @@
       <p:sp>
         <p:nvSpPr>
           <p:cNvPr id="178" name="Google Shape;178;p20"/>
-          <p:cNvSpPr txBox="1"/>
+          <p:cNvSpPr txBox="1">
+            <a:spLocks noGrp="1"/>
+          </p:cNvSpPr>
           <p:nvPr>
-            <p:ph idx="1" type="body"/>
+            <p:ph type="body" idx="1"/>
           </p:nvPr>
         </p:nvSpPr>
         <p:spPr>
@@ -12516,12 +12703,12 @@
           </a:prstGeom>
         </p:spPr>
         <p:txBody>
-          <a:bodyPr anchorCtr="0" anchor="t" bIns="91425" lIns="91425" spcFirstLastPara="1" rIns="91425" wrap="square" tIns="91425">
+          <a:bodyPr spcFirstLastPara="1" wrap="square" lIns="91425" tIns="91425" rIns="91425" bIns="91425" anchor="t" anchorCtr="0">
             <a:normAutofit/>
           </a:bodyPr>
           <a:lstStyle/>
           <a:p>
-            <a:pPr indent="0" lvl="0" marL="0" rtl="0" algn="l">
+            <a:pPr marL="0" lvl="0" indent="0" algn="l" rtl="0">
               <a:spcBef>
                 <a:spcPts val="0"/>
               </a:spcBef>
@@ -12530,9 +12717,6 @@
               </a:spcAft>
               <a:buNone/>
             </a:pPr>
-            <a:r>
-              <a:t/>
-            </a:r>
             <a:endParaRPr/>
           </a:p>
         </p:txBody>
@@ -12574,11 +12758,11 @@
 </file>
 
 <file path=ppt/slides/slide9.xml><?xml version="1.0" encoding="utf-8"?>
-<p:sld xmlns:a="http://schemas.openxmlformats.org/drawingml/2006/main" xmlns:r="http://schemas.openxmlformats.org/officeDocument/2006/relationships" xmlns:mc="http://schemas.openxmlformats.org/markup-compatibility/2006" xmlns:mv="urn:schemas-microsoft-com:mac:vml" xmlns:p="http://schemas.openxmlformats.org/presentationml/2006/main" xmlns:c="http://schemas.openxmlformats.org/drawingml/2006/chart" xmlns:dgm="http://schemas.openxmlformats.org/drawingml/2006/diagram" xmlns:o="urn:schemas-microsoft-com:office:office" xmlns:v="urn:schemas-microsoft-com:vml" xmlns:pvml="urn:schemas-microsoft-com:office:powerpoint" xmlns:com="http://schemas.openxmlformats.org/drawingml/2006/compatibility" xmlns:p14="http://schemas.microsoft.com/office/powerpoint/2010/main" xmlns:p15="http://schemas.microsoft.com/office/powerpoint/2012/main" xmlns:ahyp="http://schemas.microsoft.com/office/drawing/2018/hyperlinkcolor">
+<p:sld xmlns:a="http://schemas.openxmlformats.org/drawingml/2006/main" xmlns:r="http://schemas.openxmlformats.org/officeDocument/2006/relationships" xmlns:p="http://schemas.openxmlformats.org/presentationml/2006/main">
   <p:cSld>
     <p:spTree>
       <p:nvGrpSpPr>
-        <p:cNvPr id="183" name="Shape 183"/>
+        <p:cNvPr id="1" name="Shape 183"/>
         <p:cNvGrpSpPr/>
         <p:nvPr/>
       </p:nvGrpSpPr>
@@ -12593,7 +12777,9 @@
       <p:sp>
         <p:nvSpPr>
           <p:cNvPr id="184" name="Google Shape;184;p21"/>
-          <p:cNvSpPr txBox="1"/>
+          <p:cNvSpPr txBox="1">
+            <a:spLocks noGrp="1"/>
+          </p:cNvSpPr>
           <p:nvPr>
             <p:ph type="title"/>
           </p:nvPr>
@@ -12608,12 +12794,12 @@
           </a:prstGeom>
         </p:spPr>
         <p:txBody>
-          <a:bodyPr anchorCtr="0" anchor="t" bIns="91425" lIns="91425" spcFirstLastPara="1" rIns="91425" wrap="square" tIns="91425">
+          <a:bodyPr spcFirstLastPara="1" wrap="square" lIns="91425" tIns="91425" rIns="91425" bIns="91425" anchor="t" anchorCtr="0">
             <a:normAutofit/>
           </a:bodyPr>
           <a:lstStyle/>
           <a:p>
-            <a:pPr indent="0" lvl="0" marL="0" rtl="0" algn="l">
+            <a:pPr marL="0" lvl="0" indent="0" algn="l" rtl="0">
               <a:spcBef>
                 <a:spcPts val="0"/>
               </a:spcBef>
@@ -12622,9 +12808,6 @@
               </a:spcAft>
               <a:buNone/>
             </a:pPr>
-            <a:r>
-              <a:t/>
-            </a:r>
             <a:endParaRPr/>
           </a:p>
         </p:txBody>
@@ -12632,9 +12815,11 @@
       <p:sp>
         <p:nvSpPr>
           <p:cNvPr id="185" name="Google Shape;185;p21"/>
-          <p:cNvSpPr txBox="1"/>
+          <p:cNvSpPr txBox="1">
+            <a:spLocks noGrp="1"/>
+          </p:cNvSpPr>
           <p:nvPr>
-            <p:ph idx="1" type="body"/>
+            <p:ph type="body" idx="1"/>
           </p:nvPr>
         </p:nvSpPr>
         <p:spPr>
@@ -12647,12 +12832,12 @@
           </a:prstGeom>
         </p:spPr>
         <p:txBody>
-          <a:bodyPr anchorCtr="0" anchor="t" bIns="91425" lIns="91425" spcFirstLastPara="1" rIns="91425" wrap="square" tIns="91425">
+          <a:bodyPr spcFirstLastPara="1" wrap="square" lIns="91425" tIns="91425" rIns="91425" bIns="91425" anchor="t" anchorCtr="0">
             <a:normAutofit/>
           </a:bodyPr>
           <a:lstStyle/>
           <a:p>
-            <a:pPr indent="0" lvl="0" marL="0" rtl="0" algn="l">
+            <a:pPr marL="0" lvl="0" indent="0" algn="l" rtl="0">
               <a:spcBef>
                 <a:spcPts val="0"/>
               </a:spcBef>
@@ -12661,9 +12846,6 @@
               </a:spcAft>
               <a:buNone/>
             </a:pPr>
-            <a:r>
-              <a:t/>
-            </a:r>
             <a:endParaRPr/>
           </a:p>
         </p:txBody>
@@ -12705,7 +12887,7 @@
 </file>
 
 <file path=ppt/theme/theme1.xml><?xml version="1.0" encoding="utf-8"?>
-<a:theme xmlns:a="http://schemas.openxmlformats.org/drawingml/2006/main" xmlns:r="http://schemas.openxmlformats.org/officeDocument/2006/relationships" name="Shift">
+<a:theme xmlns:a="http://schemas.openxmlformats.org/drawingml/2006/main" name="Shift">
   <a:themeElements>
     <a:clrScheme name="Shift">
       <a:dk1>
@@ -12980,11 +13162,13 @@
       </a:bgFillStyleLst>
     </a:fmtScheme>
   </a:themeElements>
+  <a:objectDefaults/>
+  <a:extraClrSchemeLst/>
 </a:theme>
 </file>
 
 <file path=ppt/theme/theme2.xml><?xml version="1.0" encoding="utf-8"?>
-<a:theme xmlns:a="http://schemas.openxmlformats.org/drawingml/2006/main" xmlns:r="http://schemas.openxmlformats.org/officeDocument/2006/relationships">
+<a:theme xmlns:a="http://schemas.openxmlformats.org/drawingml/2006/main">
   <a:themeElements>
     <a:clrScheme name="Default">
       <a:dk1>
@@ -13259,5 +13443,7 @@
       </a:bgFillStyleLst>
     </a:fmtScheme>
   </a:themeElements>
+  <a:objectDefaults/>
+  <a:extraClrSchemeLst/>
 </a:theme>
 </file>